--- a/기획서/image/온라인 가구몰 프로세스.pptx
+++ b/기획서/image/온라인 가구몰 프로세스.pptx
@@ -5,7 +5,7 @@
     <p:sldMasterId id="2147483648" r:id="rId1"/>
   </p:sldMasterIdLst>
   <p:notesMasterIdLst>
-    <p:notesMasterId r:id="rId9"/>
+    <p:notesMasterId r:id="rId12"/>
   </p:notesMasterIdLst>
   <p:sldIdLst>
     <p:sldId id="257" r:id="rId2"/>
@@ -15,6 +15,9 @@
     <p:sldId id="261" r:id="rId6"/>
     <p:sldId id="262" r:id="rId7"/>
     <p:sldId id="263" r:id="rId8"/>
+    <p:sldId id="264" r:id="rId9"/>
+    <p:sldId id="265" r:id="rId10"/>
+    <p:sldId id="266" r:id="rId11"/>
   </p:sldIdLst>
   <p:sldSz cx="12192000" cy="6858000"/>
   <p:notesSz cx="6858000" cy="9144000"/>
@@ -113,6 +116,11 @@
       </a:defRPr>
     </a:lvl9pPr>
   </p:defaultTextStyle>
+  <p:extLst>
+    <p:ext uri="{EFAFB233-063F-42B5-8137-9DF3F51BA10A}">
+      <p15:sldGuideLst xmlns:p15="http://schemas.microsoft.com/office/powerpoint/2012/main"/>
+    </p:ext>
+  </p:extLst>
 </p:presentation>
 </file>
 
@@ -198,7 +206,7 @@
           <a:p>
             <a:fld id="{6A8BE8A8-348B-4416-BAB8-E3858EB2554C}" type="datetimeFigureOut">
               <a:rPr lang="ko-KR" altLang="en-US" smtClean="0"/>
-              <a:t>2017-02-26</a:t>
+              <a:t>2017-03-24</a:t>
             </a:fld>
             <a:endParaRPr lang="ko-KR" altLang="en-US"/>
           </a:p>
@@ -293,7 +301,6 @@
               <a:rPr lang="ko-KR" altLang="en-US"/>
               <a:t>다섯째 수준</a:t>
             </a:r>
-            <a:endParaRPr lang="ko-KR" altLang="en-US"/>
           </a:p>
         </p:txBody>
       </p:sp>
@@ -931,7 +938,6 @@
               <a:rPr lang="ko-KR" altLang="en-US"/>
               <a:t>마스터 제목 스타일 편집</a:t>
             </a:r>
-            <a:endParaRPr lang="ko-KR" altLang="en-US"/>
           </a:p>
         </p:txBody>
       </p:sp>
@@ -996,7 +1002,6 @@
               <a:rPr lang="ko-KR" altLang="en-US"/>
               <a:t>클릭하여 마스터 부제목 스타일 편집</a:t>
             </a:r>
-            <a:endParaRPr lang="ko-KR" altLang="en-US"/>
           </a:p>
         </p:txBody>
       </p:sp>
@@ -1017,7 +1022,7 @@
           <a:p>
             <a:fld id="{B7C38B97-10AF-4221-92F9-C1338B08EDC0}" type="datetimeFigureOut">
               <a:rPr lang="ko-KR" altLang="en-US" smtClean="0"/>
-              <a:t>2017-02-26</a:t>
+              <a:t>2017-03-24</a:t>
             </a:fld>
             <a:endParaRPr lang="ko-KR" altLang="en-US"/>
           </a:p>
@@ -1114,7 +1119,6 @@
               <a:rPr lang="ko-KR" altLang="en-US"/>
               <a:t>마스터 제목 스타일 편집</a:t>
             </a:r>
-            <a:endParaRPr lang="ko-KR" altLang="en-US"/>
           </a:p>
         </p:txBody>
       </p:sp>
@@ -1166,7 +1170,6 @@
               <a:rPr lang="ko-KR" altLang="en-US"/>
               <a:t>다섯째 수준</a:t>
             </a:r>
-            <a:endParaRPr lang="ko-KR" altLang="en-US"/>
           </a:p>
         </p:txBody>
       </p:sp>
@@ -1187,7 +1190,7 @@
           <a:p>
             <a:fld id="{B7C38B97-10AF-4221-92F9-C1338B08EDC0}" type="datetimeFigureOut">
               <a:rPr lang="ko-KR" altLang="en-US" smtClean="0"/>
-              <a:t>2017-02-26</a:t>
+              <a:t>2017-03-24</a:t>
             </a:fld>
             <a:endParaRPr lang="ko-KR" altLang="en-US"/>
           </a:p>
@@ -1289,7 +1292,6 @@
               <a:rPr lang="ko-KR" altLang="en-US"/>
               <a:t>마스터 제목 스타일 편집</a:t>
             </a:r>
-            <a:endParaRPr lang="ko-KR" altLang="en-US"/>
           </a:p>
         </p:txBody>
       </p:sp>
@@ -1346,7 +1348,6 @@
               <a:rPr lang="ko-KR" altLang="en-US"/>
               <a:t>다섯째 수준</a:t>
             </a:r>
-            <a:endParaRPr lang="ko-KR" altLang="en-US"/>
           </a:p>
         </p:txBody>
       </p:sp>
@@ -1367,7 +1368,7 @@
           <a:p>
             <a:fld id="{B7C38B97-10AF-4221-92F9-C1338B08EDC0}" type="datetimeFigureOut">
               <a:rPr lang="ko-KR" altLang="en-US" smtClean="0"/>
-              <a:t>2017-02-26</a:t>
+              <a:t>2017-03-24</a:t>
             </a:fld>
             <a:endParaRPr lang="ko-KR" altLang="en-US"/>
           </a:p>
@@ -1464,7 +1465,6 @@
               <a:rPr lang="ko-KR" altLang="en-US"/>
               <a:t>마스터 제목 스타일 편집</a:t>
             </a:r>
-            <a:endParaRPr lang="ko-KR" altLang="en-US"/>
           </a:p>
         </p:txBody>
       </p:sp>
@@ -1516,7 +1516,6 @@
               <a:rPr lang="ko-KR" altLang="en-US"/>
               <a:t>다섯째 수준</a:t>
             </a:r>
-            <a:endParaRPr lang="ko-KR" altLang="en-US"/>
           </a:p>
         </p:txBody>
       </p:sp>
@@ -1537,7 +1536,7 @@
           <a:p>
             <a:fld id="{B7C38B97-10AF-4221-92F9-C1338B08EDC0}" type="datetimeFigureOut">
               <a:rPr lang="ko-KR" altLang="en-US" smtClean="0"/>
-              <a:t>2017-02-26</a:t>
+              <a:t>2017-03-24</a:t>
             </a:fld>
             <a:endParaRPr lang="ko-KR" altLang="en-US"/>
           </a:p>
@@ -1643,7 +1642,6 @@
               <a:rPr lang="ko-KR" altLang="en-US"/>
               <a:t>마스터 제목 스타일 편집</a:t>
             </a:r>
-            <a:endParaRPr lang="ko-KR" altLang="en-US"/>
           </a:p>
         </p:txBody>
       </p:sp>
@@ -1783,7 +1781,7 @@
           <a:p>
             <a:fld id="{B7C38B97-10AF-4221-92F9-C1338B08EDC0}" type="datetimeFigureOut">
               <a:rPr lang="ko-KR" altLang="en-US" smtClean="0"/>
-              <a:t>2017-02-26</a:t>
+              <a:t>2017-03-24</a:t>
             </a:fld>
             <a:endParaRPr lang="ko-KR" altLang="en-US"/>
           </a:p>
@@ -1880,7 +1878,6 @@
               <a:rPr lang="ko-KR" altLang="en-US"/>
               <a:t>마스터 제목 스타일 편집</a:t>
             </a:r>
-            <a:endParaRPr lang="ko-KR" altLang="en-US"/>
           </a:p>
         </p:txBody>
       </p:sp>
@@ -1937,7 +1934,6 @@
               <a:rPr lang="ko-KR" altLang="en-US"/>
               <a:t>다섯째 수준</a:t>
             </a:r>
-            <a:endParaRPr lang="ko-KR" altLang="en-US"/>
           </a:p>
         </p:txBody>
       </p:sp>
@@ -1994,7 +1990,6 @@
               <a:rPr lang="ko-KR" altLang="en-US"/>
               <a:t>다섯째 수준</a:t>
             </a:r>
-            <a:endParaRPr lang="ko-KR" altLang="en-US"/>
           </a:p>
         </p:txBody>
       </p:sp>
@@ -2015,7 +2010,7 @@
           <a:p>
             <a:fld id="{B7C38B97-10AF-4221-92F9-C1338B08EDC0}" type="datetimeFigureOut">
               <a:rPr lang="ko-KR" altLang="en-US" smtClean="0"/>
-              <a:t>2017-02-26</a:t>
+              <a:t>2017-03-24</a:t>
             </a:fld>
             <a:endParaRPr lang="ko-KR" altLang="en-US"/>
           </a:p>
@@ -2117,7 +2112,6 @@
               <a:rPr lang="ko-KR" altLang="en-US"/>
               <a:t>마스터 제목 스타일 편집</a:t>
             </a:r>
-            <a:endParaRPr lang="ko-KR" altLang="en-US"/>
           </a:p>
         </p:txBody>
       </p:sp>
@@ -2239,7 +2233,6 @@
               <a:rPr lang="ko-KR" altLang="en-US"/>
               <a:t>다섯째 수준</a:t>
             </a:r>
-            <a:endParaRPr lang="ko-KR" altLang="en-US"/>
           </a:p>
         </p:txBody>
       </p:sp>
@@ -2361,7 +2354,6 @@
               <a:rPr lang="ko-KR" altLang="en-US"/>
               <a:t>다섯째 수준</a:t>
             </a:r>
-            <a:endParaRPr lang="ko-KR" altLang="en-US"/>
           </a:p>
         </p:txBody>
       </p:sp>
@@ -2382,7 +2374,7 @@
           <a:p>
             <a:fld id="{B7C38B97-10AF-4221-92F9-C1338B08EDC0}" type="datetimeFigureOut">
               <a:rPr lang="ko-KR" altLang="en-US" smtClean="0"/>
-              <a:t>2017-02-26</a:t>
+              <a:t>2017-03-24</a:t>
             </a:fld>
             <a:endParaRPr lang="ko-KR" altLang="en-US"/>
           </a:p>
@@ -2479,7 +2471,6 @@
               <a:rPr lang="ko-KR" altLang="en-US"/>
               <a:t>마스터 제목 스타일 편집</a:t>
             </a:r>
-            <a:endParaRPr lang="ko-KR" altLang="en-US"/>
           </a:p>
         </p:txBody>
       </p:sp>
@@ -2500,7 +2491,7 @@
           <a:p>
             <a:fld id="{B7C38B97-10AF-4221-92F9-C1338B08EDC0}" type="datetimeFigureOut">
               <a:rPr lang="ko-KR" altLang="en-US" smtClean="0"/>
-              <a:t>2017-02-26</a:t>
+              <a:t>2017-03-24</a:t>
             </a:fld>
             <a:endParaRPr lang="ko-KR" altLang="en-US"/>
           </a:p>
@@ -2595,7 +2586,7 @@
           <a:p>
             <a:fld id="{B7C38B97-10AF-4221-92F9-C1338B08EDC0}" type="datetimeFigureOut">
               <a:rPr lang="ko-KR" altLang="en-US" smtClean="0"/>
-              <a:t>2017-02-26</a:t>
+              <a:t>2017-03-24</a:t>
             </a:fld>
             <a:endParaRPr lang="ko-KR" altLang="en-US"/>
           </a:p>
@@ -2701,7 +2692,6 @@
               <a:rPr lang="ko-KR" altLang="en-US"/>
               <a:t>마스터 제목 스타일 편집</a:t>
             </a:r>
-            <a:endParaRPr lang="ko-KR" altLang="en-US"/>
           </a:p>
         </p:txBody>
       </p:sp>
@@ -2786,7 +2776,6 @@
               <a:rPr lang="ko-KR" altLang="en-US"/>
               <a:t>다섯째 수준</a:t>
             </a:r>
-            <a:endParaRPr lang="ko-KR" altLang="en-US"/>
           </a:p>
         </p:txBody>
       </p:sp>
@@ -2872,7 +2861,7 @@
           <a:p>
             <a:fld id="{B7C38B97-10AF-4221-92F9-C1338B08EDC0}" type="datetimeFigureOut">
               <a:rPr lang="ko-KR" altLang="en-US" smtClean="0"/>
-              <a:t>2017-02-26</a:t>
+              <a:t>2017-03-24</a:t>
             </a:fld>
             <a:endParaRPr lang="ko-KR" altLang="en-US"/>
           </a:p>
@@ -2978,7 +2967,6 @@
               <a:rPr lang="ko-KR" altLang="en-US"/>
               <a:t>마스터 제목 스타일 편집</a:t>
             </a:r>
-            <a:endParaRPr lang="ko-KR" altLang="en-US"/>
           </a:p>
         </p:txBody>
       </p:sp>
@@ -3125,7 +3113,7 @@
           <a:p>
             <a:fld id="{B7C38B97-10AF-4221-92F9-C1338B08EDC0}" type="datetimeFigureOut">
               <a:rPr lang="ko-KR" altLang="en-US" smtClean="0"/>
-              <a:t>2017-02-26</a:t>
+              <a:t>2017-03-24</a:t>
             </a:fld>
             <a:endParaRPr lang="ko-KR" altLang="en-US"/>
           </a:p>
@@ -3237,7 +3225,6 @@
               <a:rPr lang="ko-KR" altLang="en-US"/>
               <a:t>마스터 제목 스타일 편집</a:t>
             </a:r>
-            <a:endParaRPr lang="ko-KR" altLang="en-US"/>
           </a:p>
         </p:txBody>
       </p:sp>
@@ -3299,7 +3286,6 @@
               <a:rPr lang="ko-KR" altLang="en-US"/>
               <a:t>다섯째 수준</a:t>
             </a:r>
-            <a:endParaRPr lang="ko-KR" altLang="en-US"/>
           </a:p>
         </p:txBody>
       </p:sp>
@@ -3338,7 +3324,7 @@
           <a:p>
             <a:fld id="{B7C38B97-10AF-4221-92F9-C1338B08EDC0}" type="datetimeFigureOut">
               <a:rPr lang="ko-KR" altLang="en-US" smtClean="0"/>
-              <a:t>2017-02-26</a:t>
+              <a:t>2017-03-24</a:t>
             </a:fld>
             <a:endParaRPr lang="ko-KR" altLang="en-US"/>
           </a:p>
@@ -5474,6 +5460,1602 @@
 </p:sld>
 </file>
 
+<file path=ppt/slides/slide10.xml><?xml version="1.0" encoding="utf-8"?>
+<p:sld xmlns:a="http://schemas.openxmlformats.org/drawingml/2006/main" xmlns:r="http://schemas.openxmlformats.org/officeDocument/2006/relationships" xmlns:p="http://schemas.openxmlformats.org/presentationml/2006/main">
+  <p:cSld>
+    <p:spTree>
+      <p:nvGrpSpPr>
+        <p:cNvPr id="1" name=""/>
+        <p:cNvGrpSpPr/>
+        <p:nvPr/>
+      </p:nvGrpSpPr>
+      <p:grpSpPr>
+        <a:xfrm>
+          <a:off x="0" y="0"/>
+          <a:ext cx="0" cy="0"/>
+          <a:chOff x="0" y="0"/>
+          <a:chExt cx="0" cy="0"/>
+        </a:xfrm>
+      </p:grpSpPr>
+      <p:grpSp>
+        <p:nvGrpSpPr>
+          <p:cNvPr id="2" name="그룹 1"/>
+          <p:cNvGrpSpPr/>
+          <p:nvPr/>
+        </p:nvGrpSpPr>
+        <p:grpSpPr>
+          <a:xfrm>
+            <a:off x="1984327" y="2780929"/>
+            <a:ext cx="798439" cy="791727"/>
+            <a:chOff x="679616" y="3212976"/>
+            <a:chExt cx="798439" cy="791727"/>
+          </a:xfrm>
+        </p:grpSpPr>
+        <p:sp>
+          <p:nvSpPr>
+            <p:cNvPr id="3" name="Freeform 14"/>
+            <p:cNvSpPr>
+              <a:spLocks/>
+            </p:cNvSpPr>
+            <p:nvPr/>
+          </p:nvSpPr>
+          <p:spPr bwMode="auto">
+            <a:xfrm>
+              <a:off x="899592" y="3212976"/>
+              <a:ext cx="358185" cy="419509"/>
+            </a:xfrm>
+            <a:custGeom>
+              <a:avLst/>
+              <a:gdLst>
+                <a:gd name="T0" fmla="*/ 1175 w 2349"/>
+                <a:gd name="T1" fmla="*/ 0 h 2750"/>
+                <a:gd name="T2" fmla="*/ 1328 w 2349"/>
+                <a:gd name="T3" fmla="*/ 6 h 2750"/>
+                <a:gd name="T4" fmla="*/ 1474 w 2349"/>
+                <a:gd name="T5" fmla="*/ 27 h 2750"/>
+                <a:gd name="T6" fmla="*/ 1614 w 2349"/>
+                <a:gd name="T7" fmla="*/ 62 h 2750"/>
+                <a:gd name="T8" fmla="*/ 1746 w 2349"/>
+                <a:gd name="T9" fmla="*/ 112 h 2750"/>
+                <a:gd name="T10" fmla="*/ 1869 w 2349"/>
+                <a:gd name="T11" fmla="*/ 181 h 2750"/>
+                <a:gd name="T12" fmla="*/ 1978 w 2349"/>
+                <a:gd name="T13" fmla="*/ 268 h 2750"/>
+                <a:gd name="T14" fmla="*/ 2079 w 2349"/>
+                <a:gd name="T15" fmla="*/ 375 h 2750"/>
+                <a:gd name="T16" fmla="*/ 2163 w 2349"/>
+                <a:gd name="T17" fmla="*/ 504 h 2750"/>
+                <a:gd name="T18" fmla="*/ 2234 w 2349"/>
+                <a:gd name="T19" fmla="*/ 653 h 2750"/>
+                <a:gd name="T20" fmla="*/ 2288 w 2349"/>
+                <a:gd name="T21" fmla="*/ 828 h 2750"/>
+                <a:gd name="T22" fmla="*/ 2327 w 2349"/>
+                <a:gd name="T23" fmla="*/ 1027 h 2750"/>
+                <a:gd name="T24" fmla="*/ 2346 w 2349"/>
+                <a:gd name="T25" fmla="*/ 1251 h 2750"/>
+                <a:gd name="T26" fmla="*/ 2344 w 2349"/>
+                <a:gd name="T27" fmla="*/ 1493 h 2750"/>
+                <a:gd name="T28" fmla="*/ 2311 w 2349"/>
+                <a:gd name="T29" fmla="*/ 1722 h 2750"/>
+                <a:gd name="T30" fmla="*/ 2247 w 2349"/>
+                <a:gd name="T31" fmla="*/ 1935 h 2750"/>
+                <a:gd name="T32" fmla="*/ 2155 w 2349"/>
+                <a:gd name="T33" fmla="*/ 2133 h 2750"/>
+                <a:gd name="T34" fmla="*/ 2037 w 2349"/>
+                <a:gd name="T35" fmla="*/ 2308 h 2750"/>
+                <a:gd name="T36" fmla="*/ 1899 w 2349"/>
+                <a:gd name="T37" fmla="*/ 2457 h 2750"/>
+                <a:gd name="T38" fmla="*/ 1740 w 2349"/>
+                <a:gd name="T39" fmla="*/ 2581 h 2750"/>
+                <a:gd name="T40" fmla="*/ 1565 w 2349"/>
+                <a:gd name="T41" fmla="*/ 2672 h 2750"/>
+                <a:gd name="T42" fmla="*/ 1376 w 2349"/>
+                <a:gd name="T43" fmla="*/ 2729 h 2750"/>
+                <a:gd name="T44" fmla="*/ 1175 w 2349"/>
+                <a:gd name="T45" fmla="*/ 2750 h 2750"/>
+                <a:gd name="T46" fmla="*/ 975 w 2349"/>
+                <a:gd name="T47" fmla="*/ 2729 h 2750"/>
+                <a:gd name="T48" fmla="*/ 786 w 2349"/>
+                <a:gd name="T49" fmla="*/ 2672 h 2750"/>
+                <a:gd name="T50" fmla="*/ 609 w 2349"/>
+                <a:gd name="T51" fmla="*/ 2581 h 2750"/>
+                <a:gd name="T52" fmla="*/ 450 w 2349"/>
+                <a:gd name="T53" fmla="*/ 2457 h 2750"/>
+                <a:gd name="T54" fmla="*/ 312 w 2349"/>
+                <a:gd name="T55" fmla="*/ 2308 h 2750"/>
+                <a:gd name="T56" fmla="*/ 194 w 2349"/>
+                <a:gd name="T57" fmla="*/ 2133 h 2750"/>
+                <a:gd name="T58" fmla="*/ 102 w 2349"/>
+                <a:gd name="T59" fmla="*/ 1935 h 2750"/>
+                <a:gd name="T60" fmla="*/ 38 w 2349"/>
+                <a:gd name="T61" fmla="*/ 1722 h 2750"/>
+                <a:gd name="T62" fmla="*/ 5 w 2349"/>
+                <a:gd name="T63" fmla="*/ 1493 h 2750"/>
+                <a:gd name="T64" fmla="*/ 3 w 2349"/>
+                <a:gd name="T65" fmla="*/ 1251 h 2750"/>
+                <a:gd name="T66" fmla="*/ 22 w 2349"/>
+                <a:gd name="T67" fmla="*/ 1027 h 2750"/>
+                <a:gd name="T68" fmla="*/ 60 w 2349"/>
+                <a:gd name="T69" fmla="*/ 828 h 2750"/>
+                <a:gd name="T70" fmla="*/ 114 w 2349"/>
+                <a:gd name="T71" fmla="*/ 653 h 2750"/>
+                <a:gd name="T72" fmla="*/ 186 w 2349"/>
+                <a:gd name="T73" fmla="*/ 504 h 2750"/>
+                <a:gd name="T74" fmla="*/ 272 w 2349"/>
+                <a:gd name="T75" fmla="*/ 375 h 2750"/>
+                <a:gd name="T76" fmla="*/ 371 w 2349"/>
+                <a:gd name="T77" fmla="*/ 268 h 2750"/>
+                <a:gd name="T78" fmla="*/ 482 w 2349"/>
+                <a:gd name="T79" fmla="*/ 181 h 2750"/>
+                <a:gd name="T80" fmla="*/ 603 w 2349"/>
+                <a:gd name="T81" fmla="*/ 112 h 2750"/>
+                <a:gd name="T82" fmla="*/ 735 w 2349"/>
+                <a:gd name="T83" fmla="*/ 62 h 2750"/>
+                <a:gd name="T84" fmla="*/ 875 w 2349"/>
+                <a:gd name="T85" fmla="*/ 27 h 2750"/>
+                <a:gd name="T86" fmla="*/ 1021 w 2349"/>
+                <a:gd name="T87" fmla="*/ 6 h 2750"/>
+                <a:gd name="T88" fmla="*/ 1175 w 2349"/>
+                <a:gd name="T89" fmla="*/ 0 h 2750"/>
+              </a:gdLst>
+              <a:ahLst/>
+              <a:cxnLst>
+                <a:cxn ang="0">
+                  <a:pos x="T0" y="T1"/>
+                </a:cxn>
+                <a:cxn ang="0">
+                  <a:pos x="T2" y="T3"/>
+                </a:cxn>
+                <a:cxn ang="0">
+                  <a:pos x="T4" y="T5"/>
+                </a:cxn>
+                <a:cxn ang="0">
+                  <a:pos x="T6" y="T7"/>
+                </a:cxn>
+                <a:cxn ang="0">
+                  <a:pos x="T8" y="T9"/>
+                </a:cxn>
+                <a:cxn ang="0">
+                  <a:pos x="T10" y="T11"/>
+                </a:cxn>
+                <a:cxn ang="0">
+                  <a:pos x="T12" y="T13"/>
+                </a:cxn>
+                <a:cxn ang="0">
+                  <a:pos x="T14" y="T15"/>
+                </a:cxn>
+                <a:cxn ang="0">
+                  <a:pos x="T16" y="T17"/>
+                </a:cxn>
+                <a:cxn ang="0">
+                  <a:pos x="T18" y="T19"/>
+                </a:cxn>
+                <a:cxn ang="0">
+                  <a:pos x="T20" y="T21"/>
+                </a:cxn>
+                <a:cxn ang="0">
+                  <a:pos x="T22" y="T23"/>
+                </a:cxn>
+                <a:cxn ang="0">
+                  <a:pos x="T24" y="T25"/>
+                </a:cxn>
+                <a:cxn ang="0">
+                  <a:pos x="T26" y="T27"/>
+                </a:cxn>
+                <a:cxn ang="0">
+                  <a:pos x="T28" y="T29"/>
+                </a:cxn>
+                <a:cxn ang="0">
+                  <a:pos x="T30" y="T31"/>
+                </a:cxn>
+                <a:cxn ang="0">
+                  <a:pos x="T32" y="T33"/>
+                </a:cxn>
+                <a:cxn ang="0">
+                  <a:pos x="T34" y="T35"/>
+                </a:cxn>
+                <a:cxn ang="0">
+                  <a:pos x="T36" y="T37"/>
+                </a:cxn>
+                <a:cxn ang="0">
+                  <a:pos x="T38" y="T39"/>
+                </a:cxn>
+                <a:cxn ang="0">
+                  <a:pos x="T40" y="T41"/>
+                </a:cxn>
+                <a:cxn ang="0">
+                  <a:pos x="T42" y="T43"/>
+                </a:cxn>
+                <a:cxn ang="0">
+                  <a:pos x="T44" y="T45"/>
+                </a:cxn>
+                <a:cxn ang="0">
+                  <a:pos x="T46" y="T47"/>
+                </a:cxn>
+                <a:cxn ang="0">
+                  <a:pos x="T48" y="T49"/>
+                </a:cxn>
+                <a:cxn ang="0">
+                  <a:pos x="T50" y="T51"/>
+                </a:cxn>
+                <a:cxn ang="0">
+                  <a:pos x="T52" y="T53"/>
+                </a:cxn>
+                <a:cxn ang="0">
+                  <a:pos x="T54" y="T55"/>
+                </a:cxn>
+                <a:cxn ang="0">
+                  <a:pos x="T56" y="T57"/>
+                </a:cxn>
+                <a:cxn ang="0">
+                  <a:pos x="T58" y="T59"/>
+                </a:cxn>
+                <a:cxn ang="0">
+                  <a:pos x="T60" y="T61"/>
+                </a:cxn>
+                <a:cxn ang="0">
+                  <a:pos x="T62" y="T63"/>
+                </a:cxn>
+                <a:cxn ang="0">
+                  <a:pos x="T64" y="T65"/>
+                </a:cxn>
+                <a:cxn ang="0">
+                  <a:pos x="T66" y="T67"/>
+                </a:cxn>
+                <a:cxn ang="0">
+                  <a:pos x="T68" y="T69"/>
+                </a:cxn>
+                <a:cxn ang="0">
+                  <a:pos x="T70" y="T71"/>
+                </a:cxn>
+                <a:cxn ang="0">
+                  <a:pos x="T72" y="T73"/>
+                </a:cxn>
+                <a:cxn ang="0">
+                  <a:pos x="T74" y="T75"/>
+                </a:cxn>
+                <a:cxn ang="0">
+                  <a:pos x="T76" y="T77"/>
+                </a:cxn>
+                <a:cxn ang="0">
+                  <a:pos x="T78" y="T79"/>
+                </a:cxn>
+                <a:cxn ang="0">
+                  <a:pos x="T80" y="T81"/>
+                </a:cxn>
+                <a:cxn ang="0">
+                  <a:pos x="T82" y="T83"/>
+                </a:cxn>
+                <a:cxn ang="0">
+                  <a:pos x="T84" y="T85"/>
+                </a:cxn>
+                <a:cxn ang="0">
+                  <a:pos x="T86" y="T87"/>
+                </a:cxn>
+                <a:cxn ang="0">
+                  <a:pos x="T88" y="T89"/>
+                </a:cxn>
+              </a:cxnLst>
+              <a:rect l="0" t="0" r="r" b="b"/>
+              <a:pathLst>
+                <a:path w="2349" h="2750">
+                  <a:moveTo>
+                    <a:pt x="1175" y="0"/>
+                  </a:moveTo>
+                  <a:lnTo>
+                    <a:pt x="1175" y="0"/>
+                  </a:lnTo>
+                  <a:lnTo>
+                    <a:pt x="1252" y="1"/>
+                  </a:lnTo>
+                  <a:lnTo>
+                    <a:pt x="1328" y="6"/>
+                  </a:lnTo>
+                  <a:lnTo>
+                    <a:pt x="1403" y="15"/>
+                  </a:lnTo>
+                  <a:lnTo>
+                    <a:pt x="1474" y="27"/>
+                  </a:lnTo>
+                  <a:lnTo>
+                    <a:pt x="1546" y="42"/>
+                  </a:lnTo>
+                  <a:lnTo>
+                    <a:pt x="1614" y="62"/>
+                  </a:lnTo>
+                  <a:lnTo>
+                    <a:pt x="1681" y="85"/>
+                  </a:lnTo>
+                  <a:lnTo>
+                    <a:pt x="1746" y="112"/>
+                  </a:lnTo>
+                  <a:lnTo>
+                    <a:pt x="1808" y="144"/>
+                  </a:lnTo>
+                  <a:lnTo>
+                    <a:pt x="1869" y="181"/>
+                  </a:lnTo>
+                  <a:lnTo>
+                    <a:pt x="1926" y="222"/>
+                  </a:lnTo>
+                  <a:lnTo>
+                    <a:pt x="1978" y="268"/>
+                  </a:lnTo>
+                  <a:lnTo>
+                    <a:pt x="2031" y="319"/>
+                  </a:lnTo>
+                  <a:lnTo>
+                    <a:pt x="2079" y="375"/>
+                  </a:lnTo>
+                  <a:lnTo>
+                    <a:pt x="2123" y="437"/>
+                  </a:lnTo>
+                  <a:lnTo>
+                    <a:pt x="2163" y="504"/>
+                  </a:lnTo>
+                  <a:lnTo>
+                    <a:pt x="2201" y="575"/>
+                  </a:lnTo>
+                  <a:lnTo>
+                    <a:pt x="2234" y="653"/>
+                  </a:lnTo>
+                  <a:lnTo>
+                    <a:pt x="2263" y="738"/>
+                  </a:lnTo>
+                  <a:lnTo>
+                    <a:pt x="2288" y="828"/>
+                  </a:lnTo>
+                  <a:lnTo>
+                    <a:pt x="2311" y="924"/>
+                  </a:lnTo>
+                  <a:lnTo>
+                    <a:pt x="2327" y="1027"/>
+                  </a:lnTo>
+                  <a:lnTo>
+                    <a:pt x="2339" y="1137"/>
+                  </a:lnTo>
+                  <a:lnTo>
+                    <a:pt x="2346" y="1251"/>
+                  </a:lnTo>
+                  <a:lnTo>
+                    <a:pt x="2349" y="1376"/>
+                  </a:lnTo>
+                  <a:lnTo>
+                    <a:pt x="2344" y="1493"/>
+                  </a:lnTo>
+                  <a:lnTo>
+                    <a:pt x="2331" y="1609"/>
+                  </a:lnTo>
+                  <a:lnTo>
+                    <a:pt x="2311" y="1722"/>
+                  </a:lnTo>
+                  <a:lnTo>
+                    <a:pt x="2282" y="1830"/>
+                  </a:lnTo>
+                  <a:lnTo>
+                    <a:pt x="2247" y="1935"/>
+                  </a:lnTo>
+                  <a:lnTo>
+                    <a:pt x="2204" y="2037"/>
+                  </a:lnTo>
+                  <a:lnTo>
+                    <a:pt x="2155" y="2133"/>
+                  </a:lnTo>
+                  <a:lnTo>
+                    <a:pt x="2099" y="2222"/>
+                  </a:lnTo>
+                  <a:lnTo>
+                    <a:pt x="2037" y="2308"/>
+                  </a:lnTo>
+                  <a:lnTo>
+                    <a:pt x="1970" y="2386"/>
+                  </a:lnTo>
+                  <a:lnTo>
+                    <a:pt x="1899" y="2457"/>
+                  </a:lnTo>
+                  <a:lnTo>
+                    <a:pt x="1821" y="2522"/>
+                  </a:lnTo>
+                  <a:lnTo>
+                    <a:pt x="1740" y="2581"/>
+                  </a:lnTo>
+                  <a:lnTo>
+                    <a:pt x="1654" y="2631"/>
+                  </a:lnTo>
+                  <a:lnTo>
+                    <a:pt x="1565" y="2672"/>
+                  </a:lnTo>
+                  <a:lnTo>
+                    <a:pt x="1471" y="2705"/>
+                  </a:lnTo>
+                  <a:lnTo>
+                    <a:pt x="1376" y="2729"/>
+                  </a:lnTo>
+                  <a:lnTo>
+                    <a:pt x="1275" y="2745"/>
+                  </a:lnTo>
+                  <a:lnTo>
+                    <a:pt x="1175" y="2750"/>
+                  </a:lnTo>
+                  <a:lnTo>
+                    <a:pt x="1073" y="2745"/>
+                  </a:lnTo>
+                  <a:lnTo>
+                    <a:pt x="975" y="2729"/>
+                  </a:lnTo>
+                  <a:lnTo>
+                    <a:pt x="878" y="2705"/>
+                  </a:lnTo>
+                  <a:lnTo>
+                    <a:pt x="786" y="2672"/>
+                  </a:lnTo>
+                  <a:lnTo>
+                    <a:pt x="695" y="2631"/>
+                  </a:lnTo>
+                  <a:lnTo>
+                    <a:pt x="609" y="2581"/>
+                  </a:lnTo>
+                  <a:lnTo>
+                    <a:pt x="528" y="2522"/>
+                  </a:lnTo>
+                  <a:lnTo>
+                    <a:pt x="450" y="2457"/>
+                  </a:lnTo>
+                  <a:lnTo>
+                    <a:pt x="378" y="2386"/>
+                  </a:lnTo>
+                  <a:lnTo>
+                    <a:pt x="312" y="2308"/>
+                  </a:lnTo>
+                  <a:lnTo>
+                    <a:pt x="250" y="2222"/>
+                  </a:lnTo>
+                  <a:lnTo>
+                    <a:pt x="194" y="2133"/>
+                  </a:lnTo>
+                  <a:lnTo>
+                    <a:pt x="145" y="2037"/>
+                  </a:lnTo>
+                  <a:lnTo>
+                    <a:pt x="102" y="1935"/>
+                  </a:lnTo>
+                  <a:lnTo>
+                    <a:pt x="67" y="1830"/>
+                  </a:lnTo>
+                  <a:lnTo>
+                    <a:pt x="38" y="1722"/>
+                  </a:lnTo>
+                  <a:lnTo>
+                    <a:pt x="17" y="1609"/>
+                  </a:lnTo>
+                  <a:lnTo>
+                    <a:pt x="5" y="1493"/>
+                  </a:lnTo>
+                  <a:lnTo>
+                    <a:pt x="0" y="1376"/>
+                  </a:lnTo>
+                  <a:lnTo>
+                    <a:pt x="3" y="1251"/>
+                  </a:lnTo>
+                  <a:lnTo>
+                    <a:pt x="10" y="1137"/>
+                  </a:lnTo>
+                  <a:lnTo>
+                    <a:pt x="22" y="1027"/>
+                  </a:lnTo>
+                  <a:lnTo>
+                    <a:pt x="40" y="924"/>
+                  </a:lnTo>
+                  <a:lnTo>
+                    <a:pt x="60" y="828"/>
+                  </a:lnTo>
+                  <a:lnTo>
+                    <a:pt x="86" y="738"/>
+                  </a:lnTo>
+                  <a:lnTo>
+                    <a:pt x="114" y="653"/>
+                  </a:lnTo>
+                  <a:lnTo>
+                    <a:pt x="148" y="575"/>
+                  </a:lnTo>
+                  <a:lnTo>
+                    <a:pt x="186" y="504"/>
+                  </a:lnTo>
+                  <a:lnTo>
+                    <a:pt x="227" y="437"/>
+                  </a:lnTo>
+                  <a:lnTo>
+                    <a:pt x="272" y="375"/>
+                  </a:lnTo>
+                  <a:lnTo>
+                    <a:pt x="320" y="319"/>
+                  </a:lnTo>
+                  <a:lnTo>
+                    <a:pt x="371" y="268"/>
+                  </a:lnTo>
+                  <a:lnTo>
+                    <a:pt x="425" y="222"/>
+                  </a:lnTo>
+                  <a:lnTo>
+                    <a:pt x="482" y="181"/>
+                  </a:lnTo>
+                  <a:lnTo>
+                    <a:pt x="541" y="144"/>
+                  </a:lnTo>
+                  <a:lnTo>
+                    <a:pt x="603" y="112"/>
+                  </a:lnTo>
+                  <a:lnTo>
+                    <a:pt x="668" y="85"/>
+                  </a:lnTo>
+                  <a:lnTo>
+                    <a:pt x="735" y="62"/>
+                  </a:lnTo>
+                  <a:lnTo>
+                    <a:pt x="803" y="42"/>
+                  </a:lnTo>
+                  <a:lnTo>
+                    <a:pt x="875" y="27"/>
+                  </a:lnTo>
+                  <a:lnTo>
+                    <a:pt x="948" y="15"/>
+                  </a:lnTo>
+                  <a:lnTo>
+                    <a:pt x="1021" y="6"/>
+                  </a:lnTo>
+                  <a:lnTo>
+                    <a:pt x="1097" y="1"/>
+                  </a:lnTo>
+                  <a:lnTo>
+                    <a:pt x="1175" y="0"/>
+                  </a:lnTo>
+                  <a:close/>
+                </a:path>
+              </a:pathLst>
+            </a:custGeom>
+            <a:solidFill>
+              <a:schemeClr val="bg1">
+                <a:lumMod val="50000"/>
+              </a:schemeClr>
+            </a:solidFill>
+            <a:ln w="0">
+              <a:noFill/>
+              <a:prstDash val="solid"/>
+              <a:round/>
+              <a:headEnd/>
+              <a:tailEnd/>
+            </a:ln>
+          </p:spPr>
+          <p:txBody>
+            <a:bodyPr vert="horz" wrap="square" lIns="91072" tIns="45536" rIns="91072" bIns="45536" numCol="1" anchor="t" anchorCtr="0" compatLnSpc="1">
+              <a:prstTxWarp prst="textNoShape">
+                <a:avLst/>
+              </a:prstTxWarp>
+            </a:bodyPr>
+            <a:lstStyle/>
+            <a:p>
+              <a:pPr algn="ctr"/>
+              <a:endParaRPr lang="ko-KR" altLang="en-US" sz="1793" dirty="0">
+                <a:solidFill>
+                  <a:srgbClr val="E9181D"/>
+                </a:solidFill>
+              </a:endParaRPr>
+            </a:p>
+          </p:txBody>
+        </p:sp>
+        <p:sp>
+          <p:nvSpPr>
+            <p:cNvPr id="4" name="Freeform 15"/>
+            <p:cNvSpPr>
+              <a:spLocks/>
+            </p:cNvSpPr>
+            <p:nvPr/>
+          </p:nvSpPr>
+          <p:spPr bwMode="auto">
+            <a:xfrm>
+              <a:off x="679616" y="3641638"/>
+              <a:ext cx="798439" cy="363065"/>
+            </a:xfrm>
+            <a:custGeom>
+              <a:avLst/>
+              <a:gdLst>
+                <a:gd name="T0" fmla="*/ 1690 w 5235"/>
+                <a:gd name="T1" fmla="*/ 0 h 2380"/>
+                <a:gd name="T2" fmla="*/ 1712 w 5235"/>
+                <a:gd name="T3" fmla="*/ 2 h 2380"/>
+                <a:gd name="T4" fmla="*/ 1733 w 5235"/>
+                <a:gd name="T5" fmla="*/ 13 h 2380"/>
+                <a:gd name="T6" fmla="*/ 1820 w 5235"/>
+                <a:gd name="T7" fmla="*/ 75 h 2380"/>
+                <a:gd name="T8" fmla="*/ 1913 w 5235"/>
+                <a:gd name="T9" fmla="*/ 129 h 2380"/>
+                <a:gd name="T10" fmla="*/ 2007 w 5235"/>
+                <a:gd name="T11" fmla="*/ 179 h 2380"/>
+                <a:gd name="T12" fmla="*/ 2104 w 5235"/>
+                <a:gd name="T13" fmla="*/ 218 h 2380"/>
+                <a:gd name="T14" fmla="*/ 2202 w 5235"/>
+                <a:gd name="T15" fmla="*/ 253 h 2380"/>
+                <a:gd name="T16" fmla="*/ 2304 w 5235"/>
+                <a:gd name="T17" fmla="*/ 279 h 2380"/>
+                <a:gd name="T18" fmla="*/ 2407 w 5235"/>
+                <a:gd name="T19" fmla="*/ 298 h 2380"/>
+                <a:gd name="T20" fmla="*/ 2511 w 5235"/>
+                <a:gd name="T21" fmla="*/ 309 h 2380"/>
+                <a:gd name="T22" fmla="*/ 2617 w 5235"/>
+                <a:gd name="T23" fmla="*/ 314 h 2380"/>
+                <a:gd name="T24" fmla="*/ 2722 w 5235"/>
+                <a:gd name="T25" fmla="*/ 309 h 2380"/>
+                <a:gd name="T26" fmla="*/ 2827 w 5235"/>
+                <a:gd name="T27" fmla="*/ 298 h 2380"/>
+                <a:gd name="T28" fmla="*/ 2929 w 5235"/>
+                <a:gd name="T29" fmla="*/ 279 h 2380"/>
+                <a:gd name="T30" fmla="*/ 3031 w 5235"/>
+                <a:gd name="T31" fmla="*/ 253 h 2380"/>
+                <a:gd name="T32" fmla="*/ 3129 w 5235"/>
+                <a:gd name="T33" fmla="*/ 218 h 2380"/>
+                <a:gd name="T34" fmla="*/ 3226 w 5235"/>
+                <a:gd name="T35" fmla="*/ 179 h 2380"/>
+                <a:gd name="T36" fmla="*/ 3322 w 5235"/>
+                <a:gd name="T37" fmla="*/ 129 h 2380"/>
+                <a:gd name="T38" fmla="*/ 3412 w 5235"/>
+                <a:gd name="T39" fmla="*/ 75 h 2380"/>
+                <a:gd name="T40" fmla="*/ 3501 w 5235"/>
+                <a:gd name="T41" fmla="*/ 13 h 2380"/>
+                <a:gd name="T42" fmla="*/ 3521 w 5235"/>
+                <a:gd name="T43" fmla="*/ 2 h 2380"/>
+                <a:gd name="T44" fmla="*/ 3543 w 5235"/>
+                <a:gd name="T45" fmla="*/ 0 h 2380"/>
+                <a:gd name="T46" fmla="*/ 3563 w 5235"/>
+                <a:gd name="T47" fmla="*/ 7 h 2380"/>
+                <a:gd name="T48" fmla="*/ 4483 w 5235"/>
+                <a:gd name="T49" fmla="*/ 486 h 2380"/>
+                <a:gd name="T50" fmla="*/ 4526 w 5235"/>
+                <a:gd name="T51" fmla="*/ 513 h 2380"/>
+                <a:gd name="T52" fmla="*/ 4562 w 5235"/>
+                <a:gd name="T53" fmla="*/ 546 h 2380"/>
+                <a:gd name="T54" fmla="*/ 4594 w 5235"/>
+                <a:gd name="T55" fmla="*/ 584 h 2380"/>
+                <a:gd name="T56" fmla="*/ 4618 w 5235"/>
+                <a:gd name="T57" fmla="*/ 629 h 2380"/>
+                <a:gd name="T58" fmla="*/ 5209 w 5235"/>
+                <a:gd name="T59" fmla="*/ 1963 h 2380"/>
+                <a:gd name="T60" fmla="*/ 5225 w 5235"/>
+                <a:gd name="T61" fmla="*/ 2011 h 2380"/>
+                <a:gd name="T62" fmla="*/ 5235 w 5235"/>
+                <a:gd name="T63" fmla="*/ 2059 h 2380"/>
+                <a:gd name="T64" fmla="*/ 5235 w 5235"/>
+                <a:gd name="T65" fmla="*/ 2106 h 2380"/>
+                <a:gd name="T66" fmla="*/ 5227 w 5235"/>
+                <a:gd name="T67" fmla="*/ 2156 h 2380"/>
+                <a:gd name="T68" fmla="*/ 5211 w 5235"/>
+                <a:gd name="T69" fmla="*/ 2202 h 2380"/>
+                <a:gd name="T70" fmla="*/ 5187 w 5235"/>
+                <a:gd name="T71" fmla="*/ 2245 h 2380"/>
+                <a:gd name="T72" fmla="*/ 5157 w 5235"/>
+                <a:gd name="T73" fmla="*/ 2285 h 2380"/>
+                <a:gd name="T74" fmla="*/ 5120 w 5235"/>
+                <a:gd name="T75" fmla="*/ 2318 h 2380"/>
+                <a:gd name="T76" fmla="*/ 5081 w 5235"/>
+                <a:gd name="T77" fmla="*/ 2344 h 2380"/>
+                <a:gd name="T78" fmla="*/ 5036 w 5235"/>
+                <a:gd name="T79" fmla="*/ 2364 h 2380"/>
+                <a:gd name="T80" fmla="*/ 4988 w 5235"/>
+                <a:gd name="T81" fmla="*/ 2375 h 2380"/>
+                <a:gd name="T82" fmla="*/ 4939 w 5235"/>
+                <a:gd name="T83" fmla="*/ 2380 h 2380"/>
+                <a:gd name="T84" fmla="*/ 294 w 5235"/>
+                <a:gd name="T85" fmla="*/ 2380 h 2380"/>
+                <a:gd name="T86" fmla="*/ 244 w 5235"/>
+                <a:gd name="T87" fmla="*/ 2375 h 2380"/>
+                <a:gd name="T88" fmla="*/ 197 w 5235"/>
+                <a:gd name="T89" fmla="*/ 2364 h 2380"/>
+                <a:gd name="T90" fmla="*/ 152 w 5235"/>
+                <a:gd name="T91" fmla="*/ 2344 h 2380"/>
+                <a:gd name="T92" fmla="*/ 113 w 5235"/>
+                <a:gd name="T93" fmla="*/ 2318 h 2380"/>
+                <a:gd name="T94" fmla="*/ 76 w 5235"/>
+                <a:gd name="T95" fmla="*/ 2285 h 2380"/>
+                <a:gd name="T96" fmla="*/ 46 w 5235"/>
+                <a:gd name="T97" fmla="*/ 2245 h 2380"/>
+                <a:gd name="T98" fmla="*/ 22 w 5235"/>
+                <a:gd name="T99" fmla="*/ 2202 h 2380"/>
+                <a:gd name="T100" fmla="*/ 6 w 5235"/>
+                <a:gd name="T101" fmla="*/ 2156 h 2380"/>
+                <a:gd name="T102" fmla="*/ 0 w 5235"/>
+                <a:gd name="T103" fmla="*/ 2106 h 2380"/>
+                <a:gd name="T104" fmla="*/ 0 w 5235"/>
+                <a:gd name="T105" fmla="*/ 2059 h 2380"/>
+                <a:gd name="T106" fmla="*/ 8 w 5235"/>
+                <a:gd name="T107" fmla="*/ 2011 h 2380"/>
+                <a:gd name="T108" fmla="*/ 23 w 5235"/>
+                <a:gd name="T109" fmla="*/ 1963 h 2380"/>
+                <a:gd name="T110" fmla="*/ 617 w 5235"/>
+                <a:gd name="T111" fmla="*/ 629 h 2380"/>
+                <a:gd name="T112" fmla="*/ 640 w 5235"/>
+                <a:gd name="T113" fmla="*/ 584 h 2380"/>
+                <a:gd name="T114" fmla="*/ 671 w 5235"/>
+                <a:gd name="T115" fmla="*/ 546 h 2380"/>
+                <a:gd name="T116" fmla="*/ 707 w 5235"/>
+                <a:gd name="T117" fmla="*/ 513 h 2380"/>
+                <a:gd name="T118" fmla="*/ 750 w 5235"/>
+                <a:gd name="T119" fmla="*/ 486 h 2380"/>
+                <a:gd name="T120" fmla="*/ 1669 w 5235"/>
+                <a:gd name="T121" fmla="*/ 7 h 2380"/>
+                <a:gd name="T122" fmla="*/ 1690 w 5235"/>
+                <a:gd name="T123" fmla="*/ 0 h 2380"/>
+              </a:gdLst>
+              <a:ahLst/>
+              <a:cxnLst>
+                <a:cxn ang="0">
+                  <a:pos x="T0" y="T1"/>
+                </a:cxn>
+                <a:cxn ang="0">
+                  <a:pos x="T2" y="T3"/>
+                </a:cxn>
+                <a:cxn ang="0">
+                  <a:pos x="T4" y="T5"/>
+                </a:cxn>
+                <a:cxn ang="0">
+                  <a:pos x="T6" y="T7"/>
+                </a:cxn>
+                <a:cxn ang="0">
+                  <a:pos x="T8" y="T9"/>
+                </a:cxn>
+                <a:cxn ang="0">
+                  <a:pos x="T10" y="T11"/>
+                </a:cxn>
+                <a:cxn ang="0">
+                  <a:pos x="T12" y="T13"/>
+                </a:cxn>
+                <a:cxn ang="0">
+                  <a:pos x="T14" y="T15"/>
+                </a:cxn>
+                <a:cxn ang="0">
+                  <a:pos x="T16" y="T17"/>
+                </a:cxn>
+                <a:cxn ang="0">
+                  <a:pos x="T18" y="T19"/>
+                </a:cxn>
+                <a:cxn ang="0">
+                  <a:pos x="T20" y="T21"/>
+                </a:cxn>
+                <a:cxn ang="0">
+                  <a:pos x="T22" y="T23"/>
+                </a:cxn>
+                <a:cxn ang="0">
+                  <a:pos x="T24" y="T25"/>
+                </a:cxn>
+                <a:cxn ang="0">
+                  <a:pos x="T26" y="T27"/>
+                </a:cxn>
+                <a:cxn ang="0">
+                  <a:pos x="T28" y="T29"/>
+                </a:cxn>
+                <a:cxn ang="0">
+                  <a:pos x="T30" y="T31"/>
+                </a:cxn>
+                <a:cxn ang="0">
+                  <a:pos x="T32" y="T33"/>
+                </a:cxn>
+                <a:cxn ang="0">
+                  <a:pos x="T34" y="T35"/>
+                </a:cxn>
+                <a:cxn ang="0">
+                  <a:pos x="T36" y="T37"/>
+                </a:cxn>
+                <a:cxn ang="0">
+                  <a:pos x="T38" y="T39"/>
+                </a:cxn>
+                <a:cxn ang="0">
+                  <a:pos x="T40" y="T41"/>
+                </a:cxn>
+                <a:cxn ang="0">
+                  <a:pos x="T42" y="T43"/>
+                </a:cxn>
+                <a:cxn ang="0">
+                  <a:pos x="T44" y="T45"/>
+                </a:cxn>
+                <a:cxn ang="0">
+                  <a:pos x="T46" y="T47"/>
+                </a:cxn>
+                <a:cxn ang="0">
+                  <a:pos x="T48" y="T49"/>
+                </a:cxn>
+                <a:cxn ang="0">
+                  <a:pos x="T50" y="T51"/>
+                </a:cxn>
+                <a:cxn ang="0">
+                  <a:pos x="T52" y="T53"/>
+                </a:cxn>
+                <a:cxn ang="0">
+                  <a:pos x="T54" y="T55"/>
+                </a:cxn>
+                <a:cxn ang="0">
+                  <a:pos x="T56" y="T57"/>
+                </a:cxn>
+                <a:cxn ang="0">
+                  <a:pos x="T58" y="T59"/>
+                </a:cxn>
+                <a:cxn ang="0">
+                  <a:pos x="T60" y="T61"/>
+                </a:cxn>
+                <a:cxn ang="0">
+                  <a:pos x="T62" y="T63"/>
+                </a:cxn>
+                <a:cxn ang="0">
+                  <a:pos x="T64" y="T65"/>
+                </a:cxn>
+                <a:cxn ang="0">
+                  <a:pos x="T66" y="T67"/>
+                </a:cxn>
+                <a:cxn ang="0">
+                  <a:pos x="T68" y="T69"/>
+                </a:cxn>
+                <a:cxn ang="0">
+                  <a:pos x="T70" y="T71"/>
+                </a:cxn>
+                <a:cxn ang="0">
+                  <a:pos x="T72" y="T73"/>
+                </a:cxn>
+                <a:cxn ang="0">
+                  <a:pos x="T74" y="T75"/>
+                </a:cxn>
+                <a:cxn ang="0">
+                  <a:pos x="T76" y="T77"/>
+                </a:cxn>
+                <a:cxn ang="0">
+                  <a:pos x="T78" y="T79"/>
+                </a:cxn>
+                <a:cxn ang="0">
+                  <a:pos x="T80" y="T81"/>
+                </a:cxn>
+                <a:cxn ang="0">
+                  <a:pos x="T82" y="T83"/>
+                </a:cxn>
+                <a:cxn ang="0">
+                  <a:pos x="T84" y="T85"/>
+                </a:cxn>
+                <a:cxn ang="0">
+                  <a:pos x="T86" y="T87"/>
+                </a:cxn>
+                <a:cxn ang="0">
+                  <a:pos x="T88" y="T89"/>
+                </a:cxn>
+                <a:cxn ang="0">
+                  <a:pos x="T90" y="T91"/>
+                </a:cxn>
+                <a:cxn ang="0">
+                  <a:pos x="T92" y="T93"/>
+                </a:cxn>
+                <a:cxn ang="0">
+                  <a:pos x="T94" y="T95"/>
+                </a:cxn>
+                <a:cxn ang="0">
+                  <a:pos x="T96" y="T97"/>
+                </a:cxn>
+                <a:cxn ang="0">
+                  <a:pos x="T98" y="T99"/>
+                </a:cxn>
+                <a:cxn ang="0">
+                  <a:pos x="T100" y="T101"/>
+                </a:cxn>
+                <a:cxn ang="0">
+                  <a:pos x="T102" y="T103"/>
+                </a:cxn>
+                <a:cxn ang="0">
+                  <a:pos x="T104" y="T105"/>
+                </a:cxn>
+                <a:cxn ang="0">
+                  <a:pos x="T106" y="T107"/>
+                </a:cxn>
+                <a:cxn ang="0">
+                  <a:pos x="T108" y="T109"/>
+                </a:cxn>
+                <a:cxn ang="0">
+                  <a:pos x="T110" y="T111"/>
+                </a:cxn>
+                <a:cxn ang="0">
+                  <a:pos x="T112" y="T113"/>
+                </a:cxn>
+                <a:cxn ang="0">
+                  <a:pos x="T114" y="T115"/>
+                </a:cxn>
+                <a:cxn ang="0">
+                  <a:pos x="T116" y="T117"/>
+                </a:cxn>
+                <a:cxn ang="0">
+                  <a:pos x="T118" y="T119"/>
+                </a:cxn>
+                <a:cxn ang="0">
+                  <a:pos x="T120" y="T121"/>
+                </a:cxn>
+                <a:cxn ang="0">
+                  <a:pos x="T122" y="T123"/>
+                </a:cxn>
+              </a:cxnLst>
+              <a:rect l="0" t="0" r="r" b="b"/>
+              <a:pathLst>
+                <a:path w="5235" h="2380">
+                  <a:moveTo>
+                    <a:pt x="1690" y="0"/>
+                  </a:moveTo>
+                  <a:lnTo>
+                    <a:pt x="1712" y="2"/>
+                  </a:lnTo>
+                  <a:lnTo>
+                    <a:pt x="1733" y="13"/>
+                  </a:lnTo>
+                  <a:lnTo>
+                    <a:pt x="1820" y="75"/>
+                  </a:lnTo>
+                  <a:lnTo>
+                    <a:pt x="1913" y="129"/>
+                  </a:lnTo>
+                  <a:lnTo>
+                    <a:pt x="2007" y="179"/>
+                  </a:lnTo>
+                  <a:lnTo>
+                    <a:pt x="2104" y="218"/>
+                  </a:lnTo>
+                  <a:lnTo>
+                    <a:pt x="2202" y="253"/>
+                  </a:lnTo>
+                  <a:lnTo>
+                    <a:pt x="2304" y="279"/>
+                  </a:lnTo>
+                  <a:lnTo>
+                    <a:pt x="2407" y="298"/>
+                  </a:lnTo>
+                  <a:lnTo>
+                    <a:pt x="2511" y="309"/>
+                  </a:lnTo>
+                  <a:lnTo>
+                    <a:pt x="2617" y="314"/>
+                  </a:lnTo>
+                  <a:lnTo>
+                    <a:pt x="2722" y="309"/>
+                  </a:lnTo>
+                  <a:lnTo>
+                    <a:pt x="2827" y="298"/>
+                  </a:lnTo>
+                  <a:lnTo>
+                    <a:pt x="2929" y="279"/>
+                  </a:lnTo>
+                  <a:lnTo>
+                    <a:pt x="3031" y="253"/>
+                  </a:lnTo>
+                  <a:lnTo>
+                    <a:pt x="3129" y="218"/>
+                  </a:lnTo>
+                  <a:lnTo>
+                    <a:pt x="3226" y="179"/>
+                  </a:lnTo>
+                  <a:lnTo>
+                    <a:pt x="3322" y="129"/>
+                  </a:lnTo>
+                  <a:lnTo>
+                    <a:pt x="3412" y="75"/>
+                  </a:lnTo>
+                  <a:lnTo>
+                    <a:pt x="3501" y="13"/>
+                  </a:lnTo>
+                  <a:lnTo>
+                    <a:pt x="3521" y="2"/>
+                  </a:lnTo>
+                  <a:lnTo>
+                    <a:pt x="3543" y="0"/>
+                  </a:lnTo>
+                  <a:lnTo>
+                    <a:pt x="3563" y="7"/>
+                  </a:lnTo>
+                  <a:lnTo>
+                    <a:pt x="4483" y="486"/>
+                  </a:lnTo>
+                  <a:lnTo>
+                    <a:pt x="4526" y="513"/>
+                  </a:lnTo>
+                  <a:lnTo>
+                    <a:pt x="4562" y="546"/>
+                  </a:lnTo>
+                  <a:lnTo>
+                    <a:pt x="4594" y="584"/>
+                  </a:lnTo>
+                  <a:lnTo>
+                    <a:pt x="4618" y="629"/>
+                  </a:lnTo>
+                  <a:lnTo>
+                    <a:pt x="5209" y="1963"/>
+                  </a:lnTo>
+                  <a:lnTo>
+                    <a:pt x="5225" y="2011"/>
+                  </a:lnTo>
+                  <a:lnTo>
+                    <a:pt x="5235" y="2059"/>
+                  </a:lnTo>
+                  <a:lnTo>
+                    <a:pt x="5235" y="2106"/>
+                  </a:lnTo>
+                  <a:lnTo>
+                    <a:pt x="5227" y="2156"/>
+                  </a:lnTo>
+                  <a:lnTo>
+                    <a:pt x="5211" y="2202"/>
+                  </a:lnTo>
+                  <a:lnTo>
+                    <a:pt x="5187" y="2245"/>
+                  </a:lnTo>
+                  <a:lnTo>
+                    <a:pt x="5157" y="2285"/>
+                  </a:lnTo>
+                  <a:lnTo>
+                    <a:pt x="5120" y="2318"/>
+                  </a:lnTo>
+                  <a:lnTo>
+                    <a:pt x="5081" y="2344"/>
+                  </a:lnTo>
+                  <a:lnTo>
+                    <a:pt x="5036" y="2364"/>
+                  </a:lnTo>
+                  <a:lnTo>
+                    <a:pt x="4988" y="2375"/>
+                  </a:lnTo>
+                  <a:lnTo>
+                    <a:pt x="4939" y="2380"/>
+                  </a:lnTo>
+                  <a:lnTo>
+                    <a:pt x="294" y="2380"/>
+                  </a:lnTo>
+                  <a:lnTo>
+                    <a:pt x="244" y="2375"/>
+                  </a:lnTo>
+                  <a:lnTo>
+                    <a:pt x="197" y="2364"/>
+                  </a:lnTo>
+                  <a:lnTo>
+                    <a:pt x="152" y="2344"/>
+                  </a:lnTo>
+                  <a:lnTo>
+                    <a:pt x="113" y="2318"/>
+                  </a:lnTo>
+                  <a:lnTo>
+                    <a:pt x="76" y="2285"/>
+                  </a:lnTo>
+                  <a:lnTo>
+                    <a:pt x="46" y="2245"/>
+                  </a:lnTo>
+                  <a:lnTo>
+                    <a:pt x="22" y="2202"/>
+                  </a:lnTo>
+                  <a:lnTo>
+                    <a:pt x="6" y="2156"/>
+                  </a:lnTo>
+                  <a:lnTo>
+                    <a:pt x="0" y="2106"/>
+                  </a:lnTo>
+                  <a:lnTo>
+                    <a:pt x="0" y="2059"/>
+                  </a:lnTo>
+                  <a:lnTo>
+                    <a:pt x="8" y="2011"/>
+                  </a:lnTo>
+                  <a:lnTo>
+                    <a:pt x="23" y="1963"/>
+                  </a:lnTo>
+                  <a:lnTo>
+                    <a:pt x="617" y="629"/>
+                  </a:lnTo>
+                  <a:lnTo>
+                    <a:pt x="640" y="584"/>
+                  </a:lnTo>
+                  <a:lnTo>
+                    <a:pt x="671" y="546"/>
+                  </a:lnTo>
+                  <a:lnTo>
+                    <a:pt x="707" y="513"/>
+                  </a:lnTo>
+                  <a:lnTo>
+                    <a:pt x="750" y="486"/>
+                  </a:lnTo>
+                  <a:lnTo>
+                    <a:pt x="1669" y="7"/>
+                  </a:lnTo>
+                  <a:lnTo>
+                    <a:pt x="1690" y="0"/>
+                  </a:lnTo>
+                  <a:close/>
+                </a:path>
+              </a:pathLst>
+            </a:custGeom>
+            <a:solidFill>
+              <a:schemeClr val="bg1">
+                <a:lumMod val="50000"/>
+              </a:schemeClr>
+            </a:solidFill>
+            <a:ln w="0">
+              <a:noFill/>
+              <a:prstDash val="solid"/>
+              <a:round/>
+              <a:headEnd/>
+              <a:tailEnd/>
+            </a:ln>
+          </p:spPr>
+          <p:txBody>
+            <a:bodyPr vert="horz" wrap="square" lIns="91072" tIns="45536" rIns="91072" bIns="45536" numCol="1" anchor="t" anchorCtr="0" compatLnSpc="1">
+              <a:prstTxWarp prst="textNoShape">
+                <a:avLst/>
+              </a:prstTxWarp>
+            </a:bodyPr>
+            <a:lstStyle/>
+            <a:p>
+              <a:pPr algn="ctr"/>
+              <a:endParaRPr lang="ko-KR" altLang="en-US" sz="1793"/>
+            </a:p>
+          </p:txBody>
+        </p:sp>
+      </p:grpSp>
+      <p:sp>
+        <p:nvSpPr>
+          <p:cNvPr id="5" name="TextBox 4"/>
+          <p:cNvSpPr txBox="1"/>
+          <p:nvPr/>
+        </p:nvSpPr>
+        <p:spPr>
+          <a:xfrm>
+            <a:off x="1542662" y="3594836"/>
+            <a:ext cx="1681466" cy="369332"/>
+          </a:xfrm>
+          <a:prstGeom prst="rect">
+            <a:avLst/>
+          </a:prstGeom>
+          <a:noFill/>
+        </p:spPr>
+        <p:txBody>
+          <a:bodyPr wrap="square" rtlCol="0">
+            <a:spAutoFit/>
+          </a:bodyPr>
+          <a:lstStyle/>
+          <a:p>
+            <a:r>
+              <a:rPr lang="ko-KR" altLang="en-US" b="1"/>
+              <a:t>아파트 시행사</a:t>
+            </a:r>
+            <a:endParaRPr lang="ko-KR" altLang="en-US" b="1" dirty="0"/>
+          </a:p>
+        </p:txBody>
+      </p:sp>
+      <p:sp>
+        <p:nvSpPr>
+          <p:cNvPr id="6" name="화살표: 오른쪽 5"/>
+          <p:cNvSpPr/>
+          <p:nvPr/>
+        </p:nvSpPr>
+        <p:spPr>
+          <a:xfrm>
+            <a:off x="2987903" y="2959074"/>
+            <a:ext cx="696139" cy="432048"/>
+          </a:xfrm>
+          <a:prstGeom prst="rightArrow">
+            <a:avLst/>
+          </a:prstGeom>
+          <a:solidFill>
+            <a:schemeClr val="bg1">
+              <a:lumMod val="50000"/>
+            </a:schemeClr>
+          </a:solidFill>
+          <a:ln>
+            <a:noFill/>
+          </a:ln>
+        </p:spPr>
+        <p:style>
+          <a:lnRef idx="2">
+            <a:schemeClr val="accent1">
+              <a:shade val="50000"/>
+            </a:schemeClr>
+          </a:lnRef>
+          <a:fillRef idx="1">
+            <a:schemeClr val="accent1"/>
+          </a:fillRef>
+          <a:effectRef idx="0">
+            <a:schemeClr val="accent1"/>
+          </a:effectRef>
+          <a:fontRef idx="minor">
+            <a:schemeClr val="lt1"/>
+          </a:fontRef>
+        </p:style>
+        <p:txBody>
+          <a:bodyPr rtlCol="0" anchor="ctr"/>
+          <a:lstStyle/>
+          <a:p>
+            <a:pPr algn="ctr"/>
+            <a:endParaRPr lang="ko-KR" altLang="en-US"/>
+          </a:p>
+        </p:txBody>
+      </p:sp>
+      <p:sp>
+        <p:nvSpPr>
+          <p:cNvPr id="7" name="TextBox 6"/>
+          <p:cNvSpPr txBox="1"/>
+          <p:nvPr/>
+        </p:nvSpPr>
+        <p:spPr>
+          <a:xfrm>
+            <a:off x="2867920" y="2487885"/>
+            <a:ext cx="936104" cy="369332"/>
+          </a:xfrm>
+          <a:prstGeom prst="rect">
+            <a:avLst/>
+          </a:prstGeom>
+          <a:noFill/>
+        </p:spPr>
+        <p:txBody>
+          <a:bodyPr wrap="square" rtlCol="0">
+            <a:spAutoFit/>
+          </a:bodyPr>
+          <a:lstStyle/>
+          <a:p>
+            <a:r>
+              <a:rPr lang="ko-KR" altLang="en-US" b="1"/>
+              <a:t>로그인</a:t>
+            </a:r>
+            <a:endParaRPr lang="ko-KR" altLang="en-US" b="1" dirty="0"/>
+          </a:p>
+        </p:txBody>
+      </p:sp>
+      <p:pic>
+        <p:nvPicPr>
+          <p:cNvPr id="8" name="그래픽 7" descr="모니터"/>
+          <p:cNvPicPr>
+            <a:picLocks noChangeAspect="1"/>
+          </p:cNvPicPr>
+          <p:nvPr/>
+        </p:nvPicPr>
+        <p:blipFill>
+          <a:blip r:embed="rId2">
+            <a:extLst>
+              <a:ext uri="{28A0092B-C50C-407E-A947-70E740481C1C}">
+                <a14:useLocalDpi xmlns:a14="http://schemas.microsoft.com/office/drawing/2010/main" val="0"/>
+              </a:ext>
+              <a:ext uri="{96DAC541-7B7A-43D3-8B79-37D633B846F1}">
+                <asvg:svgBlip xmlns:asvg="http://schemas.microsoft.com/office/drawing/2016/SVG/main" r:embed="rId3"/>
+              </a:ext>
+            </a:extLst>
+          </a:blip>
+          <a:stretch>
+            <a:fillRect/>
+          </a:stretch>
+        </p:blipFill>
+        <p:spPr>
+          <a:xfrm>
+            <a:off x="4009161" y="2780929"/>
+            <a:ext cx="914400" cy="914400"/>
+          </a:xfrm>
+          <a:prstGeom prst="rect">
+            <a:avLst/>
+          </a:prstGeom>
+        </p:spPr>
+      </p:pic>
+      <p:sp>
+        <p:nvSpPr>
+          <p:cNvPr id="9" name="TextBox 8"/>
+          <p:cNvSpPr txBox="1"/>
+          <p:nvPr/>
+        </p:nvSpPr>
+        <p:spPr>
+          <a:xfrm>
+            <a:off x="3894328" y="3695329"/>
+            <a:ext cx="1681466" cy="369332"/>
+          </a:xfrm>
+          <a:prstGeom prst="rect">
+            <a:avLst/>
+          </a:prstGeom>
+          <a:noFill/>
+        </p:spPr>
+        <p:txBody>
+          <a:bodyPr wrap="square" rtlCol="0">
+            <a:spAutoFit/>
+          </a:bodyPr>
+          <a:lstStyle/>
+          <a:p>
+            <a:r>
+              <a:rPr lang="ko-KR" altLang="en-US" b="1"/>
+              <a:t>도면 목록</a:t>
+            </a:r>
+            <a:endParaRPr lang="en-US" altLang="ko-KR" b="1"/>
+          </a:p>
+        </p:txBody>
+      </p:sp>
+      <p:sp>
+        <p:nvSpPr>
+          <p:cNvPr id="10" name="화살표: 오른쪽 9"/>
+          <p:cNvSpPr/>
+          <p:nvPr/>
+        </p:nvSpPr>
+        <p:spPr>
+          <a:xfrm>
+            <a:off x="7475969" y="2954372"/>
+            <a:ext cx="696139" cy="432048"/>
+          </a:xfrm>
+          <a:prstGeom prst="rightArrow">
+            <a:avLst/>
+          </a:prstGeom>
+          <a:solidFill>
+            <a:schemeClr val="bg1">
+              <a:lumMod val="50000"/>
+            </a:schemeClr>
+          </a:solidFill>
+          <a:ln>
+            <a:noFill/>
+          </a:ln>
+        </p:spPr>
+        <p:style>
+          <a:lnRef idx="2">
+            <a:schemeClr val="accent1">
+              <a:shade val="50000"/>
+            </a:schemeClr>
+          </a:lnRef>
+          <a:fillRef idx="1">
+            <a:schemeClr val="accent1"/>
+          </a:fillRef>
+          <a:effectRef idx="0">
+            <a:schemeClr val="accent1"/>
+          </a:effectRef>
+          <a:fontRef idx="minor">
+            <a:schemeClr val="lt1"/>
+          </a:fontRef>
+        </p:style>
+        <p:txBody>
+          <a:bodyPr rtlCol="0" anchor="ctr"/>
+          <a:lstStyle/>
+          <a:p>
+            <a:pPr algn="ctr"/>
+            <a:endParaRPr lang="ko-KR" altLang="en-US"/>
+          </a:p>
+        </p:txBody>
+      </p:sp>
+      <p:sp>
+        <p:nvSpPr>
+          <p:cNvPr id="11" name="TextBox 10"/>
+          <p:cNvSpPr txBox="1"/>
+          <p:nvPr/>
+        </p:nvSpPr>
+        <p:spPr>
+          <a:xfrm>
+            <a:off x="4954290" y="2353301"/>
+            <a:ext cx="1284919" cy="369332"/>
+          </a:xfrm>
+          <a:prstGeom prst="rect">
+            <a:avLst/>
+          </a:prstGeom>
+          <a:noFill/>
+        </p:spPr>
+        <p:txBody>
+          <a:bodyPr wrap="square" rtlCol="0">
+            <a:spAutoFit/>
+          </a:bodyPr>
+          <a:lstStyle/>
+          <a:p>
+            <a:r>
+              <a:rPr lang="ko-KR" altLang="en-US" b="1"/>
+              <a:t>도면 등록</a:t>
+            </a:r>
+            <a:endParaRPr lang="ko-KR" altLang="en-US" b="1" dirty="0"/>
+          </a:p>
+        </p:txBody>
+      </p:sp>
+      <p:sp>
+        <p:nvSpPr>
+          <p:cNvPr id="12" name="화살표: 오른쪽 11"/>
+          <p:cNvSpPr/>
+          <p:nvPr/>
+        </p:nvSpPr>
+        <p:spPr>
+          <a:xfrm>
+            <a:off x="5248681" y="2983535"/>
+            <a:ext cx="696139" cy="432048"/>
+          </a:xfrm>
+          <a:prstGeom prst="rightArrow">
+            <a:avLst/>
+          </a:prstGeom>
+          <a:solidFill>
+            <a:schemeClr val="bg1">
+              <a:lumMod val="50000"/>
+            </a:schemeClr>
+          </a:solidFill>
+          <a:ln>
+            <a:noFill/>
+          </a:ln>
+        </p:spPr>
+        <p:style>
+          <a:lnRef idx="2">
+            <a:schemeClr val="accent1">
+              <a:shade val="50000"/>
+            </a:schemeClr>
+          </a:lnRef>
+          <a:fillRef idx="1">
+            <a:schemeClr val="accent1"/>
+          </a:fillRef>
+          <a:effectRef idx="0">
+            <a:schemeClr val="accent1"/>
+          </a:effectRef>
+          <a:fontRef idx="minor">
+            <a:schemeClr val="lt1"/>
+          </a:fontRef>
+        </p:style>
+        <p:txBody>
+          <a:bodyPr rtlCol="0" anchor="ctr"/>
+          <a:lstStyle/>
+          <a:p>
+            <a:pPr algn="ctr"/>
+            <a:endParaRPr lang="ko-KR" altLang="en-US"/>
+          </a:p>
+        </p:txBody>
+      </p:sp>
+      <p:sp>
+        <p:nvSpPr>
+          <p:cNvPr id="17" name="TextBox 16"/>
+          <p:cNvSpPr txBox="1"/>
+          <p:nvPr/>
+        </p:nvSpPr>
+        <p:spPr>
+          <a:xfrm>
+            <a:off x="5794033" y="3779502"/>
+            <a:ext cx="1759651" cy="369332"/>
+          </a:xfrm>
+          <a:prstGeom prst="rect">
+            <a:avLst/>
+          </a:prstGeom>
+          <a:noFill/>
+        </p:spPr>
+        <p:txBody>
+          <a:bodyPr wrap="square" rtlCol="0">
+            <a:spAutoFit/>
+          </a:bodyPr>
+          <a:lstStyle/>
+          <a:p>
+            <a:r>
+              <a:rPr lang="ko-KR" altLang="en-US" b="1"/>
+              <a:t>도면 정보 입력</a:t>
+            </a:r>
+            <a:endParaRPr lang="en-US" altLang="ko-KR" b="1"/>
+          </a:p>
+        </p:txBody>
+      </p:sp>
+      <p:sp>
+        <p:nvSpPr>
+          <p:cNvPr id="18" name="TextBox 17"/>
+          <p:cNvSpPr txBox="1"/>
+          <p:nvPr/>
+        </p:nvSpPr>
+        <p:spPr>
+          <a:xfrm>
+            <a:off x="7197907" y="2411597"/>
+            <a:ext cx="1284919" cy="369332"/>
+          </a:xfrm>
+          <a:prstGeom prst="rect">
+            <a:avLst/>
+          </a:prstGeom>
+          <a:noFill/>
+        </p:spPr>
+        <p:txBody>
+          <a:bodyPr wrap="square" rtlCol="0">
+            <a:spAutoFit/>
+          </a:bodyPr>
+          <a:lstStyle/>
+          <a:p>
+            <a:r>
+              <a:rPr lang="ko-KR" altLang="en-US" b="1"/>
+              <a:t>입력 완료</a:t>
+            </a:r>
+            <a:endParaRPr lang="ko-KR" altLang="en-US" b="1" dirty="0"/>
+          </a:p>
+        </p:txBody>
+      </p:sp>
+      <p:pic>
+        <p:nvPicPr>
+          <p:cNvPr id="19" name="그래픽 18" descr="모니터"/>
+          <p:cNvPicPr>
+            <a:picLocks noChangeAspect="1"/>
+          </p:cNvPicPr>
+          <p:nvPr/>
+        </p:nvPicPr>
+        <p:blipFill>
+          <a:blip r:embed="rId2">
+            <a:extLst>
+              <a:ext uri="{28A0092B-C50C-407E-A947-70E740481C1C}">
+                <a14:useLocalDpi xmlns:a14="http://schemas.microsoft.com/office/drawing/2010/main" val="0"/>
+              </a:ext>
+              <a:ext uri="{96DAC541-7B7A-43D3-8B79-37D633B846F1}">
+                <asvg:svgBlip xmlns:asvg="http://schemas.microsoft.com/office/drawing/2016/SVG/main" r:embed="rId3"/>
+              </a:ext>
+            </a:extLst>
+          </a:blip>
+          <a:stretch>
+            <a:fillRect/>
+          </a:stretch>
+        </p:blipFill>
+        <p:spPr>
+          <a:xfrm>
+            <a:off x="8449435" y="2752391"/>
+            <a:ext cx="914400" cy="914400"/>
+          </a:xfrm>
+          <a:prstGeom prst="rect">
+            <a:avLst/>
+          </a:prstGeom>
+        </p:spPr>
+      </p:pic>
+      <p:sp>
+        <p:nvSpPr>
+          <p:cNvPr id="20" name="TextBox 19"/>
+          <p:cNvSpPr txBox="1"/>
+          <p:nvPr/>
+        </p:nvSpPr>
+        <p:spPr>
+          <a:xfrm>
+            <a:off x="8069229" y="3666791"/>
+            <a:ext cx="2589212" cy="646331"/>
+          </a:xfrm>
+          <a:prstGeom prst="rect">
+            <a:avLst/>
+          </a:prstGeom>
+          <a:noFill/>
+        </p:spPr>
+        <p:txBody>
+          <a:bodyPr wrap="square" rtlCol="0">
+            <a:spAutoFit/>
+          </a:bodyPr>
+          <a:lstStyle/>
+          <a:p>
+            <a:r>
+              <a:rPr lang="ko-KR" altLang="en-US" b="1"/>
+              <a:t>이후 고객은 해당 도면 조회 가능</a:t>
+            </a:r>
+            <a:endParaRPr lang="en-US" altLang="ko-KR" b="1"/>
+          </a:p>
+        </p:txBody>
+      </p:sp>
+      <p:pic>
+        <p:nvPicPr>
+          <p:cNvPr id="14" name="그림 13"/>
+          <p:cNvPicPr>
+            <a:picLocks noChangeAspect="1"/>
+          </p:cNvPicPr>
+          <p:nvPr/>
+        </p:nvPicPr>
+        <p:blipFill>
+          <a:blip r:embed="rId4">
+            <a:extLst>
+              <a:ext uri="{28A0092B-C50C-407E-A947-70E740481C1C}">
+                <a14:useLocalDpi xmlns:a14="http://schemas.microsoft.com/office/drawing/2010/main" val="0"/>
+              </a:ext>
+            </a:extLst>
+          </a:blip>
+          <a:stretch>
+            <a:fillRect/>
+          </a:stretch>
+        </p:blipFill>
+        <p:spPr>
+          <a:xfrm>
+            <a:off x="6254946" y="2718873"/>
+            <a:ext cx="849534" cy="903046"/>
+          </a:xfrm>
+          <a:prstGeom prst="rect">
+            <a:avLst/>
+          </a:prstGeom>
+        </p:spPr>
+      </p:pic>
+    </p:spTree>
+    <p:extLst>
+      <p:ext uri="{BB962C8B-B14F-4D97-AF65-F5344CB8AC3E}">
+        <p14:creationId xmlns:p14="http://schemas.microsoft.com/office/powerpoint/2010/main" val="4188594555"/>
+      </p:ext>
+    </p:extLst>
+  </p:cSld>
+  <p:clrMapOvr>
+    <a:masterClrMapping/>
+  </p:clrMapOvr>
+</p:sld>
+</file>
+
 <file path=ppt/slides/slide2.xml><?xml version="1.0" encoding="utf-8"?>
 <p:sld xmlns:a="http://schemas.openxmlformats.org/drawingml/2006/main" xmlns:r="http://schemas.openxmlformats.org/officeDocument/2006/relationships" xmlns:p="http://schemas.openxmlformats.org/presentationml/2006/main">
   <p:cSld>
@@ -5797,7 +7379,7 @@
         </p:blipFill>
         <p:spPr>
           <a:xfrm>
-            <a:off x="2484660" y="3910027"/>
+            <a:off x="2907072" y="3709914"/>
             <a:ext cx="914400" cy="914400"/>
           </a:xfrm>
           <a:prstGeom prst="rect">
@@ -5843,8 +7425,8 @@
         </p:nvSpPr>
         <p:spPr>
           <a:xfrm>
-            <a:off x="2275700" y="2358563"/>
-            <a:ext cx="1687293" cy="369332"/>
+            <a:off x="2089665" y="2375882"/>
+            <a:ext cx="1822771" cy="369332"/>
           </a:xfrm>
           <a:prstGeom prst="rect">
             <a:avLst/>
@@ -5858,9 +7440,10 @@
           <a:lstStyle/>
           <a:p>
             <a:r>
-              <a:rPr lang="ko-KR" altLang="en-US" b="1" dirty="0"/>
-              <a:t>검색결과 조회</a:t>
-            </a:r>
+              <a:rPr lang="ko-KR" altLang="en-US" b="1"/>
+              <a:t>가구 배치 화면</a:t>
+            </a:r>
+            <a:endParaRPr lang="ko-KR" altLang="en-US" b="1" dirty="0"/>
           </a:p>
         </p:txBody>
       </p:sp>
@@ -5872,7 +7455,7 @@
         </p:nvSpPr>
         <p:spPr>
           <a:xfrm>
-            <a:off x="2275699" y="4871912"/>
+            <a:off x="2698111" y="4671799"/>
             <a:ext cx="1687293" cy="369332"/>
           </a:xfrm>
           <a:prstGeom prst="rect">
@@ -5901,7 +7484,7 @@
         </p:nvSpPr>
         <p:spPr>
           <a:xfrm>
-            <a:off x="1739260" y="5241244"/>
+            <a:off x="2161672" y="5041131"/>
             <a:ext cx="2891625" cy="523220"/>
           </a:xfrm>
           <a:prstGeom prst="rect">
@@ -6271,6 +7854,228 @@
           </a:prstGeom>
         </p:spPr>
       </p:pic>
+      <p:sp>
+        <p:nvSpPr>
+          <p:cNvPr id="26" name="TextBox 25"/>
+          <p:cNvSpPr txBox="1"/>
+          <p:nvPr/>
+        </p:nvSpPr>
+        <p:spPr>
+          <a:xfrm>
+            <a:off x="6572513" y="4557028"/>
+            <a:ext cx="1788982" cy="369332"/>
+          </a:xfrm>
+          <a:prstGeom prst="rect">
+            <a:avLst/>
+          </a:prstGeom>
+          <a:noFill/>
+        </p:spPr>
+        <p:txBody>
+          <a:bodyPr wrap="square" rtlCol="0">
+            <a:spAutoFit/>
+          </a:bodyPr>
+          <a:lstStyle/>
+          <a:p>
+            <a:r>
+              <a:rPr lang="ko-KR" altLang="en-US" b="1"/>
+              <a:t>도면 조회 가능</a:t>
+            </a:r>
+            <a:endParaRPr lang="ko-KR" altLang="en-US" b="1" dirty="0"/>
+          </a:p>
+        </p:txBody>
+      </p:sp>
+      <p:pic>
+        <p:nvPicPr>
+          <p:cNvPr id="35" name="그래픽 34" descr="핀 있는 지도"/>
+          <p:cNvPicPr>
+            <a:picLocks noChangeAspect="1"/>
+          </p:cNvPicPr>
+          <p:nvPr/>
+        </p:nvPicPr>
+        <p:blipFill>
+          <a:blip r:embed="rId4">
+            <a:extLst>
+              <a:ext uri="{28A0092B-C50C-407E-A947-70E740481C1C}">
+                <a14:useLocalDpi xmlns:a14="http://schemas.microsoft.com/office/drawing/2010/main" val="0"/>
+              </a:ext>
+              <a:ext uri="{96DAC541-7B7A-43D3-8B79-37D633B846F1}">
+                <asvg:svgBlip xmlns:asvg="http://schemas.microsoft.com/office/drawing/2016/SVG/main" r:embed="rId5"/>
+              </a:ext>
+            </a:extLst>
+          </a:blip>
+          <a:stretch>
+            <a:fillRect/>
+          </a:stretch>
+        </p:blipFill>
+        <p:spPr>
+          <a:xfrm>
+            <a:off x="6920584" y="3572462"/>
+            <a:ext cx="914400" cy="914400"/>
+          </a:xfrm>
+          <a:prstGeom prst="rect">
+            <a:avLst/>
+          </a:prstGeom>
+        </p:spPr>
+      </p:pic>
+      <p:pic>
+        <p:nvPicPr>
+          <p:cNvPr id="4" name="그래픽 3" descr="다운로드"/>
+          <p:cNvPicPr>
+            <a:picLocks noChangeAspect="1"/>
+          </p:cNvPicPr>
+          <p:nvPr/>
+        </p:nvPicPr>
+        <p:blipFill>
+          <a:blip r:embed="rId11">
+            <a:extLst>
+              <a:ext uri="{28A0092B-C50C-407E-A947-70E740481C1C}">
+                <a14:useLocalDpi xmlns:a14="http://schemas.microsoft.com/office/drawing/2010/main" val="0"/>
+              </a:ext>
+              <a:ext uri="{96DAC541-7B7A-43D3-8B79-37D633B846F1}">
+                <asvg:svgBlip xmlns:asvg="http://schemas.microsoft.com/office/drawing/2016/SVG/main" r:embed="rId12"/>
+              </a:ext>
+            </a:extLst>
+          </a:blip>
+          <a:stretch>
+            <a:fillRect/>
+          </a:stretch>
+        </p:blipFill>
+        <p:spPr>
+          <a:xfrm>
+            <a:off x="4992434" y="3633906"/>
+            <a:ext cx="914400" cy="914400"/>
+          </a:xfrm>
+          <a:prstGeom prst="rect">
+            <a:avLst/>
+          </a:prstGeom>
+        </p:spPr>
+      </p:pic>
+      <p:sp>
+        <p:nvSpPr>
+          <p:cNvPr id="43" name="TextBox 42"/>
+          <p:cNvSpPr txBox="1"/>
+          <p:nvPr/>
+        </p:nvSpPr>
+        <p:spPr>
+          <a:xfrm>
+            <a:off x="4851296" y="4687246"/>
+            <a:ext cx="1687293" cy="369332"/>
+          </a:xfrm>
+          <a:prstGeom prst="rect">
+            <a:avLst/>
+          </a:prstGeom>
+          <a:noFill/>
+        </p:spPr>
+        <p:txBody>
+          <a:bodyPr wrap="square" rtlCol="0">
+            <a:spAutoFit/>
+          </a:bodyPr>
+          <a:lstStyle/>
+          <a:p>
+            <a:r>
+              <a:rPr lang="ko-KR" altLang="en-US" b="1"/>
+              <a:t>등록 완료</a:t>
+            </a:r>
+            <a:endParaRPr lang="ko-KR" altLang="en-US" b="1" dirty="0"/>
+          </a:p>
+        </p:txBody>
+      </p:sp>
+      <p:sp>
+        <p:nvSpPr>
+          <p:cNvPr id="45" name="화살표: 오른쪽 44"/>
+          <p:cNvSpPr/>
+          <p:nvPr/>
+        </p:nvSpPr>
+        <p:spPr>
+          <a:xfrm>
+            <a:off x="3964924" y="3908866"/>
+            <a:ext cx="696139" cy="432048"/>
+          </a:xfrm>
+          <a:prstGeom prst="rightArrow">
+            <a:avLst/>
+          </a:prstGeom>
+          <a:solidFill>
+            <a:schemeClr val="bg1">
+              <a:lumMod val="50000"/>
+            </a:schemeClr>
+          </a:solidFill>
+          <a:ln>
+            <a:noFill/>
+          </a:ln>
+        </p:spPr>
+        <p:style>
+          <a:lnRef idx="2">
+            <a:schemeClr val="accent1">
+              <a:shade val="50000"/>
+            </a:schemeClr>
+          </a:lnRef>
+          <a:fillRef idx="1">
+            <a:schemeClr val="accent1"/>
+          </a:fillRef>
+          <a:effectRef idx="0">
+            <a:schemeClr val="accent1"/>
+          </a:effectRef>
+          <a:fontRef idx="minor">
+            <a:schemeClr val="lt1"/>
+          </a:fontRef>
+        </p:style>
+        <p:txBody>
+          <a:bodyPr rtlCol="0" anchor="ctr"/>
+          <a:lstStyle/>
+          <a:p>
+            <a:pPr algn="ctr"/>
+            <a:endParaRPr lang="ko-KR" altLang="en-US" dirty="0"/>
+          </a:p>
+        </p:txBody>
+      </p:sp>
+      <p:sp>
+        <p:nvSpPr>
+          <p:cNvPr id="46" name="화살표: 오른쪽 45"/>
+          <p:cNvSpPr/>
+          <p:nvPr/>
+        </p:nvSpPr>
+        <p:spPr>
+          <a:xfrm>
+            <a:off x="6024113" y="3908866"/>
+            <a:ext cx="696139" cy="432048"/>
+          </a:xfrm>
+          <a:prstGeom prst="rightArrow">
+            <a:avLst/>
+          </a:prstGeom>
+          <a:solidFill>
+            <a:schemeClr val="bg1">
+              <a:lumMod val="50000"/>
+            </a:schemeClr>
+          </a:solidFill>
+          <a:ln>
+            <a:noFill/>
+          </a:ln>
+        </p:spPr>
+        <p:style>
+          <a:lnRef idx="2">
+            <a:schemeClr val="accent1">
+              <a:shade val="50000"/>
+            </a:schemeClr>
+          </a:lnRef>
+          <a:fillRef idx="1">
+            <a:schemeClr val="accent1"/>
+          </a:fillRef>
+          <a:effectRef idx="0">
+            <a:schemeClr val="accent1"/>
+          </a:effectRef>
+          <a:fontRef idx="minor">
+            <a:schemeClr val="lt1"/>
+          </a:fontRef>
+        </p:style>
+        <p:txBody>
+          <a:bodyPr rtlCol="0" anchor="ctr"/>
+          <a:lstStyle/>
+          <a:p>
+            <a:pPr algn="ctr"/>
+            <a:endParaRPr lang="ko-KR" altLang="en-US" dirty="0"/>
+          </a:p>
+        </p:txBody>
+      </p:sp>
     </p:spTree>
     <p:extLst>
       <p:ext uri="{BB962C8B-B14F-4D97-AF65-F5344CB8AC3E}">
@@ -7082,7 +8887,7 @@
         </p:nvSpPr>
         <p:spPr>
           <a:xfrm>
-            <a:off x="957341" y="3319801"/>
+            <a:off x="4228014" y="4304911"/>
             <a:ext cx="1845097" cy="369332"/>
           </a:xfrm>
           <a:prstGeom prst="rect">
@@ -7128,7 +8933,7 @@
         </p:blipFill>
         <p:spPr>
           <a:xfrm>
-            <a:off x="1422688" y="2199140"/>
+            <a:off x="4693363" y="3264020"/>
             <a:ext cx="914400" cy="914400"/>
           </a:xfrm>
           <a:prstGeom prst="rect">
@@ -7144,7 +8949,7 @@
         </p:nvSpPr>
         <p:spPr>
           <a:xfrm>
-            <a:off x="2629596" y="2543446"/>
+            <a:off x="5933798" y="3505196"/>
             <a:ext cx="696139" cy="432048"/>
           </a:xfrm>
           <a:prstGeom prst="rightArrow">
@@ -7186,14 +8991,14 @@
       </p:sp>
       <p:sp>
         <p:nvSpPr>
-          <p:cNvPr id="61" name="TextBox 60"/>
+          <p:cNvPr id="63" name="TextBox 62"/>
           <p:cNvSpPr txBox="1"/>
           <p:nvPr/>
         </p:nvSpPr>
         <p:spPr>
           <a:xfrm>
-            <a:off x="2055116" y="1886318"/>
-            <a:ext cx="2141327" cy="369332"/>
+            <a:off x="5096617" y="2670819"/>
+            <a:ext cx="2891625" cy="523220"/>
           </a:xfrm>
           <a:prstGeom prst="rect">
             <a:avLst/>
@@ -7207,36 +9012,7 @@
           <a:lstStyle/>
           <a:p>
             <a:r>
-              <a:rPr lang="ko-KR" altLang="en-US" b="1" dirty="0"/>
-              <a:t>어플리케이션 실행</a:t>
-            </a:r>
-          </a:p>
-        </p:txBody>
-      </p:sp>
-      <p:sp>
-        <p:nvSpPr>
-          <p:cNvPr id="63" name="TextBox 62"/>
-          <p:cNvSpPr txBox="1"/>
-          <p:nvPr/>
-        </p:nvSpPr>
-        <p:spPr>
-          <a:xfrm>
-            <a:off x="2383790" y="1236543"/>
-            <a:ext cx="2891625" cy="523220"/>
-          </a:xfrm>
-          <a:prstGeom prst="rect">
-            <a:avLst/>
-          </a:prstGeom>
-          <a:noFill/>
-        </p:spPr>
-        <p:txBody>
-          <a:bodyPr wrap="square" rtlCol="0">
-            <a:spAutoFit/>
-          </a:bodyPr>
-          <a:lstStyle/>
-          <a:p>
-            <a:r>
-              <a:rPr lang="en-US" altLang="ko-KR" sz="2800" dirty="0">
+              <a:rPr lang="en-US" altLang="ko-KR" sz="2800">
                 <a:ln w="22225">
                   <a:solidFill>
                     <a:schemeClr val="tx1"/>
@@ -7244,7 +9020,18 @@
                 </a:ln>
                 <a:ea typeface="-윤고딕360" pitchFamily="18" charset="-127"/>
               </a:rPr>
-              <a:t>AR API</a:t>
+              <a:t>AR </a:t>
+            </a:r>
+            <a:r>
+              <a:rPr lang="ko-KR" altLang="en-US" sz="2800">
+                <a:ln w="22225">
+                  <a:solidFill>
+                    <a:schemeClr val="tx1"/>
+                  </a:solidFill>
+                </a:ln>
+                <a:ea typeface="-윤고딕360" pitchFamily="18" charset="-127"/>
+              </a:rPr>
+              <a:t>기능 실행</a:t>
             </a:r>
             <a:endParaRPr lang="ko-KR" altLang="en-US" sz="2800" dirty="0">
               <a:ln w="22225">
@@ -7282,7 +9069,7 @@
         </p:blipFill>
         <p:spPr>
           <a:xfrm>
-            <a:off x="3739243" y="2302270"/>
+            <a:off x="6955972" y="3264867"/>
             <a:ext cx="914400" cy="914400"/>
           </a:xfrm>
           <a:prstGeom prst="rect">
@@ -7298,7 +9085,7 @@
         </p:nvSpPr>
         <p:spPr>
           <a:xfrm>
-            <a:off x="3325735" y="3260185"/>
+            <a:off x="6542464" y="4222782"/>
             <a:ext cx="1845097" cy="923330"/>
           </a:xfrm>
           <a:prstGeom prst="rect">
@@ -7313,16 +9100,132 @@
           <a:lstStyle/>
           <a:p>
             <a:r>
+              <a:rPr lang="ko-KR" altLang="en-US" b="1"/>
+              <a:t>모바일 화면 상에서</a:t>
+            </a:r>
+            <a:r>
+              <a:rPr lang="en-US" altLang="ko-KR" b="1" dirty="0"/>
+              <a:t> </a:t>
+            </a:r>
+            <a:r>
+              <a:rPr lang="ko-KR" altLang="en-US" b="1"/>
+              <a:t>가상으로 </a:t>
+            </a:r>
+            <a:r>
               <a:rPr lang="ko-KR" altLang="en-US" b="1" dirty="0"/>
-              <a:t>스크린을 통해</a:t>
-            </a:r>
-            <a:endParaRPr lang="en-US" altLang="ko-KR" b="1" dirty="0"/>
-          </a:p>
-          <a:p>
-            <a:r>
-              <a:rPr lang="ko-KR" altLang="en-US" b="1" dirty="0"/>
-              <a:t>가상으로 가구 배치 가능</a:t>
-            </a:r>
+              <a:t>가구 배치 가능</a:t>
+            </a:r>
+          </a:p>
+        </p:txBody>
+      </p:sp>
+      <p:pic>
+        <p:nvPicPr>
+          <p:cNvPr id="4" name="그래픽 3" descr="스마트폰"/>
+          <p:cNvPicPr>
+            <a:picLocks noChangeAspect="1"/>
+          </p:cNvPicPr>
+          <p:nvPr/>
+        </p:nvPicPr>
+        <p:blipFill>
+          <a:blip r:embed="rId7">
+            <a:extLst>
+              <a:ext uri="{28A0092B-C50C-407E-A947-70E740481C1C}">
+                <a14:useLocalDpi xmlns:a14="http://schemas.microsoft.com/office/drawing/2010/main" val="0"/>
+              </a:ext>
+              <a:ext uri="{96DAC541-7B7A-43D3-8B79-37D633B846F1}">
+                <asvg:svgBlip xmlns:asvg="http://schemas.microsoft.com/office/drawing/2016/SVG/main" r:embed="rId8"/>
+              </a:ext>
+            </a:extLst>
+          </a:blip>
+          <a:stretch>
+            <a:fillRect/>
+          </a:stretch>
+        </p:blipFill>
+        <p:spPr>
+          <a:xfrm>
+            <a:off x="2593772" y="3249731"/>
+            <a:ext cx="914400" cy="914400"/>
+          </a:xfrm>
+          <a:prstGeom prst="rect">
+            <a:avLst/>
+          </a:prstGeom>
+        </p:spPr>
+      </p:pic>
+      <p:sp>
+        <p:nvSpPr>
+          <p:cNvPr id="12" name="화살표: 오른쪽 11"/>
+          <p:cNvSpPr/>
+          <p:nvPr/>
+        </p:nvSpPr>
+        <p:spPr>
+          <a:xfrm>
+            <a:off x="3671189" y="3505196"/>
+            <a:ext cx="696139" cy="432048"/>
+          </a:xfrm>
+          <a:prstGeom prst="rightArrow">
+            <a:avLst/>
+          </a:prstGeom>
+          <a:solidFill>
+            <a:schemeClr val="bg1">
+              <a:lumMod val="50000"/>
+            </a:schemeClr>
+          </a:solidFill>
+          <a:ln>
+            <a:noFill/>
+          </a:ln>
+        </p:spPr>
+        <p:style>
+          <a:lnRef idx="2">
+            <a:schemeClr val="accent1">
+              <a:shade val="50000"/>
+            </a:schemeClr>
+          </a:lnRef>
+          <a:fillRef idx="1">
+            <a:schemeClr val="accent1"/>
+          </a:fillRef>
+          <a:effectRef idx="0">
+            <a:schemeClr val="accent1"/>
+          </a:effectRef>
+          <a:fontRef idx="minor">
+            <a:schemeClr val="lt1"/>
+          </a:fontRef>
+        </p:style>
+        <p:txBody>
+          <a:bodyPr rtlCol="0" anchor="ctr"/>
+          <a:lstStyle/>
+          <a:p>
+            <a:pPr algn="ctr"/>
+            <a:endParaRPr lang="ko-KR" altLang="en-US"/>
+          </a:p>
+        </p:txBody>
+      </p:sp>
+      <p:sp>
+        <p:nvSpPr>
+          <p:cNvPr id="13" name="TextBox 12"/>
+          <p:cNvSpPr txBox="1"/>
+          <p:nvPr/>
+        </p:nvSpPr>
+        <p:spPr>
+          <a:xfrm>
+            <a:off x="2328973" y="4222782"/>
+            <a:ext cx="1845097" cy="369332"/>
+          </a:xfrm>
+          <a:prstGeom prst="rect">
+            <a:avLst/>
+          </a:prstGeom>
+          <a:noFill/>
+        </p:spPr>
+        <p:txBody>
+          <a:bodyPr wrap="square" rtlCol="0">
+            <a:spAutoFit/>
+          </a:bodyPr>
+          <a:lstStyle/>
+          <a:p>
+            <a:r>
+              <a:rPr lang="ko-KR" altLang="en-US" b="1"/>
+              <a:t>모바일 실행</a:t>
+            </a:r>
+            <a:endParaRPr lang="ko-KR" altLang="en-US" b="1" dirty="0"/>
           </a:p>
         </p:txBody>
       </p:sp>
@@ -11415,6 +13318,1723 @@
   <p:transition spd="slow">
     <p:push dir="u"/>
   </p:transition>
+</p:sld>
+</file>
+
+<file path=ppt/slides/slide8.xml><?xml version="1.0" encoding="utf-8"?>
+<p:sld xmlns:a="http://schemas.openxmlformats.org/drawingml/2006/main" xmlns:r="http://schemas.openxmlformats.org/officeDocument/2006/relationships" xmlns:p="http://schemas.openxmlformats.org/presentationml/2006/main">
+  <p:cSld>
+    <p:spTree>
+      <p:nvGrpSpPr>
+        <p:cNvPr id="1" name=""/>
+        <p:cNvGrpSpPr/>
+        <p:nvPr/>
+      </p:nvGrpSpPr>
+      <p:grpSpPr>
+        <a:xfrm>
+          <a:off x="0" y="0"/>
+          <a:ext cx="0" cy="0"/>
+          <a:chOff x="0" y="0"/>
+          <a:chExt cx="0" cy="0"/>
+        </a:xfrm>
+      </p:grpSpPr>
+      <p:pic>
+        <p:nvPicPr>
+          <p:cNvPr id="5" name="그림 4"/>
+          <p:cNvPicPr>
+            <a:picLocks noChangeAspect="1"/>
+          </p:cNvPicPr>
+          <p:nvPr/>
+        </p:nvPicPr>
+        <p:blipFill>
+          <a:blip r:embed="rId2">
+            <a:extLst>
+              <a:ext uri="{28A0092B-C50C-407E-A947-70E740481C1C}">
+                <a14:useLocalDpi xmlns:a14="http://schemas.microsoft.com/office/drawing/2010/main" val="0"/>
+              </a:ext>
+            </a:extLst>
+          </a:blip>
+          <a:stretch>
+            <a:fillRect/>
+          </a:stretch>
+        </p:blipFill>
+        <p:spPr>
+          <a:xfrm>
+            <a:off x="2921453" y="1033462"/>
+            <a:ext cx="6712404" cy="4854785"/>
+          </a:xfrm>
+          <a:prstGeom prst="rect">
+            <a:avLst/>
+          </a:prstGeom>
+        </p:spPr>
+      </p:pic>
+      <p:sp>
+        <p:nvSpPr>
+          <p:cNvPr id="6" name="직사각형 5"/>
+          <p:cNvSpPr/>
+          <p:nvPr/>
+        </p:nvSpPr>
+        <p:spPr>
+          <a:xfrm>
+            <a:off x="4114801" y="4996542"/>
+            <a:ext cx="685798" cy="653143"/>
+          </a:xfrm>
+          <a:prstGeom prst="rect">
+            <a:avLst/>
+          </a:prstGeom>
+          <a:solidFill>
+            <a:srgbClr val="F0F0F0"/>
+          </a:solidFill>
+          <a:ln>
+            <a:noFill/>
+          </a:ln>
+        </p:spPr>
+        <p:style>
+          <a:lnRef idx="2">
+            <a:schemeClr val="accent1">
+              <a:shade val="50000"/>
+            </a:schemeClr>
+          </a:lnRef>
+          <a:fillRef idx="1">
+            <a:schemeClr val="accent1"/>
+          </a:fillRef>
+          <a:effectRef idx="0">
+            <a:schemeClr val="accent1"/>
+          </a:effectRef>
+          <a:fontRef idx="minor">
+            <a:schemeClr val="lt1"/>
+          </a:fontRef>
+        </p:style>
+        <p:txBody>
+          <a:bodyPr rtlCol="0" anchor="ctr"/>
+          <a:lstStyle/>
+          <a:p>
+            <a:pPr algn="ctr"/>
+            <a:r>
+              <a:rPr lang="ko-KR" altLang="en-US" b="1">
+                <a:solidFill>
+                  <a:schemeClr val="tx1"/>
+                </a:solidFill>
+              </a:rPr>
+              <a:t>완료</a:t>
+            </a:r>
+            <a:endParaRPr lang="ko-KR" altLang="en-US" b="1">
+              <a:solidFill>
+                <a:schemeClr val="tx1"/>
+              </a:solidFill>
+            </a:endParaRPr>
+          </a:p>
+        </p:txBody>
+      </p:sp>
+    </p:spTree>
+    <p:extLst>
+      <p:ext uri="{BB962C8B-B14F-4D97-AF65-F5344CB8AC3E}">
+        <p14:creationId xmlns:p14="http://schemas.microsoft.com/office/powerpoint/2010/main" val="2611063435"/>
+      </p:ext>
+    </p:extLst>
+  </p:cSld>
+  <p:clrMapOvr>
+    <a:masterClrMapping/>
+  </p:clrMapOvr>
+</p:sld>
+</file>
+
+<file path=ppt/slides/slide9.xml><?xml version="1.0" encoding="utf-8"?>
+<p:sld xmlns:a="http://schemas.openxmlformats.org/drawingml/2006/main" xmlns:r="http://schemas.openxmlformats.org/officeDocument/2006/relationships" xmlns:p="http://schemas.openxmlformats.org/presentationml/2006/main">
+  <p:cSld>
+    <p:spTree>
+      <p:nvGrpSpPr>
+        <p:cNvPr id="1" name=""/>
+        <p:cNvGrpSpPr/>
+        <p:nvPr/>
+      </p:nvGrpSpPr>
+      <p:grpSpPr>
+        <a:xfrm>
+          <a:off x="0" y="0"/>
+          <a:ext cx="0" cy="0"/>
+          <a:chOff x="0" y="0"/>
+          <a:chExt cx="0" cy="0"/>
+        </a:xfrm>
+      </p:grpSpPr>
+      <p:grpSp>
+        <p:nvGrpSpPr>
+          <p:cNvPr id="2" name="그룹 1"/>
+          <p:cNvGrpSpPr/>
+          <p:nvPr/>
+        </p:nvGrpSpPr>
+        <p:grpSpPr>
+          <a:xfrm>
+            <a:off x="1984327" y="2780929"/>
+            <a:ext cx="798439" cy="791727"/>
+            <a:chOff x="679616" y="3212976"/>
+            <a:chExt cx="798439" cy="791727"/>
+          </a:xfrm>
+        </p:grpSpPr>
+        <p:sp>
+          <p:nvSpPr>
+            <p:cNvPr id="3" name="Freeform 14"/>
+            <p:cNvSpPr>
+              <a:spLocks/>
+            </p:cNvSpPr>
+            <p:nvPr/>
+          </p:nvSpPr>
+          <p:spPr bwMode="auto">
+            <a:xfrm>
+              <a:off x="899592" y="3212976"/>
+              <a:ext cx="358185" cy="419509"/>
+            </a:xfrm>
+            <a:custGeom>
+              <a:avLst/>
+              <a:gdLst>
+                <a:gd name="T0" fmla="*/ 1175 w 2349"/>
+                <a:gd name="T1" fmla="*/ 0 h 2750"/>
+                <a:gd name="T2" fmla="*/ 1328 w 2349"/>
+                <a:gd name="T3" fmla="*/ 6 h 2750"/>
+                <a:gd name="T4" fmla="*/ 1474 w 2349"/>
+                <a:gd name="T5" fmla="*/ 27 h 2750"/>
+                <a:gd name="T6" fmla="*/ 1614 w 2349"/>
+                <a:gd name="T7" fmla="*/ 62 h 2750"/>
+                <a:gd name="T8" fmla="*/ 1746 w 2349"/>
+                <a:gd name="T9" fmla="*/ 112 h 2750"/>
+                <a:gd name="T10" fmla="*/ 1869 w 2349"/>
+                <a:gd name="T11" fmla="*/ 181 h 2750"/>
+                <a:gd name="T12" fmla="*/ 1978 w 2349"/>
+                <a:gd name="T13" fmla="*/ 268 h 2750"/>
+                <a:gd name="T14" fmla="*/ 2079 w 2349"/>
+                <a:gd name="T15" fmla="*/ 375 h 2750"/>
+                <a:gd name="T16" fmla="*/ 2163 w 2349"/>
+                <a:gd name="T17" fmla="*/ 504 h 2750"/>
+                <a:gd name="T18" fmla="*/ 2234 w 2349"/>
+                <a:gd name="T19" fmla="*/ 653 h 2750"/>
+                <a:gd name="T20" fmla="*/ 2288 w 2349"/>
+                <a:gd name="T21" fmla="*/ 828 h 2750"/>
+                <a:gd name="T22" fmla="*/ 2327 w 2349"/>
+                <a:gd name="T23" fmla="*/ 1027 h 2750"/>
+                <a:gd name="T24" fmla="*/ 2346 w 2349"/>
+                <a:gd name="T25" fmla="*/ 1251 h 2750"/>
+                <a:gd name="T26" fmla="*/ 2344 w 2349"/>
+                <a:gd name="T27" fmla="*/ 1493 h 2750"/>
+                <a:gd name="T28" fmla="*/ 2311 w 2349"/>
+                <a:gd name="T29" fmla="*/ 1722 h 2750"/>
+                <a:gd name="T30" fmla="*/ 2247 w 2349"/>
+                <a:gd name="T31" fmla="*/ 1935 h 2750"/>
+                <a:gd name="T32" fmla="*/ 2155 w 2349"/>
+                <a:gd name="T33" fmla="*/ 2133 h 2750"/>
+                <a:gd name="T34" fmla="*/ 2037 w 2349"/>
+                <a:gd name="T35" fmla="*/ 2308 h 2750"/>
+                <a:gd name="T36" fmla="*/ 1899 w 2349"/>
+                <a:gd name="T37" fmla="*/ 2457 h 2750"/>
+                <a:gd name="T38" fmla="*/ 1740 w 2349"/>
+                <a:gd name="T39" fmla="*/ 2581 h 2750"/>
+                <a:gd name="T40" fmla="*/ 1565 w 2349"/>
+                <a:gd name="T41" fmla="*/ 2672 h 2750"/>
+                <a:gd name="T42" fmla="*/ 1376 w 2349"/>
+                <a:gd name="T43" fmla="*/ 2729 h 2750"/>
+                <a:gd name="T44" fmla="*/ 1175 w 2349"/>
+                <a:gd name="T45" fmla="*/ 2750 h 2750"/>
+                <a:gd name="T46" fmla="*/ 975 w 2349"/>
+                <a:gd name="T47" fmla="*/ 2729 h 2750"/>
+                <a:gd name="T48" fmla="*/ 786 w 2349"/>
+                <a:gd name="T49" fmla="*/ 2672 h 2750"/>
+                <a:gd name="T50" fmla="*/ 609 w 2349"/>
+                <a:gd name="T51" fmla="*/ 2581 h 2750"/>
+                <a:gd name="T52" fmla="*/ 450 w 2349"/>
+                <a:gd name="T53" fmla="*/ 2457 h 2750"/>
+                <a:gd name="T54" fmla="*/ 312 w 2349"/>
+                <a:gd name="T55" fmla="*/ 2308 h 2750"/>
+                <a:gd name="T56" fmla="*/ 194 w 2349"/>
+                <a:gd name="T57" fmla="*/ 2133 h 2750"/>
+                <a:gd name="T58" fmla="*/ 102 w 2349"/>
+                <a:gd name="T59" fmla="*/ 1935 h 2750"/>
+                <a:gd name="T60" fmla="*/ 38 w 2349"/>
+                <a:gd name="T61" fmla="*/ 1722 h 2750"/>
+                <a:gd name="T62" fmla="*/ 5 w 2349"/>
+                <a:gd name="T63" fmla="*/ 1493 h 2750"/>
+                <a:gd name="T64" fmla="*/ 3 w 2349"/>
+                <a:gd name="T65" fmla="*/ 1251 h 2750"/>
+                <a:gd name="T66" fmla="*/ 22 w 2349"/>
+                <a:gd name="T67" fmla="*/ 1027 h 2750"/>
+                <a:gd name="T68" fmla="*/ 60 w 2349"/>
+                <a:gd name="T69" fmla="*/ 828 h 2750"/>
+                <a:gd name="T70" fmla="*/ 114 w 2349"/>
+                <a:gd name="T71" fmla="*/ 653 h 2750"/>
+                <a:gd name="T72" fmla="*/ 186 w 2349"/>
+                <a:gd name="T73" fmla="*/ 504 h 2750"/>
+                <a:gd name="T74" fmla="*/ 272 w 2349"/>
+                <a:gd name="T75" fmla="*/ 375 h 2750"/>
+                <a:gd name="T76" fmla="*/ 371 w 2349"/>
+                <a:gd name="T77" fmla="*/ 268 h 2750"/>
+                <a:gd name="T78" fmla="*/ 482 w 2349"/>
+                <a:gd name="T79" fmla="*/ 181 h 2750"/>
+                <a:gd name="T80" fmla="*/ 603 w 2349"/>
+                <a:gd name="T81" fmla="*/ 112 h 2750"/>
+                <a:gd name="T82" fmla="*/ 735 w 2349"/>
+                <a:gd name="T83" fmla="*/ 62 h 2750"/>
+                <a:gd name="T84" fmla="*/ 875 w 2349"/>
+                <a:gd name="T85" fmla="*/ 27 h 2750"/>
+                <a:gd name="T86" fmla="*/ 1021 w 2349"/>
+                <a:gd name="T87" fmla="*/ 6 h 2750"/>
+                <a:gd name="T88" fmla="*/ 1175 w 2349"/>
+                <a:gd name="T89" fmla="*/ 0 h 2750"/>
+              </a:gdLst>
+              <a:ahLst/>
+              <a:cxnLst>
+                <a:cxn ang="0">
+                  <a:pos x="T0" y="T1"/>
+                </a:cxn>
+                <a:cxn ang="0">
+                  <a:pos x="T2" y="T3"/>
+                </a:cxn>
+                <a:cxn ang="0">
+                  <a:pos x="T4" y="T5"/>
+                </a:cxn>
+                <a:cxn ang="0">
+                  <a:pos x="T6" y="T7"/>
+                </a:cxn>
+                <a:cxn ang="0">
+                  <a:pos x="T8" y="T9"/>
+                </a:cxn>
+                <a:cxn ang="0">
+                  <a:pos x="T10" y="T11"/>
+                </a:cxn>
+                <a:cxn ang="0">
+                  <a:pos x="T12" y="T13"/>
+                </a:cxn>
+                <a:cxn ang="0">
+                  <a:pos x="T14" y="T15"/>
+                </a:cxn>
+                <a:cxn ang="0">
+                  <a:pos x="T16" y="T17"/>
+                </a:cxn>
+                <a:cxn ang="0">
+                  <a:pos x="T18" y="T19"/>
+                </a:cxn>
+                <a:cxn ang="0">
+                  <a:pos x="T20" y="T21"/>
+                </a:cxn>
+                <a:cxn ang="0">
+                  <a:pos x="T22" y="T23"/>
+                </a:cxn>
+                <a:cxn ang="0">
+                  <a:pos x="T24" y="T25"/>
+                </a:cxn>
+                <a:cxn ang="0">
+                  <a:pos x="T26" y="T27"/>
+                </a:cxn>
+                <a:cxn ang="0">
+                  <a:pos x="T28" y="T29"/>
+                </a:cxn>
+                <a:cxn ang="0">
+                  <a:pos x="T30" y="T31"/>
+                </a:cxn>
+                <a:cxn ang="0">
+                  <a:pos x="T32" y="T33"/>
+                </a:cxn>
+                <a:cxn ang="0">
+                  <a:pos x="T34" y="T35"/>
+                </a:cxn>
+                <a:cxn ang="0">
+                  <a:pos x="T36" y="T37"/>
+                </a:cxn>
+                <a:cxn ang="0">
+                  <a:pos x="T38" y="T39"/>
+                </a:cxn>
+                <a:cxn ang="0">
+                  <a:pos x="T40" y="T41"/>
+                </a:cxn>
+                <a:cxn ang="0">
+                  <a:pos x="T42" y="T43"/>
+                </a:cxn>
+                <a:cxn ang="0">
+                  <a:pos x="T44" y="T45"/>
+                </a:cxn>
+                <a:cxn ang="0">
+                  <a:pos x="T46" y="T47"/>
+                </a:cxn>
+                <a:cxn ang="0">
+                  <a:pos x="T48" y="T49"/>
+                </a:cxn>
+                <a:cxn ang="0">
+                  <a:pos x="T50" y="T51"/>
+                </a:cxn>
+                <a:cxn ang="0">
+                  <a:pos x="T52" y="T53"/>
+                </a:cxn>
+                <a:cxn ang="0">
+                  <a:pos x="T54" y="T55"/>
+                </a:cxn>
+                <a:cxn ang="0">
+                  <a:pos x="T56" y="T57"/>
+                </a:cxn>
+                <a:cxn ang="0">
+                  <a:pos x="T58" y="T59"/>
+                </a:cxn>
+                <a:cxn ang="0">
+                  <a:pos x="T60" y="T61"/>
+                </a:cxn>
+                <a:cxn ang="0">
+                  <a:pos x="T62" y="T63"/>
+                </a:cxn>
+                <a:cxn ang="0">
+                  <a:pos x="T64" y="T65"/>
+                </a:cxn>
+                <a:cxn ang="0">
+                  <a:pos x="T66" y="T67"/>
+                </a:cxn>
+                <a:cxn ang="0">
+                  <a:pos x="T68" y="T69"/>
+                </a:cxn>
+                <a:cxn ang="0">
+                  <a:pos x="T70" y="T71"/>
+                </a:cxn>
+                <a:cxn ang="0">
+                  <a:pos x="T72" y="T73"/>
+                </a:cxn>
+                <a:cxn ang="0">
+                  <a:pos x="T74" y="T75"/>
+                </a:cxn>
+                <a:cxn ang="0">
+                  <a:pos x="T76" y="T77"/>
+                </a:cxn>
+                <a:cxn ang="0">
+                  <a:pos x="T78" y="T79"/>
+                </a:cxn>
+                <a:cxn ang="0">
+                  <a:pos x="T80" y="T81"/>
+                </a:cxn>
+                <a:cxn ang="0">
+                  <a:pos x="T82" y="T83"/>
+                </a:cxn>
+                <a:cxn ang="0">
+                  <a:pos x="T84" y="T85"/>
+                </a:cxn>
+                <a:cxn ang="0">
+                  <a:pos x="T86" y="T87"/>
+                </a:cxn>
+                <a:cxn ang="0">
+                  <a:pos x="T88" y="T89"/>
+                </a:cxn>
+              </a:cxnLst>
+              <a:rect l="0" t="0" r="r" b="b"/>
+              <a:pathLst>
+                <a:path w="2349" h="2750">
+                  <a:moveTo>
+                    <a:pt x="1175" y="0"/>
+                  </a:moveTo>
+                  <a:lnTo>
+                    <a:pt x="1175" y="0"/>
+                  </a:lnTo>
+                  <a:lnTo>
+                    <a:pt x="1252" y="1"/>
+                  </a:lnTo>
+                  <a:lnTo>
+                    <a:pt x="1328" y="6"/>
+                  </a:lnTo>
+                  <a:lnTo>
+                    <a:pt x="1403" y="15"/>
+                  </a:lnTo>
+                  <a:lnTo>
+                    <a:pt x="1474" y="27"/>
+                  </a:lnTo>
+                  <a:lnTo>
+                    <a:pt x="1546" y="42"/>
+                  </a:lnTo>
+                  <a:lnTo>
+                    <a:pt x="1614" y="62"/>
+                  </a:lnTo>
+                  <a:lnTo>
+                    <a:pt x="1681" y="85"/>
+                  </a:lnTo>
+                  <a:lnTo>
+                    <a:pt x="1746" y="112"/>
+                  </a:lnTo>
+                  <a:lnTo>
+                    <a:pt x="1808" y="144"/>
+                  </a:lnTo>
+                  <a:lnTo>
+                    <a:pt x="1869" y="181"/>
+                  </a:lnTo>
+                  <a:lnTo>
+                    <a:pt x="1926" y="222"/>
+                  </a:lnTo>
+                  <a:lnTo>
+                    <a:pt x="1978" y="268"/>
+                  </a:lnTo>
+                  <a:lnTo>
+                    <a:pt x="2031" y="319"/>
+                  </a:lnTo>
+                  <a:lnTo>
+                    <a:pt x="2079" y="375"/>
+                  </a:lnTo>
+                  <a:lnTo>
+                    <a:pt x="2123" y="437"/>
+                  </a:lnTo>
+                  <a:lnTo>
+                    <a:pt x="2163" y="504"/>
+                  </a:lnTo>
+                  <a:lnTo>
+                    <a:pt x="2201" y="575"/>
+                  </a:lnTo>
+                  <a:lnTo>
+                    <a:pt x="2234" y="653"/>
+                  </a:lnTo>
+                  <a:lnTo>
+                    <a:pt x="2263" y="738"/>
+                  </a:lnTo>
+                  <a:lnTo>
+                    <a:pt x="2288" y="828"/>
+                  </a:lnTo>
+                  <a:lnTo>
+                    <a:pt x="2311" y="924"/>
+                  </a:lnTo>
+                  <a:lnTo>
+                    <a:pt x="2327" y="1027"/>
+                  </a:lnTo>
+                  <a:lnTo>
+                    <a:pt x="2339" y="1137"/>
+                  </a:lnTo>
+                  <a:lnTo>
+                    <a:pt x="2346" y="1251"/>
+                  </a:lnTo>
+                  <a:lnTo>
+                    <a:pt x="2349" y="1376"/>
+                  </a:lnTo>
+                  <a:lnTo>
+                    <a:pt x="2344" y="1493"/>
+                  </a:lnTo>
+                  <a:lnTo>
+                    <a:pt x="2331" y="1609"/>
+                  </a:lnTo>
+                  <a:lnTo>
+                    <a:pt x="2311" y="1722"/>
+                  </a:lnTo>
+                  <a:lnTo>
+                    <a:pt x="2282" y="1830"/>
+                  </a:lnTo>
+                  <a:lnTo>
+                    <a:pt x="2247" y="1935"/>
+                  </a:lnTo>
+                  <a:lnTo>
+                    <a:pt x="2204" y="2037"/>
+                  </a:lnTo>
+                  <a:lnTo>
+                    <a:pt x="2155" y="2133"/>
+                  </a:lnTo>
+                  <a:lnTo>
+                    <a:pt x="2099" y="2222"/>
+                  </a:lnTo>
+                  <a:lnTo>
+                    <a:pt x="2037" y="2308"/>
+                  </a:lnTo>
+                  <a:lnTo>
+                    <a:pt x="1970" y="2386"/>
+                  </a:lnTo>
+                  <a:lnTo>
+                    <a:pt x="1899" y="2457"/>
+                  </a:lnTo>
+                  <a:lnTo>
+                    <a:pt x="1821" y="2522"/>
+                  </a:lnTo>
+                  <a:lnTo>
+                    <a:pt x="1740" y="2581"/>
+                  </a:lnTo>
+                  <a:lnTo>
+                    <a:pt x="1654" y="2631"/>
+                  </a:lnTo>
+                  <a:lnTo>
+                    <a:pt x="1565" y="2672"/>
+                  </a:lnTo>
+                  <a:lnTo>
+                    <a:pt x="1471" y="2705"/>
+                  </a:lnTo>
+                  <a:lnTo>
+                    <a:pt x="1376" y="2729"/>
+                  </a:lnTo>
+                  <a:lnTo>
+                    <a:pt x="1275" y="2745"/>
+                  </a:lnTo>
+                  <a:lnTo>
+                    <a:pt x="1175" y="2750"/>
+                  </a:lnTo>
+                  <a:lnTo>
+                    <a:pt x="1073" y="2745"/>
+                  </a:lnTo>
+                  <a:lnTo>
+                    <a:pt x="975" y="2729"/>
+                  </a:lnTo>
+                  <a:lnTo>
+                    <a:pt x="878" y="2705"/>
+                  </a:lnTo>
+                  <a:lnTo>
+                    <a:pt x="786" y="2672"/>
+                  </a:lnTo>
+                  <a:lnTo>
+                    <a:pt x="695" y="2631"/>
+                  </a:lnTo>
+                  <a:lnTo>
+                    <a:pt x="609" y="2581"/>
+                  </a:lnTo>
+                  <a:lnTo>
+                    <a:pt x="528" y="2522"/>
+                  </a:lnTo>
+                  <a:lnTo>
+                    <a:pt x="450" y="2457"/>
+                  </a:lnTo>
+                  <a:lnTo>
+                    <a:pt x="378" y="2386"/>
+                  </a:lnTo>
+                  <a:lnTo>
+                    <a:pt x="312" y="2308"/>
+                  </a:lnTo>
+                  <a:lnTo>
+                    <a:pt x="250" y="2222"/>
+                  </a:lnTo>
+                  <a:lnTo>
+                    <a:pt x="194" y="2133"/>
+                  </a:lnTo>
+                  <a:lnTo>
+                    <a:pt x="145" y="2037"/>
+                  </a:lnTo>
+                  <a:lnTo>
+                    <a:pt x="102" y="1935"/>
+                  </a:lnTo>
+                  <a:lnTo>
+                    <a:pt x="67" y="1830"/>
+                  </a:lnTo>
+                  <a:lnTo>
+                    <a:pt x="38" y="1722"/>
+                  </a:lnTo>
+                  <a:lnTo>
+                    <a:pt x="17" y="1609"/>
+                  </a:lnTo>
+                  <a:lnTo>
+                    <a:pt x="5" y="1493"/>
+                  </a:lnTo>
+                  <a:lnTo>
+                    <a:pt x="0" y="1376"/>
+                  </a:lnTo>
+                  <a:lnTo>
+                    <a:pt x="3" y="1251"/>
+                  </a:lnTo>
+                  <a:lnTo>
+                    <a:pt x="10" y="1137"/>
+                  </a:lnTo>
+                  <a:lnTo>
+                    <a:pt x="22" y="1027"/>
+                  </a:lnTo>
+                  <a:lnTo>
+                    <a:pt x="40" y="924"/>
+                  </a:lnTo>
+                  <a:lnTo>
+                    <a:pt x="60" y="828"/>
+                  </a:lnTo>
+                  <a:lnTo>
+                    <a:pt x="86" y="738"/>
+                  </a:lnTo>
+                  <a:lnTo>
+                    <a:pt x="114" y="653"/>
+                  </a:lnTo>
+                  <a:lnTo>
+                    <a:pt x="148" y="575"/>
+                  </a:lnTo>
+                  <a:lnTo>
+                    <a:pt x="186" y="504"/>
+                  </a:lnTo>
+                  <a:lnTo>
+                    <a:pt x="227" y="437"/>
+                  </a:lnTo>
+                  <a:lnTo>
+                    <a:pt x="272" y="375"/>
+                  </a:lnTo>
+                  <a:lnTo>
+                    <a:pt x="320" y="319"/>
+                  </a:lnTo>
+                  <a:lnTo>
+                    <a:pt x="371" y="268"/>
+                  </a:lnTo>
+                  <a:lnTo>
+                    <a:pt x="425" y="222"/>
+                  </a:lnTo>
+                  <a:lnTo>
+                    <a:pt x="482" y="181"/>
+                  </a:lnTo>
+                  <a:lnTo>
+                    <a:pt x="541" y="144"/>
+                  </a:lnTo>
+                  <a:lnTo>
+                    <a:pt x="603" y="112"/>
+                  </a:lnTo>
+                  <a:lnTo>
+                    <a:pt x="668" y="85"/>
+                  </a:lnTo>
+                  <a:lnTo>
+                    <a:pt x="735" y="62"/>
+                  </a:lnTo>
+                  <a:lnTo>
+                    <a:pt x="803" y="42"/>
+                  </a:lnTo>
+                  <a:lnTo>
+                    <a:pt x="875" y="27"/>
+                  </a:lnTo>
+                  <a:lnTo>
+                    <a:pt x="948" y="15"/>
+                  </a:lnTo>
+                  <a:lnTo>
+                    <a:pt x="1021" y="6"/>
+                  </a:lnTo>
+                  <a:lnTo>
+                    <a:pt x="1097" y="1"/>
+                  </a:lnTo>
+                  <a:lnTo>
+                    <a:pt x="1175" y="0"/>
+                  </a:lnTo>
+                  <a:close/>
+                </a:path>
+              </a:pathLst>
+            </a:custGeom>
+            <a:solidFill>
+              <a:schemeClr val="bg1">
+                <a:lumMod val="50000"/>
+              </a:schemeClr>
+            </a:solidFill>
+            <a:ln w="0">
+              <a:noFill/>
+              <a:prstDash val="solid"/>
+              <a:round/>
+              <a:headEnd/>
+              <a:tailEnd/>
+            </a:ln>
+          </p:spPr>
+          <p:txBody>
+            <a:bodyPr vert="horz" wrap="square" lIns="91072" tIns="45536" rIns="91072" bIns="45536" numCol="1" anchor="t" anchorCtr="0" compatLnSpc="1">
+              <a:prstTxWarp prst="textNoShape">
+                <a:avLst/>
+              </a:prstTxWarp>
+            </a:bodyPr>
+            <a:lstStyle/>
+            <a:p>
+              <a:pPr algn="ctr"/>
+              <a:endParaRPr lang="ko-KR" altLang="en-US" sz="1793" dirty="0">
+                <a:solidFill>
+                  <a:srgbClr val="E9181D"/>
+                </a:solidFill>
+              </a:endParaRPr>
+            </a:p>
+          </p:txBody>
+        </p:sp>
+        <p:sp>
+          <p:nvSpPr>
+            <p:cNvPr id="4" name="Freeform 15"/>
+            <p:cNvSpPr>
+              <a:spLocks/>
+            </p:cNvSpPr>
+            <p:nvPr/>
+          </p:nvSpPr>
+          <p:spPr bwMode="auto">
+            <a:xfrm>
+              <a:off x="679616" y="3641638"/>
+              <a:ext cx="798439" cy="363065"/>
+            </a:xfrm>
+            <a:custGeom>
+              <a:avLst/>
+              <a:gdLst>
+                <a:gd name="T0" fmla="*/ 1690 w 5235"/>
+                <a:gd name="T1" fmla="*/ 0 h 2380"/>
+                <a:gd name="T2" fmla="*/ 1712 w 5235"/>
+                <a:gd name="T3" fmla="*/ 2 h 2380"/>
+                <a:gd name="T4" fmla="*/ 1733 w 5235"/>
+                <a:gd name="T5" fmla="*/ 13 h 2380"/>
+                <a:gd name="T6" fmla="*/ 1820 w 5235"/>
+                <a:gd name="T7" fmla="*/ 75 h 2380"/>
+                <a:gd name="T8" fmla="*/ 1913 w 5235"/>
+                <a:gd name="T9" fmla="*/ 129 h 2380"/>
+                <a:gd name="T10" fmla="*/ 2007 w 5235"/>
+                <a:gd name="T11" fmla="*/ 179 h 2380"/>
+                <a:gd name="T12" fmla="*/ 2104 w 5235"/>
+                <a:gd name="T13" fmla="*/ 218 h 2380"/>
+                <a:gd name="T14" fmla="*/ 2202 w 5235"/>
+                <a:gd name="T15" fmla="*/ 253 h 2380"/>
+                <a:gd name="T16" fmla="*/ 2304 w 5235"/>
+                <a:gd name="T17" fmla="*/ 279 h 2380"/>
+                <a:gd name="T18" fmla="*/ 2407 w 5235"/>
+                <a:gd name="T19" fmla="*/ 298 h 2380"/>
+                <a:gd name="T20" fmla="*/ 2511 w 5235"/>
+                <a:gd name="T21" fmla="*/ 309 h 2380"/>
+                <a:gd name="T22" fmla="*/ 2617 w 5235"/>
+                <a:gd name="T23" fmla="*/ 314 h 2380"/>
+                <a:gd name="T24" fmla="*/ 2722 w 5235"/>
+                <a:gd name="T25" fmla="*/ 309 h 2380"/>
+                <a:gd name="T26" fmla="*/ 2827 w 5235"/>
+                <a:gd name="T27" fmla="*/ 298 h 2380"/>
+                <a:gd name="T28" fmla="*/ 2929 w 5235"/>
+                <a:gd name="T29" fmla="*/ 279 h 2380"/>
+                <a:gd name="T30" fmla="*/ 3031 w 5235"/>
+                <a:gd name="T31" fmla="*/ 253 h 2380"/>
+                <a:gd name="T32" fmla="*/ 3129 w 5235"/>
+                <a:gd name="T33" fmla="*/ 218 h 2380"/>
+                <a:gd name="T34" fmla="*/ 3226 w 5235"/>
+                <a:gd name="T35" fmla="*/ 179 h 2380"/>
+                <a:gd name="T36" fmla="*/ 3322 w 5235"/>
+                <a:gd name="T37" fmla="*/ 129 h 2380"/>
+                <a:gd name="T38" fmla="*/ 3412 w 5235"/>
+                <a:gd name="T39" fmla="*/ 75 h 2380"/>
+                <a:gd name="T40" fmla="*/ 3501 w 5235"/>
+                <a:gd name="T41" fmla="*/ 13 h 2380"/>
+                <a:gd name="T42" fmla="*/ 3521 w 5235"/>
+                <a:gd name="T43" fmla="*/ 2 h 2380"/>
+                <a:gd name="T44" fmla="*/ 3543 w 5235"/>
+                <a:gd name="T45" fmla="*/ 0 h 2380"/>
+                <a:gd name="T46" fmla="*/ 3563 w 5235"/>
+                <a:gd name="T47" fmla="*/ 7 h 2380"/>
+                <a:gd name="T48" fmla="*/ 4483 w 5235"/>
+                <a:gd name="T49" fmla="*/ 486 h 2380"/>
+                <a:gd name="T50" fmla="*/ 4526 w 5235"/>
+                <a:gd name="T51" fmla="*/ 513 h 2380"/>
+                <a:gd name="T52" fmla="*/ 4562 w 5235"/>
+                <a:gd name="T53" fmla="*/ 546 h 2380"/>
+                <a:gd name="T54" fmla="*/ 4594 w 5235"/>
+                <a:gd name="T55" fmla="*/ 584 h 2380"/>
+                <a:gd name="T56" fmla="*/ 4618 w 5235"/>
+                <a:gd name="T57" fmla="*/ 629 h 2380"/>
+                <a:gd name="T58" fmla="*/ 5209 w 5235"/>
+                <a:gd name="T59" fmla="*/ 1963 h 2380"/>
+                <a:gd name="T60" fmla="*/ 5225 w 5235"/>
+                <a:gd name="T61" fmla="*/ 2011 h 2380"/>
+                <a:gd name="T62" fmla="*/ 5235 w 5235"/>
+                <a:gd name="T63" fmla="*/ 2059 h 2380"/>
+                <a:gd name="T64" fmla="*/ 5235 w 5235"/>
+                <a:gd name="T65" fmla="*/ 2106 h 2380"/>
+                <a:gd name="T66" fmla="*/ 5227 w 5235"/>
+                <a:gd name="T67" fmla="*/ 2156 h 2380"/>
+                <a:gd name="T68" fmla="*/ 5211 w 5235"/>
+                <a:gd name="T69" fmla="*/ 2202 h 2380"/>
+                <a:gd name="T70" fmla="*/ 5187 w 5235"/>
+                <a:gd name="T71" fmla="*/ 2245 h 2380"/>
+                <a:gd name="T72" fmla="*/ 5157 w 5235"/>
+                <a:gd name="T73" fmla="*/ 2285 h 2380"/>
+                <a:gd name="T74" fmla="*/ 5120 w 5235"/>
+                <a:gd name="T75" fmla="*/ 2318 h 2380"/>
+                <a:gd name="T76" fmla="*/ 5081 w 5235"/>
+                <a:gd name="T77" fmla="*/ 2344 h 2380"/>
+                <a:gd name="T78" fmla="*/ 5036 w 5235"/>
+                <a:gd name="T79" fmla="*/ 2364 h 2380"/>
+                <a:gd name="T80" fmla="*/ 4988 w 5235"/>
+                <a:gd name="T81" fmla="*/ 2375 h 2380"/>
+                <a:gd name="T82" fmla="*/ 4939 w 5235"/>
+                <a:gd name="T83" fmla="*/ 2380 h 2380"/>
+                <a:gd name="T84" fmla="*/ 294 w 5235"/>
+                <a:gd name="T85" fmla="*/ 2380 h 2380"/>
+                <a:gd name="T86" fmla="*/ 244 w 5235"/>
+                <a:gd name="T87" fmla="*/ 2375 h 2380"/>
+                <a:gd name="T88" fmla="*/ 197 w 5235"/>
+                <a:gd name="T89" fmla="*/ 2364 h 2380"/>
+                <a:gd name="T90" fmla="*/ 152 w 5235"/>
+                <a:gd name="T91" fmla="*/ 2344 h 2380"/>
+                <a:gd name="T92" fmla="*/ 113 w 5235"/>
+                <a:gd name="T93" fmla="*/ 2318 h 2380"/>
+                <a:gd name="T94" fmla="*/ 76 w 5235"/>
+                <a:gd name="T95" fmla="*/ 2285 h 2380"/>
+                <a:gd name="T96" fmla="*/ 46 w 5235"/>
+                <a:gd name="T97" fmla="*/ 2245 h 2380"/>
+                <a:gd name="T98" fmla="*/ 22 w 5235"/>
+                <a:gd name="T99" fmla="*/ 2202 h 2380"/>
+                <a:gd name="T100" fmla="*/ 6 w 5235"/>
+                <a:gd name="T101" fmla="*/ 2156 h 2380"/>
+                <a:gd name="T102" fmla="*/ 0 w 5235"/>
+                <a:gd name="T103" fmla="*/ 2106 h 2380"/>
+                <a:gd name="T104" fmla="*/ 0 w 5235"/>
+                <a:gd name="T105" fmla="*/ 2059 h 2380"/>
+                <a:gd name="T106" fmla="*/ 8 w 5235"/>
+                <a:gd name="T107" fmla="*/ 2011 h 2380"/>
+                <a:gd name="T108" fmla="*/ 23 w 5235"/>
+                <a:gd name="T109" fmla="*/ 1963 h 2380"/>
+                <a:gd name="T110" fmla="*/ 617 w 5235"/>
+                <a:gd name="T111" fmla="*/ 629 h 2380"/>
+                <a:gd name="T112" fmla="*/ 640 w 5235"/>
+                <a:gd name="T113" fmla="*/ 584 h 2380"/>
+                <a:gd name="T114" fmla="*/ 671 w 5235"/>
+                <a:gd name="T115" fmla="*/ 546 h 2380"/>
+                <a:gd name="T116" fmla="*/ 707 w 5235"/>
+                <a:gd name="T117" fmla="*/ 513 h 2380"/>
+                <a:gd name="T118" fmla="*/ 750 w 5235"/>
+                <a:gd name="T119" fmla="*/ 486 h 2380"/>
+                <a:gd name="T120" fmla="*/ 1669 w 5235"/>
+                <a:gd name="T121" fmla="*/ 7 h 2380"/>
+                <a:gd name="T122" fmla="*/ 1690 w 5235"/>
+                <a:gd name="T123" fmla="*/ 0 h 2380"/>
+              </a:gdLst>
+              <a:ahLst/>
+              <a:cxnLst>
+                <a:cxn ang="0">
+                  <a:pos x="T0" y="T1"/>
+                </a:cxn>
+                <a:cxn ang="0">
+                  <a:pos x="T2" y="T3"/>
+                </a:cxn>
+                <a:cxn ang="0">
+                  <a:pos x="T4" y="T5"/>
+                </a:cxn>
+                <a:cxn ang="0">
+                  <a:pos x="T6" y="T7"/>
+                </a:cxn>
+                <a:cxn ang="0">
+                  <a:pos x="T8" y="T9"/>
+                </a:cxn>
+                <a:cxn ang="0">
+                  <a:pos x="T10" y="T11"/>
+                </a:cxn>
+                <a:cxn ang="0">
+                  <a:pos x="T12" y="T13"/>
+                </a:cxn>
+                <a:cxn ang="0">
+                  <a:pos x="T14" y="T15"/>
+                </a:cxn>
+                <a:cxn ang="0">
+                  <a:pos x="T16" y="T17"/>
+                </a:cxn>
+                <a:cxn ang="0">
+                  <a:pos x="T18" y="T19"/>
+                </a:cxn>
+                <a:cxn ang="0">
+                  <a:pos x="T20" y="T21"/>
+                </a:cxn>
+                <a:cxn ang="0">
+                  <a:pos x="T22" y="T23"/>
+                </a:cxn>
+                <a:cxn ang="0">
+                  <a:pos x="T24" y="T25"/>
+                </a:cxn>
+                <a:cxn ang="0">
+                  <a:pos x="T26" y="T27"/>
+                </a:cxn>
+                <a:cxn ang="0">
+                  <a:pos x="T28" y="T29"/>
+                </a:cxn>
+                <a:cxn ang="0">
+                  <a:pos x="T30" y="T31"/>
+                </a:cxn>
+                <a:cxn ang="0">
+                  <a:pos x="T32" y="T33"/>
+                </a:cxn>
+                <a:cxn ang="0">
+                  <a:pos x="T34" y="T35"/>
+                </a:cxn>
+                <a:cxn ang="0">
+                  <a:pos x="T36" y="T37"/>
+                </a:cxn>
+                <a:cxn ang="0">
+                  <a:pos x="T38" y="T39"/>
+                </a:cxn>
+                <a:cxn ang="0">
+                  <a:pos x="T40" y="T41"/>
+                </a:cxn>
+                <a:cxn ang="0">
+                  <a:pos x="T42" y="T43"/>
+                </a:cxn>
+                <a:cxn ang="0">
+                  <a:pos x="T44" y="T45"/>
+                </a:cxn>
+                <a:cxn ang="0">
+                  <a:pos x="T46" y="T47"/>
+                </a:cxn>
+                <a:cxn ang="0">
+                  <a:pos x="T48" y="T49"/>
+                </a:cxn>
+                <a:cxn ang="0">
+                  <a:pos x="T50" y="T51"/>
+                </a:cxn>
+                <a:cxn ang="0">
+                  <a:pos x="T52" y="T53"/>
+                </a:cxn>
+                <a:cxn ang="0">
+                  <a:pos x="T54" y="T55"/>
+                </a:cxn>
+                <a:cxn ang="0">
+                  <a:pos x="T56" y="T57"/>
+                </a:cxn>
+                <a:cxn ang="0">
+                  <a:pos x="T58" y="T59"/>
+                </a:cxn>
+                <a:cxn ang="0">
+                  <a:pos x="T60" y="T61"/>
+                </a:cxn>
+                <a:cxn ang="0">
+                  <a:pos x="T62" y="T63"/>
+                </a:cxn>
+                <a:cxn ang="0">
+                  <a:pos x="T64" y="T65"/>
+                </a:cxn>
+                <a:cxn ang="0">
+                  <a:pos x="T66" y="T67"/>
+                </a:cxn>
+                <a:cxn ang="0">
+                  <a:pos x="T68" y="T69"/>
+                </a:cxn>
+                <a:cxn ang="0">
+                  <a:pos x="T70" y="T71"/>
+                </a:cxn>
+                <a:cxn ang="0">
+                  <a:pos x="T72" y="T73"/>
+                </a:cxn>
+                <a:cxn ang="0">
+                  <a:pos x="T74" y="T75"/>
+                </a:cxn>
+                <a:cxn ang="0">
+                  <a:pos x="T76" y="T77"/>
+                </a:cxn>
+                <a:cxn ang="0">
+                  <a:pos x="T78" y="T79"/>
+                </a:cxn>
+                <a:cxn ang="0">
+                  <a:pos x="T80" y="T81"/>
+                </a:cxn>
+                <a:cxn ang="0">
+                  <a:pos x="T82" y="T83"/>
+                </a:cxn>
+                <a:cxn ang="0">
+                  <a:pos x="T84" y="T85"/>
+                </a:cxn>
+                <a:cxn ang="0">
+                  <a:pos x="T86" y="T87"/>
+                </a:cxn>
+                <a:cxn ang="0">
+                  <a:pos x="T88" y="T89"/>
+                </a:cxn>
+                <a:cxn ang="0">
+                  <a:pos x="T90" y="T91"/>
+                </a:cxn>
+                <a:cxn ang="0">
+                  <a:pos x="T92" y="T93"/>
+                </a:cxn>
+                <a:cxn ang="0">
+                  <a:pos x="T94" y="T95"/>
+                </a:cxn>
+                <a:cxn ang="0">
+                  <a:pos x="T96" y="T97"/>
+                </a:cxn>
+                <a:cxn ang="0">
+                  <a:pos x="T98" y="T99"/>
+                </a:cxn>
+                <a:cxn ang="0">
+                  <a:pos x="T100" y="T101"/>
+                </a:cxn>
+                <a:cxn ang="0">
+                  <a:pos x="T102" y="T103"/>
+                </a:cxn>
+                <a:cxn ang="0">
+                  <a:pos x="T104" y="T105"/>
+                </a:cxn>
+                <a:cxn ang="0">
+                  <a:pos x="T106" y="T107"/>
+                </a:cxn>
+                <a:cxn ang="0">
+                  <a:pos x="T108" y="T109"/>
+                </a:cxn>
+                <a:cxn ang="0">
+                  <a:pos x="T110" y="T111"/>
+                </a:cxn>
+                <a:cxn ang="0">
+                  <a:pos x="T112" y="T113"/>
+                </a:cxn>
+                <a:cxn ang="0">
+                  <a:pos x="T114" y="T115"/>
+                </a:cxn>
+                <a:cxn ang="0">
+                  <a:pos x="T116" y="T117"/>
+                </a:cxn>
+                <a:cxn ang="0">
+                  <a:pos x="T118" y="T119"/>
+                </a:cxn>
+                <a:cxn ang="0">
+                  <a:pos x="T120" y="T121"/>
+                </a:cxn>
+                <a:cxn ang="0">
+                  <a:pos x="T122" y="T123"/>
+                </a:cxn>
+              </a:cxnLst>
+              <a:rect l="0" t="0" r="r" b="b"/>
+              <a:pathLst>
+                <a:path w="5235" h="2380">
+                  <a:moveTo>
+                    <a:pt x="1690" y="0"/>
+                  </a:moveTo>
+                  <a:lnTo>
+                    <a:pt x="1712" y="2"/>
+                  </a:lnTo>
+                  <a:lnTo>
+                    <a:pt x="1733" y="13"/>
+                  </a:lnTo>
+                  <a:lnTo>
+                    <a:pt x="1820" y="75"/>
+                  </a:lnTo>
+                  <a:lnTo>
+                    <a:pt x="1913" y="129"/>
+                  </a:lnTo>
+                  <a:lnTo>
+                    <a:pt x="2007" y="179"/>
+                  </a:lnTo>
+                  <a:lnTo>
+                    <a:pt x="2104" y="218"/>
+                  </a:lnTo>
+                  <a:lnTo>
+                    <a:pt x="2202" y="253"/>
+                  </a:lnTo>
+                  <a:lnTo>
+                    <a:pt x="2304" y="279"/>
+                  </a:lnTo>
+                  <a:lnTo>
+                    <a:pt x="2407" y="298"/>
+                  </a:lnTo>
+                  <a:lnTo>
+                    <a:pt x="2511" y="309"/>
+                  </a:lnTo>
+                  <a:lnTo>
+                    <a:pt x="2617" y="314"/>
+                  </a:lnTo>
+                  <a:lnTo>
+                    <a:pt x="2722" y="309"/>
+                  </a:lnTo>
+                  <a:lnTo>
+                    <a:pt x="2827" y="298"/>
+                  </a:lnTo>
+                  <a:lnTo>
+                    <a:pt x="2929" y="279"/>
+                  </a:lnTo>
+                  <a:lnTo>
+                    <a:pt x="3031" y="253"/>
+                  </a:lnTo>
+                  <a:lnTo>
+                    <a:pt x="3129" y="218"/>
+                  </a:lnTo>
+                  <a:lnTo>
+                    <a:pt x="3226" y="179"/>
+                  </a:lnTo>
+                  <a:lnTo>
+                    <a:pt x="3322" y="129"/>
+                  </a:lnTo>
+                  <a:lnTo>
+                    <a:pt x="3412" y="75"/>
+                  </a:lnTo>
+                  <a:lnTo>
+                    <a:pt x="3501" y="13"/>
+                  </a:lnTo>
+                  <a:lnTo>
+                    <a:pt x="3521" y="2"/>
+                  </a:lnTo>
+                  <a:lnTo>
+                    <a:pt x="3543" y="0"/>
+                  </a:lnTo>
+                  <a:lnTo>
+                    <a:pt x="3563" y="7"/>
+                  </a:lnTo>
+                  <a:lnTo>
+                    <a:pt x="4483" y="486"/>
+                  </a:lnTo>
+                  <a:lnTo>
+                    <a:pt x="4526" y="513"/>
+                  </a:lnTo>
+                  <a:lnTo>
+                    <a:pt x="4562" y="546"/>
+                  </a:lnTo>
+                  <a:lnTo>
+                    <a:pt x="4594" y="584"/>
+                  </a:lnTo>
+                  <a:lnTo>
+                    <a:pt x="4618" y="629"/>
+                  </a:lnTo>
+                  <a:lnTo>
+                    <a:pt x="5209" y="1963"/>
+                  </a:lnTo>
+                  <a:lnTo>
+                    <a:pt x="5225" y="2011"/>
+                  </a:lnTo>
+                  <a:lnTo>
+                    <a:pt x="5235" y="2059"/>
+                  </a:lnTo>
+                  <a:lnTo>
+                    <a:pt x="5235" y="2106"/>
+                  </a:lnTo>
+                  <a:lnTo>
+                    <a:pt x="5227" y="2156"/>
+                  </a:lnTo>
+                  <a:lnTo>
+                    <a:pt x="5211" y="2202"/>
+                  </a:lnTo>
+                  <a:lnTo>
+                    <a:pt x="5187" y="2245"/>
+                  </a:lnTo>
+                  <a:lnTo>
+                    <a:pt x="5157" y="2285"/>
+                  </a:lnTo>
+                  <a:lnTo>
+                    <a:pt x="5120" y="2318"/>
+                  </a:lnTo>
+                  <a:lnTo>
+                    <a:pt x="5081" y="2344"/>
+                  </a:lnTo>
+                  <a:lnTo>
+                    <a:pt x="5036" y="2364"/>
+                  </a:lnTo>
+                  <a:lnTo>
+                    <a:pt x="4988" y="2375"/>
+                  </a:lnTo>
+                  <a:lnTo>
+                    <a:pt x="4939" y="2380"/>
+                  </a:lnTo>
+                  <a:lnTo>
+                    <a:pt x="294" y="2380"/>
+                  </a:lnTo>
+                  <a:lnTo>
+                    <a:pt x="244" y="2375"/>
+                  </a:lnTo>
+                  <a:lnTo>
+                    <a:pt x="197" y="2364"/>
+                  </a:lnTo>
+                  <a:lnTo>
+                    <a:pt x="152" y="2344"/>
+                  </a:lnTo>
+                  <a:lnTo>
+                    <a:pt x="113" y="2318"/>
+                  </a:lnTo>
+                  <a:lnTo>
+                    <a:pt x="76" y="2285"/>
+                  </a:lnTo>
+                  <a:lnTo>
+                    <a:pt x="46" y="2245"/>
+                  </a:lnTo>
+                  <a:lnTo>
+                    <a:pt x="22" y="2202"/>
+                  </a:lnTo>
+                  <a:lnTo>
+                    <a:pt x="6" y="2156"/>
+                  </a:lnTo>
+                  <a:lnTo>
+                    <a:pt x="0" y="2106"/>
+                  </a:lnTo>
+                  <a:lnTo>
+                    <a:pt x="0" y="2059"/>
+                  </a:lnTo>
+                  <a:lnTo>
+                    <a:pt x="8" y="2011"/>
+                  </a:lnTo>
+                  <a:lnTo>
+                    <a:pt x="23" y="1963"/>
+                  </a:lnTo>
+                  <a:lnTo>
+                    <a:pt x="617" y="629"/>
+                  </a:lnTo>
+                  <a:lnTo>
+                    <a:pt x="640" y="584"/>
+                  </a:lnTo>
+                  <a:lnTo>
+                    <a:pt x="671" y="546"/>
+                  </a:lnTo>
+                  <a:lnTo>
+                    <a:pt x="707" y="513"/>
+                  </a:lnTo>
+                  <a:lnTo>
+                    <a:pt x="750" y="486"/>
+                  </a:lnTo>
+                  <a:lnTo>
+                    <a:pt x="1669" y="7"/>
+                  </a:lnTo>
+                  <a:lnTo>
+                    <a:pt x="1690" y="0"/>
+                  </a:lnTo>
+                  <a:close/>
+                </a:path>
+              </a:pathLst>
+            </a:custGeom>
+            <a:solidFill>
+              <a:schemeClr val="bg1">
+                <a:lumMod val="50000"/>
+              </a:schemeClr>
+            </a:solidFill>
+            <a:ln w="0">
+              <a:noFill/>
+              <a:prstDash val="solid"/>
+              <a:round/>
+              <a:headEnd/>
+              <a:tailEnd/>
+            </a:ln>
+          </p:spPr>
+          <p:txBody>
+            <a:bodyPr vert="horz" wrap="square" lIns="91072" tIns="45536" rIns="91072" bIns="45536" numCol="1" anchor="t" anchorCtr="0" compatLnSpc="1">
+              <a:prstTxWarp prst="textNoShape">
+                <a:avLst/>
+              </a:prstTxWarp>
+            </a:bodyPr>
+            <a:lstStyle/>
+            <a:p>
+              <a:pPr algn="ctr"/>
+              <a:endParaRPr lang="ko-KR" altLang="en-US" sz="1793"/>
+            </a:p>
+          </p:txBody>
+        </p:sp>
+      </p:grpSp>
+      <p:sp>
+        <p:nvSpPr>
+          <p:cNvPr id="5" name="TextBox 4"/>
+          <p:cNvSpPr txBox="1"/>
+          <p:nvPr/>
+        </p:nvSpPr>
+        <p:spPr>
+          <a:xfrm>
+            <a:off x="1542662" y="3594836"/>
+            <a:ext cx="1681466" cy="369332"/>
+          </a:xfrm>
+          <a:prstGeom prst="rect">
+            <a:avLst/>
+          </a:prstGeom>
+          <a:noFill/>
+        </p:spPr>
+        <p:txBody>
+          <a:bodyPr wrap="square" rtlCol="0">
+            <a:spAutoFit/>
+          </a:bodyPr>
+          <a:lstStyle/>
+          <a:p>
+            <a:r>
+              <a:rPr lang="ko-KR" altLang="en-US" b="1"/>
+              <a:t>가구 판매업체</a:t>
+            </a:r>
+            <a:endParaRPr lang="ko-KR" altLang="en-US" b="1" dirty="0"/>
+          </a:p>
+        </p:txBody>
+      </p:sp>
+      <p:sp>
+        <p:nvSpPr>
+          <p:cNvPr id="6" name="화살표: 오른쪽 5"/>
+          <p:cNvSpPr/>
+          <p:nvPr/>
+        </p:nvSpPr>
+        <p:spPr>
+          <a:xfrm>
+            <a:off x="2987903" y="2959074"/>
+            <a:ext cx="696139" cy="432048"/>
+          </a:xfrm>
+          <a:prstGeom prst="rightArrow">
+            <a:avLst/>
+          </a:prstGeom>
+          <a:solidFill>
+            <a:schemeClr val="bg1">
+              <a:lumMod val="50000"/>
+            </a:schemeClr>
+          </a:solidFill>
+          <a:ln>
+            <a:noFill/>
+          </a:ln>
+        </p:spPr>
+        <p:style>
+          <a:lnRef idx="2">
+            <a:schemeClr val="accent1">
+              <a:shade val="50000"/>
+            </a:schemeClr>
+          </a:lnRef>
+          <a:fillRef idx="1">
+            <a:schemeClr val="accent1"/>
+          </a:fillRef>
+          <a:effectRef idx="0">
+            <a:schemeClr val="accent1"/>
+          </a:effectRef>
+          <a:fontRef idx="minor">
+            <a:schemeClr val="lt1"/>
+          </a:fontRef>
+        </p:style>
+        <p:txBody>
+          <a:bodyPr rtlCol="0" anchor="ctr"/>
+          <a:lstStyle/>
+          <a:p>
+            <a:pPr algn="ctr"/>
+            <a:endParaRPr lang="ko-KR" altLang="en-US"/>
+          </a:p>
+        </p:txBody>
+      </p:sp>
+      <p:sp>
+        <p:nvSpPr>
+          <p:cNvPr id="7" name="TextBox 6"/>
+          <p:cNvSpPr txBox="1"/>
+          <p:nvPr/>
+        </p:nvSpPr>
+        <p:spPr>
+          <a:xfrm>
+            <a:off x="2867920" y="2487885"/>
+            <a:ext cx="936104" cy="369332"/>
+          </a:xfrm>
+          <a:prstGeom prst="rect">
+            <a:avLst/>
+          </a:prstGeom>
+          <a:noFill/>
+        </p:spPr>
+        <p:txBody>
+          <a:bodyPr wrap="square" rtlCol="0">
+            <a:spAutoFit/>
+          </a:bodyPr>
+          <a:lstStyle/>
+          <a:p>
+            <a:r>
+              <a:rPr lang="ko-KR" altLang="en-US" b="1"/>
+              <a:t>로그인</a:t>
+            </a:r>
+            <a:endParaRPr lang="ko-KR" altLang="en-US" b="1" dirty="0"/>
+          </a:p>
+        </p:txBody>
+      </p:sp>
+      <p:pic>
+        <p:nvPicPr>
+          <p:cNvPr id="8" name="그래픽 7" descr="모니터"/>
+          <p:cNvPicPr>
+            <a:picLocks noChangeAspect="1"/>
+          </p:cNvPicPr>
+          <p:nvPr/>
+        </p:nvPicPr>
+        <p:blipFill>
+          <a:blip r:embed="rId2">
+            <a:extLst>
+              <a:ext uri="{28A0092B-C50C-407E-A947-70E740481C1C}">
+                <a14:useLocalDpi xmlns:a14="http://schemas.microsoft.com/office/drawing/2010/main" val="0"/>
+              </a:ext>
+              <a:ext uri="{96DAC541-7B7A-43D3-8B79-37D633B846F1}">
+                <asvg:svgBlip xmlns:asvg="http://schemas.microsoft.com/office/drawing/2016/SVG/main" r:embed="rId3"/>
+              </a:ext>
+            </a:extLst>
+          </a:blip>
+          <a:stretch>
+            <a:fillRect/>
+          </a:stretch>
+        </p:blipFill>
+        <p:spPr>
+          <a:xfrm>
+            <a:off x="4009161" y="2780929"/>
+            <a:ext cx="914400" cy="914400"/>
+          </a:xfrm>
+          <a:prstGeom prst="rect">
+            <a:avLst/>
+          </a:prstGeom>
+        </p:spPr>
+      </p:pic>
+      <p:sp>
+        <p:nvSpPr>
+          <p:cNvPr id="9" name="TextBox 8"/>
+          <p:cNvSpPr txBox="1"/>
+          <p:nvPr/>
+        </p:nvSpPr>
+        <p:spPr>
+          <a:xfrm>
+            <a:off x="3894328" y="3695329"/>
+            <a:ext cx="1681466" cy="369332"/>
+          </a:xfrm>
+          <a:prstGeom prst="rect">
+            <a:avLst/>
+          </a:prstGeom>
+          <a:noFill/>
+        </p:spPr>
+        <p:txBody>
+          <a:bodyPr wrap="square" rtlCol="0">
+            <a:spAutoFit/>
+          </a:bodyPr>
+          <a:lstStyle/>
+          <a:p>
+            <a:r>
+              <a:rPr lang="ko-KR" altLang="en-US" b="1"/>
+              <a:t>가구 목록</a:t>
+            </a:r>
+            <a:endParaRPr lang="en-US" altLang="ko-KR" b="1"/>
+          </a:p>
+        </p:txBody>
+      </p:sp>
+      <p:sp>
+        <p:nvSpPr>
+          <p:cNvPr id="10" name="화살표: 오른쪽 9"/>
+          <p:cNvSpPr/>
+          <p:nvPr/>
+        </p:nvSpPr>
+        <p:spPr>
+          <a:xfrm>
+            <a:off x="7475969" y="2954372"/>
+            <a:ext cx="696139" cy="432048"/>
+          </a:xfrm>
+          <a:prstGeom prst="rightArrow">
+            <a:avLst/>
+          </a:prstGeom>
+          <a:solidFill>
+            <a:schemeClr val="bg1">
+              <a:lumMod val="50000"/>
+            </a:schemeClr>
+          </a:solidFill>
+          <a:ln>
+            <a:noFill/>
+          </a:ln>
+        </p:spPr>
+        <p:style>
+          <a:lnRef idx="2">
+            <a:schemeClr val="accent1">
+              <a:shade val="50000"/>
+            </a:schemeClr>
+          </a:lnRef>
+          <a:fillRef idx="1">
+            <a:schemeClr val="accent1"/>
+          </a:fillRef>
+          <a:effectRef idx="0">
+            <a:schemeClr val="accent1"/>
+          </a:effectRef>
+          <a:fontRef idx="minor">
+            <a:schemeClr val="lt1"/>
+          </a:fontRef>
+        </p:style>
+        <p:txBody>
+          <a:bodyPr rtlCol="0" anchor="ctr"/>
+          <a:lstStyle/>
+          <a:p>
+            <a:pPr algn="ctr"/>
+            <a:endParaRPr lang="ko-KR" altLang="en-US"/>
+          </a:p>
+        </p:txBody>
+      </p:sp>
+      <p:sp>
+        <p:nvSpPr>
+          <p:cNvPr id="11" name="TextBox 10"/>
+          <p:cNvSpPr txBox="1"/>
+          <p:nvPr/>
+        </p:nvSpPr>
+        <p:spPr>
+          <a:xfrm>
+            <a:off x="4954290" y="2353301"/>
+            <a:ext cx="1284919" cy="369332"/>
+          </a:xfrm>
+          <a:prstGeom prst="rect">
+            <a:avLst/>
+          </a:prstGeom>
+          <a:noFill/>
+        </p:spPr>
+        <p:txBody>
+          <a:bodyPr wrap="square" rtlCol="0">
+            <a:spAutoFit/>
+          </a:bodyPr>
+          <a:lstStyle/>
+          <a:p>
+            <a:r>
+              <a:rPr lang="ko-KR" altLang="en-US" b="1"/>
+              <a:t>가구 등록</a:t>
+            </a:r>
+            <a:endParaRPr lang="ko-KR" altLang="en-US" b="1" dirty="0"/>
+          </a:p>
+        </p:txBody>
+      </p:sp>
+      <p:sp>
+        <p:nvSpPr>
+          <p:cNvPr id="12" name="화살표: 오른쪽 11"/>
+          <p:cNvSpPr/>
+          <p:nvPr/>
+        </p:nvSpPr>
+        <p:spPr>
+          <a:xfrm>
+            <a:off x="5248681" y="2983535"/>
+            <a:ext cx="696139" cy="432048"/>
+          </a:xfrm>
+          <a:prstGeom prst="rightArrow">
+            <a:avLst/>
+          </a:prstGeom>
+          <a:solidFill>
+            <a:schemeClr val="bg1">
+              <a:lumMod val="50000"/>
+            </a:schemeClr>
+          </a:solidFill>
+          <a:ln>
+            <a:noFill/>
+          </a:ln>
+        </p:spPr>
+        <p:style>
+          <a:lnRef idx="2">
+            <a:schemeClr val="accent1">
+              <a:shade val="50000"/>
+            </a:schemeClr>
+          </a:lnRef>
+          <a:fillRef idx="1">
+            <a:schemeClr val="accent1"/>
+          </a:fillRef>
+          <a:effectRef idx="0">
+            <a:schemeClr val="accent1"/>
+          </a:effectRef>
+          <a:fontRef idx="minor">
+            <a:schemeClr val="lt1"/>
+          </a:fontRef>
+        </p:style>
+        <p:txBody>
+          <a:bodyPr rtlCol="0" anchor="ctr"/>
+          <a:lstStyle/>
+          <a:p>
+            <a:pPr algn="ctr"/>
+            <a:endParaRPr lang="ko-KR" altLang="en-US"/>
+          </a:p>
+        </p:txBody>
+      </p:sp>
+      <p:pic>
+        <p:nvPicPr>
+          <p:cNvPr id="16" name="그래픽 15" descr="소파"/>
+          <p:cNvPicPr>
+            <a:picLocks noChangeAspect="1"/>
+          </p:cNvPicPr>
+          <p:nvPr/>
+        </p:nvPicPr>
+        <p:blipFill>
+          <a:blip r:embed="rId4">
+            <a:extLst>
+              <a:ext uri="{28A0092B-C50C-407E-A947-70E740481C1C}">
+                <a14:useLocalDpi xmlns:a14="http://schemas.microsoft.com/office/drawing/2010/main" val="0"/>
+              </a:ext>
+              <a:ext uri="{96DAC541-7B7A-43D3-8B79-37D633B846F1}">
+                <asvg:svgBlip xmlns:asvg="http://schemas.microsoft.com/office/drawing/2016/SVG/main" r:embed="rId5"/>
+              </a:ext>
+            </a:extLst>
+          </a:blip>
+          <a:stretch>
+            <a:fillRect/>
+          </a:stretch>
+        </p:blipFill>
+        <p:spPr>
+          <a:xfrm>
+            <a:off x="6216659" y="2782732"/>
+            <a:ext cx="914400" cy="914400"/>
+          </a:xfrm>
+          <a:prstGeom prst="rect">
+            <a:avLst/>
+          </a:prstGeom>
+        </p:spPr>
+      </p:pic>
+      <p:sp>
+        <p:nvSpPr>
+          <p:cNvPr id="17" name="TextBox 16"/>
+          <p:cNvSpPr txBox="1"/>
+          <p:nvPr/>
+        </p:nvSpPr>
+        <p:spPr>
+          <a:xfrm>
+            <a:off x="5794033" y="3779502"/>
+            <a:ext cx="1759651" cy="369332"/>
+          </a:xfrm>
+          <a:prstGeom prst="rect">
+            <a:avLst/>
+          </a:prstGeom>
+          <a:noFill/>
+        </p:spPr>
+        <p:txBody>
+          <a:bodyPr wrap="square" rtlCol="0">
+            <a:spAutoFit/>
+          </a:bodyPr>
+          <a:lstStyle/>
+          <a:p>
+            <a:r>
+              <a:rPr lang="ko-KR" altLang="en-US" b="1"/>
+              <a:t>가구 정보 입력</a:t>
+            </a:r>
+            <a:endParaRPr lang="en-US" altLang="ko-KR" b="1"/>
+          </a:p>
+        </p:txBody>
+      </p:sp>
+      <p:sp>
+        <p:nvSpPr>
+          <p:cNvPr id="18" name="TextBox 17"/>
+          <p:cNvSpPr txBox="1"/>
+          <p:nvPr/>
+        </p:nvSpPr>
+        <p:spPr>
+          <a:xfrm>
+            <a:off x="7197907" y="2411597"/>
+            <a:ext cx="1284919" cy="369332"/>
+          </a:xfrm>
+          <a:prstGeom prst="rect">
+            <a:avLst/>
+          </a:prstGeom>
+          <a:noFill/>
+        </p:spPr>
+        <p:txBody>
+          <a:bodyPr wrap="square" rtlCol="0">
+            <a:spAutoFit/>
+          </a:bodyPr>
+          <a:lstStyle/>
+          <a:p>
+            <a:r>
+              <a:rPr lang="ko-KR" altLang="en-US" b="1"/>
+              <a:t>입력 완료</a:t>
+            </a:r>
+            <a:endParaRPr lang="ko-KR" altLang="en-US" b="1" dirty="0"/>
+          </a:p>
+        </p:txBody>
+      </p:sp>
+      <p:pic>
+        <p:nvPicPr>
+          <p:cNvPr id="19" name="그래픽 18" descr="모니터"/>
+          <p:cNvPicPr>
+            <a:picLocks noChangeAspect="1"/>
+          </p:cNvPicPr>
+          <p:nvPr/>
+        </p:nvPicPr>
+        <p:blipFill>
+          <a:blip r:embed="rId2">
+            <a:extLst>
+              <a:ext uri="{28A0092B-C50C-407E-A947-70E740481C1C}">
+                <a14:useLocalDpi xmlns:a14="http://schemas.microsoft.com/office/drawing/2010/main" val="0"/>
+              </a:ext>
+              <a:ext uri="{96DAC541-7B7A-43D3-8B79-37D633B846F1}">
+                <asvg:svgBlip xmlns:asvg="http://schemas.microsoft.com/office/drawing/2016/SVG/main" r:embed="rId3"/>
+              </a:ext>
+            </a:extLst>
+          </a:blip>
+          <a:stretch>
+            <a:fillRect/>
+          </a:stretch>
+        </p:blipFill>
+        <p:spPr>
+          <a:xfrm>
+            <a:off x="8449435" y="2752391"/>
+            <a:ext cx="914400" cy="914400"/>
+          </a:xfrm>
+          <a:prstGeom prst="rect">
+            <a:avLst/>
+          </a:prstGeom>
+        </p:spPr>
+      </p:pic>
+      <p:sp>
+        <p:nvSpPr>
+          <p:cNvPr id="20" name="TextBox 19"/>
+          <p:cNvSpPr txBox="1"/>
+          <p:nvPr/>
+        </p:nvSpPr>
+        <p:spPr>
+          <a:xfrm>
+            <a:off x="8069229" y="3666791"/>
+            <a:ext cx="2589212" cy="646331"/>
+          </a:xfrm>
+          <a:prstGeom prst="rect">
+            <a:avLst/>
+          </a:prstGeom>
+          <a:noFill/>
+        </p:spPr>
+        <p:txBody>
+          <a:bodyPr wrap="square" rtlCol="0">
+            <a:spAutoFit/>
+          </a:bodyPr>
+          <a:lstStyle/>
+          <a:p>
+            <a:r>
+              <a:rPr lang="ko-KR" altLang="en-US" b="1"/>
+              <a:t>이후 고객은 해당 가구 구매 가능</a:t>
+            </a:r>
+            <a:endParaRPr lang="en-US" altLang="ko-KR" b="1"/>
+          </a:p>
+        </p:txBody>
+      </p:sp>
+    </p:spTree>
+    <p:extLst>
+      <p:ext uri="{BB962C8B-B14F-4D97-AF65-F5344CB8AC3E}">
+        <p14:creationId xmlns:p14="http://schemas.microsoft.com/office/powerpoint/2010/main" val="865551988"/>
+      </p:ext>
+    </p:extLst>
+  </p:cSld>
+  <p:clrMapOvr>
+    <a:masterClrMapping/>
+  </p:clrMapOvr>
 </p:sld>
 </file>
 

--- a/기획서/image/온라인 가구몰 프로세스.pptx
+++ b/기획서/image/온라인 가구몰 프로세스.pptx
@@ -5,7 +5,7 @@
     <p:sldMasterId id="2147483648" r:id="rId1"/>
   </p:sldMasterIdLst>
   <p:notesMasterIdLst>
-    <p:notesMasterId r:id="rId12"/>
+    <p:notesMasterId r:id="rId13"/>
   </p:notesMasterIdLst>
   <p:sldIdLst>
     <p:sldId id="257" r:id="rId2"/>
@@ -18,6 +18,7 @@
     <p:sldId id="264" r:id="rId9"/>
     <p:sldId id="265" r:id="rId10"/>
     <p:sldId id="266" r:id="rId11"/>
+    <p:sldId id="267" r:id="rId12"/>
   </p:sldIdLst>
   <p:sldSz cx="12192000" cy="6858000"/>
   <p:notesSz cx="6858000" cy="9144000"/>
@@ -206,7 +207,7 @@
           <a:p>
             <a:fld id="{6A8BE8A8-348B-4416-BAB8-E3858EB2554C}" type="datetimeFigureOut">
               <a:rPr lang="ko-KR" altLang="en-US" smtClean="0"/>
-              <a:t>2017-03-24</a:t>
+              <a:t>2017-04-03</a:t>
             </a:fld>
             <a:endParaRPr lang="ko-KR" altLang="en-US"/>
           </a:p>
@@ -1022,7 +1023,7 @@
           <a:p>
             <a:fld id="{B7C38B97-10AF-4221-92F9-C1338B08EDC0}" type="datetimeFigureOut">
               <a:rPr lang="ko-KR" altLang="en-US" smtClean="0"/>
-              <a:t>2017-03-24</a:t>
+              <a:t>2017-04-03</a:t>
             </a:fld>
             <a:endParaRPr lang="ko-KR" altLang="en-US"/>
           </a:p>
@@ -1190,7 +1191,7 @@
           <a:p>
             <a:fld id="{B7C38B97-10AF-4221-92F9-C1338B08EDC0}" type="datetimeFigureOut">
               <a:rPr lang="ko-KR" altLang="en-US" smtClean="0"/>
-              <a:t>2017-03-24</a:t>
+              <a:t>2017-04-03</a:t>
             </a:fld>
             <a:endParaRPr lang="ko-KR" altLang="en-US"/>
           </a:p>
@@ -1368,7 +1369,7 @@
           <a:p>
             <a:fld id="{B7C38B97-10AF-4221-92F9-C1338B08EDC0}" type="datetimeFigureOut">
               <a:rPr lang="ko-KR" altLang="en-US" smtClean="0"/>
-              <a:t>2017-03-24</a:t>
+              <a:t>2017-04-03</a:t>
             </a:fld>
             <a:endParaRPr lang="ko-KR" altLang="en-US"/>
           </a:p>
@@ -1536,7 +1537,7 @@
           <a:p>
             <a:fld id="{B7C38B97-10AF-4221-92F9-C1338B08EDC0}" type="datetimeFigureOut">
               <a:rPr lang="ko-KR" altLang="en-US" smtClean="0"/>
-              <a:t>2017-03-24</a:t>
+              <a:t>2017-04-03</a:t>
             </a:fld>
             <a:endParaRPr lang="ko-KR" altLang="en-US"/>
           </a:p>
@@ -1781,7 +1782,7 @@
           <a:p>
             <a:fld id="{B7C38B97-10AF-4221-92F9-C1338B08EDC0}" type="datetimeFigureOut">
               <a:rPr lang="ko-KR" altLang="en-US" smtClean="0"/>
-              <a:t>2017-03-24</a:t>
+              <a:t>2017-04-03</a:t>
             </a:fld>
             <a:endParaRPr lang="ko-KR" altLang="en-US"/>
           </a:p>
@@ -2010,7 +2011,7 @@
           <a:p>
             <a:fld id="{B7C38B97-10AF-4221-92F9-C1338B08EDC0}" type="datetimeFigureOut">
               <a:rPr lang="ko-KR" altLang="en-US" smtClean="0"/>
-              <a:t>2017-03-24</a:t>
+              <a:t>2017-04-03</a:t>
             </a:fld>
             <a:endParaRPr lang="ko-KR" altLang="en-US"/>
           </a:p>
@@ -2374,7 +2375,7 @@
           <a:p>
             <a:fld id="{B7C38B97-10AF-4221-92F9-C1338B08EDC0}" type="datetimeFigureOut">
               <a:rPr lang="ko-KR" altLang="en-US" smtClean="0"/>
-              <a:t>2017-03-24</a:t>
+              <a:t>2017-04-03</a:t>
             </a:fld>
             <a:endParaRPr lang="ko-KR" altLang="en-US"/>
           </a:p>
@@ -2491,7 +2492,7 @@
           <a:p>
             <a:fld id="{B7C38B97-10AF-4221-92F9-C1338B08EDC0}" type="datetimeFigureOut">
               <a:rPr lang="ko-KR" altLang="en-US" smtClean="0"/>
-              <a:t>2017-03-24</a:t>
+              <a:t>2017-04-03</a:t>
             </a:fld>
             <a:endParaRPr lang="ko-KR" altLang="en-US"/>
           </a:p>
@@ -2586,7 +2587,7 @@
           <a:p>
             <a:fld id="{B7C38B97-10AF-4221-92F9-C1338B08EDC0}" type="datetimeFigureOut">
               <a:rPr lang="ko-KR" altLang="en-US" smtClean="0"/>
-              <a:t>2017-03-24</a:t>
+              <a:t>2017-04-03</a:t>
             </a:fld>
             <a:endParaRPr lang="ko-KR" altLang="en-US"/>
           </a:p>
@@ -2861,7 +2862,7 @@
           <a:p>
             <a:fld id="{B7C38B97-10AF-4221-92F9-C1338B08EDC0}" type="datetimeFigureOut">
               <a:rPr lang="ko-KR" altLang="en-US" smtClean="0"/>
-              <a:t>2017-03-24</a:t>
+              <a:t>2017-04-03</a:t>
             </a:fld>
             <a:endParaRPr lang="ko-KR" altLang="en-US"/>
           </a:p>
@@ -3113,7 +3114,7 @@
           <a:p>
             <a:fld id="{B7C38B97-10AF-4221-92F9-C1338B08EDC0}" type="datetimeFigureOut">
               <a:rPr lang="ko-KR" altLang="en-US" smtClean="0"/>
-              <a:t>2017-03-24</a:t>
+              <a:t>2017-04-03</a:t>
             </a:fld>
             <a:endParaRPr lang="ko-KR" altLang="en-US"/>
           </a:p>
@@ -3324,7 +3325,7 @@
           <a:p>
             <a:fld id="{B7C38B97-10AF-4221-92F9-C1338B08EDC0}" type="datetimeFigureOut">
               <a:rPr lang="ko-KR" altLang="en-US" smtClean="0"/>
-              <a:t>2017-03-24</a:t>
+              <a:t>2017-04-03</a:t>
             </a:fld>
             <a:endParaRPr lang="ko-KR" altLang="en-US"/>
           </a:p>
@@ -4960,13 +4961,13 @@
           <p:nvPr/>
         </p:nvPicPr>
         <p:blipFill>
-          <a:blip r:embed="rId2">
+          <a:blip r:embed="rId2" cstate="print">
             <a:extLst>
               <a:ext uri="{28A0092B-C50C-407E-A947-70E740481C1C}">
                 <a14:useLocalDpi xmlns:a14="http://schemas.microsoft.com/office/drawing/2010/main" val="0"/>
               </a:ext>
               <a:ext uri="{96DAC541-7B7A-43D3-8B79-37D633B846F1}">
-                <asvg:svgBlip xmlns:asvg="http://schemas.microsoft.com/office/drawing/2016/SVG/main" r:embed="rId3"/>
+                <asvg:svgBlip xmlns:asvg="http://schemas.microsoft.com/office/drawing/2016/SVG/main" xmlns="" r:embed="rId3"/>
               </a:ext>
             </a:extLst>
           </a:blip>
@@ -5148,13 +5149,13 @@
           <p:nvPr/>
         </p:nvPicPr>
         <p:blipFill>
-          <a:blip r:embed="rId4">
+          <a:blip r:embed="rId4" cstate="print">
             <a:extLst>
               <a:ext uri="{28A0092B-C50C-407E-A947-70E740481C1C}">
                 <a14:useLocalDpi xmlns:a14="http://schemas.microsoft.com/office/drawing/2010/main" val="0"/>
               </a:ext>
               <a:ext uri="{96DAC541-7B7A-43D3-8B79-37D633B846F1}">
-                <asvg:svgBlip xmlns:asvg="http://schemas.microsoft.com/office/drawing/2016/SVG/main" r:embed="rId5"/>
+                <asvg:svgBlip xmlns:asvg="http://schemas.microsoft.com/office/drawing/2016/SVG/main" xmlns="" r:embed="rId5"/>
               </a:ext>
             </a:extLst>
           </a:blip>
@@ -5181,13 +5182,13 @@
           <p:nvPr/>
         </p:nvPicPr>
         <p:blipFill>
-          <a:blip r:embed="rId6">
+          <a:blip r:embed="rId6" cstate="print">
             <a:extLst>
               <a:ext uri="{28A0092B-C50C-407E-A947-70E740481C1C}">
                 <a14:useLocalDpi xmlns:a14="http://schemas.microsoft.com/office/drawing/2010/main" val="0"/>
               </a:ext>
               <a:ext uri="{96DAC541-7B7A-43D3-8B79-37D633B846F1}">
-                <asvg:svgBlip xmlns:asvg="http://schemas.microsoft.com/office/drawing/2016/SVG/main" r:embed="rId7"/>
+                <asvg:svgBlip xmlns:asvg="http://schemas.microsoft.com/office/drawing/2016/SVG/main" xmlns="" r:embed="rId7"/>
               </a:ext>
             </a:extLst>
           </a:blip>
@@ -6710,13 +6711,13 @@
           <p:nvPr/>
         </p:nvPicPr>
         <p:blipFill>
-          <a:blip r:embed="rId2">
+          <a:blip r:embed="rId2" cstate="print">
             <a:extLst>
               <a:ext uri="{28A0092B-C50C-407E-A947-70E740481C1C}">
                 <a14:useLocalDpi xmlns:a14="http://schemas.microsoft.com/office/drawing/2010/main" val="0"/>
               </a:ext>
               <a:ext uri="{96DAC541-7B7A-43D3-8B79-37D633B846F1}">
-                <asvg:svgBlip xmlns:asvg="http://schemas.microsoft.com/office/drawing/2016/SVG/main" r:embed="rId3"/>
+                <asvg:svgBlip xmlns:asvg="http://schemas.microsoft.com/office/drawing/2016/SVG/main" xmlns="" r:embed="rId3"/>
               </a:ext>
             </a:extLst>
           </a:blip>
@@ -6959,13 +6960,13 @@
           <p:nvPr/>
         </p:nvPicPr>
         <p:blipFill>
-          <a:blip r:embed="rId2">
+          <a:blip r:embed="rId2" cstate="print">
             <a:extLst>
               <a:ext uri="{28A0092B-C50C-407E-A947-70E740481C1C}">
                 <a14:useLocalDpi xmlns:a14="http://schemas.microsoft.com/office/drawing/2010/main" val="0"/>
               </a:ext>
               <a:ext uri="{96DAC541-7B7A-43D3-8B79-37D633B846F1}">
-                <asvg:svgBlip xmlns:asvg="http://schemas.microsoft.com/office/drawing/2016/SVG/main" r:embed="rId3"/>
+                <asvg:svgBlip xmlns:asvg="http://schemas.microsoft.com/office/drawing/2016/SVG/main" xmlns="" r:embed="rId3"/>
               </a:ext>
             </a:extLst>
           </a:blip>
@@ -7047,6 +7048,518 @@
     <p:extLst>
       <p:ext uri="{BB962C8B-B14F-4D97-AF65-F5344CB8AC3E}">
         <p14:creationId xmlns:p14="http://schemas.microsoft.com/office/powerpoint/2010/main" val="4188594555"/>
+      </p:ext>
+    </p:extLst>
+  </p:cSld>
+  <p:clrMapOvr>
+    <a:masterClrMapping/>
+  </p:clrMapOvr>
+</p:sld>
+</file>
+
+<file path=ppt/slides/slide11.xml><?xml version="1.0" encoding="utf-8"?>
+<p:sld xmlns:a="http://schemas.openxmlformats.org/drawingml/2006/main" xmlns:r="http://schemas.openxmlformats.org/officeDocument/2006/relationships" xmlns:p="http://schemas.openxmlformats.org/presentationml/2006/main">
+  <p:cSld>
+    <p:spTree>
+      <p:nvGrpSpPr>
+        <p:cNvPr id="1" name=""/>
+        <p:cNvGrpSpPr/>
+        <p:nvPr/>
+      </p:nvGrpSpPr>
+      <p:grpSpPr>
+        <a:xfrm>
+          <a:off x="0" y="0"/>
+          <a:ext cx="0" cy="0"/>
+          <a:chOff x="0" y="0"/>
+          <a:chExt cx="0" cy="0"/>
+        </a:xfrm>
+      </p:grpSpPr>
+      <p:sp>
+        <p:nvSpPr>
+          <p:cNvPr id="3" name="화살표: 오른쪽 21"/>
+          <p:cNvSpPr/>
+          <p:nvPr/>
+        </p:nvSpPr>
+        <p:spPr>
+          <a:xfrm>
+            <a:off x="2398742" y="3177351"/>
+            <a:ext cx="696139" cy="432048"/>
+          </a:xfrm>
+          <a:prstGeom prst="rightArrow">
+            <a:avLst/>
+          </a:prstGeom>
+          <a:solidFill>
+            <a:schemeClr val="tx2"/>
+          </a:solidFill>
+          <a:ln>
+            <a:noFill/>
+          </a:ln>
+        </p:spPr>
+        <p:style>
+          <a:lnRef idx="2">
+            <a:schemeClr val="accent1">
+              <a:shade val="50000"/>
+            </a:schemeClr>
+          </a:lnRef>
+          <a:fillRef idx="1">
+            <a:schemeClr val="accent1"/>
+          </a:fillRef>
+          <a:effectRef idx="0">
+            <a:schemeClr val="accent1"/>
+          </a:effectRef>
+          <a:fontRef idx="minor">
+            <a:schemeClr val="lt1"/>
+          </a:fontRef>
+        </p:style>
+        <p:txBody>
+          <a:bodyPr rtlCol="0" anchor="ctr"/>
+          <a:lstStyle/>
+          <a:p>
+            <a:pPr algn="ctr"/>
+            <a:endParaRPr lang="ko-KR" altLang="en-US"/>
+          </a:p>
+        </p:txBody>
+      </p:sp>
+      <p:sp>
+        <p:nvSpPr>
+          <p:cNvPr id="4" name="TextBox 3"/>
+          <p:cNvSpPr txBox="1"/>
+          <p:nvPr/>
+        </p:nvSpPr>
+        <p:spPr>
+          <a:xfrm>
+            <a:off x="2398742" y="2373905"/>
+            <a:ext cx="936104" cy="646331"/>
+          </a:xfrm>
+          <a:prstGeom prst="rect">
+            <a:avLst/>
+          </a:prstGeom>
+          <a:noFill/>
+        </p:spPr>
+        <p:txBody>
+          <a:bodyPr wrap="square" rtlCol="0">
+            <a:spAutoFit/>
+          </a:bodyPr>
+          <a:lstStyle/>
+          <a:p>
+            <a:r>
+              <a:rPr lang="en-US" altLang="ko-KR" b="1" dirty="0" smtClean="0"/>
+              <a:t> AR</a:t>
+            </a:r>
+          </a:p>
+          <a:p>
+            <a:r>
+              <a:rPr lang="ko-KR" altLang="en-US" b="1" dirty="0" smtClean="0"/>
+              <a:t>실행</a:t>
+            </a:r>
+            <a:endParaRPr lang="ko-KR" altLang="en-US" b="1" dirty="0"/>
+          </a:p>
+        </p:txBody>
+      </p:sp>
+      <p:pic>
+        <p:nvPicPr>
+          <p:cNvPr id="7" name="그림 6"/>
+          <p:cNvPicPr>
+            <a:picLocks noChangeAspect="1"/>
+          </p:cNvPicPr>
+          <p:nvPr/>
+        </p:nvPicPr>
+        <p:blipFill>
+          <a:blip r:embed="rId2">
+            <a:extLst>
+              <a:ext uri="{28A0092B-C50C-407E-A947-70E740481C1C}">
+                <a14:useLocalDpi xmlns:a14="http://schemas.microsoft.com/office/drawing/2010/main" val="0"/>
+              </a:ext>
+            </a:extLst>
+          </a:blip>
+          <a:stretch>
+            <a:fillRect/>
+          </a:stretch>
+        </p:blipFill>
+        <p:spPr>
+          <a:xfrm>
+            <a:off x="3637002" y="2584000"/>
+            <a:ext cx="1618746" cy="1618746"/>
+          </a:xfrm>
+          <a:prstGeom prst="rect">
+            <a:avLst/>
+          </a:prstGeom>
+        </p:spPr>
+      </p:pic>
+      <p:pic>
+        <p:nvPicPr>
+          <p:cNvPr id="9" name="그림 8"/>
+          <p:cNvPicPr>
+            <a:picLocks noChangeAspect="1"/>
+          </p:cNvPicPr>
+          <p:nvPr/>
+        </p:nvPicPr>
+        <p:blipFill>
+          <a:blip r:embed="rId3" cstate="print">
+            <a:extLst>
+              <a:ext uri="{28A0092B-C50C-407E-A947-70E740481C1C}">
+                <a14:useLocalDpi xmlns:a14="http://schemas.microsoft.com/office/drawing/2010/main" val="0"/>
+              </a:ext>
+            </a:extLst>
+          </a:blip>
+          <a:stretch>
+            <a:fillRect/>
+          </a:stretch>
+        </p:blipFill>
+        <p:spPr>
+          <a:xfrm>
+            <a:off x="477840" y="2584001"/>
+            <a:ext cx="1618746" cy="1618746"/>
+          </a:xfrm>
+          <a:prstGeom prst="rect">
+            <a:avLst/>
+          </a:prstGeom>
+        </p:spPr>
+      </p:pic>
+      <p:pic>
+        <p:nvPicPr>
+          <p:cNvPr id="10" name="그림 9"/>
+          <p:cNvPicPr>
+            <a:picLocks noChangeAspect="1"/>
+          </p:cNvPicPr>
+          <p:nvPr/>
+        </p:nvPicPr>
+        <p:blipFill>
+          <a:blip r:embed="rId4">
+            <a:extLst>
+              <a:ext uri="{28A0092B-C50C-407E-A947-70E740481C1C}">
+                <a14:useLocalDpi xmlns:a14="http://schemas.microsoft.com/office/drawing/2010/main" val="0"/>
+              </a:ext>
+            </a:extLst>
+          </a:blip>
+          <a:stretch>
+            <a:fillRect/>
+          </a:stretch>
+        </p:blipFill>
+        <p:spPr>
+          <a:xfrm>
+            <a:off x="6550097" y="2743075"/>
+            <a:ext cx="1300593" cy="1300593"/>
+          </a:xfrm>
+          <a:prstGeom prst="rect">
+            <a:avLst/>
+          </a:prstGeom>
+        </p:spPr>
+      </p:pic>
+      <p:sp>
+        <p:nvSpPr>
+          <p:cNvPr id="11" name="화살표: 오른쪽 21"/>
+          <p:cNvSpPr/>
+          <p:nvPr/>
+        </p:nvSpPr>
+        <p:spPr>
+          <a:xfrm>
+            <a:off x="5499968" y="3177348"/>
+            <a:ext cx="696139" cy="432048"/>
+          </a:xfrm>
+          <a:prstGeom prst="rightArrow">
+            <a:avLst/>
+          </a:prstGeom>
+          <a:solidFill>
+            <a:schemeClr val="tx2"/>
+          </a:solidFill>
+          <a:ln>
+            <a:noFill/>
+          </a:ln>
+        </p:spPr>
+        <p:style>
+          <a:lnRef idx="2">
+            <a:schemeClr val="accent1">
+              <a:shade val="50000"/>
+            </a:schemeClr>
+          </a:lnRef>
+          <a:fillRef idx="1">
+            <a:schemeClr val="accent1"/>
+          </a:fillRef>
+          <a:effectRef idx="0">
+            <a:schemeClr val="accent1"/>
+          </a:effectRef>
+          <a:fontRef idx="minor">
+            <a:schemeClr val="lt1"/>
+          </a:fontRef>
+        </p:style>
+        <p:txBody>
+          <a:bodyPr rtlCol="0" anchor="ctr"/>
+          <a:lstStyle/>
+          <a:p>
+            <a:pPr algn="ctr"/>
+            <a:endParaRPr lang="ko-KR" altLang="en-US"/>
+          </a:p>
+        </p:txBody>
+      </p:sp>
+      <p:sp>
+        <p:nvSpPr>
+          <p:cNvPr id="12" name="TextBox 11"/>
+          <p:cNvSpPr txBox="1"/>
+          <p:nvPr/>
+        </p:nvSpPr>
+        <p:spPr>
+          <a:xfrm>
+            <a:off x="3794930" y="4202746"/>
+            <a:ext cx="1302890" cy="369332"/>
+          </a:xfrm>
+          <a:prstGeom prst="rect">
+            <a:avLst/>
+          </a:prstGeom>
+          <a:noFill/>
+        </p:spPr>
+        <p:txBody>
+          <a:bodyPr wrap="square" rtlCol="0">
+            <a:spAutoFit/>
+          </a:bodyPr>
+          <a:lstStyle/>
+          <a:p>
+            <a:r>
+              <a:rPr lang="ko-KR" altLang="en-US" b="1" dirty="0" smtClean="0"/>
+              <a:t>실내 공간</a:t>
+            </a:r>
+            <a:endParaRPr lang="ko-KR" altLang="en-US" b="1" dirty="0"/>
+          </a:p>
+        </p:txBody>
+      </p:sp>
+      <p:sp>
+        <p:nvSpPr>
+          <p:cNvPr id="13" name="TextBox 12"/>
+          <p:cNvSpPr txBox="1"/>
+          <p:nvPr/>
+        </p:nvSpPr>
+        <p:spPr>
+          <a:xfrm>
+            <a:off x="5476697" y="2373904"/>
+            <a:ext cx="1302890" cy="646331"/>
+          </a:xfrm>
+          <a:prstGeom prst="rect">
+            <a:avLst/>
+          </a:prstGeom>
+          <a:noFill/>
+        </p:spPr>
+        <p:txBody>
+          <a:bodyPr wrap="square" rtlCol="0">
+            <a:spAutoFit/>
+          </a:bodyPr>
+          <a:lstStyle/>
+          <a:p>
+            <a:r>
+              <a:rPr lang="ko-KR" altLang="en-US" b="1" dirty="0" err="1" smtClean="0"/>
+              <a:t>마커</a:t>
+            </a:r>
+            <a:r>
+              <a:rPr lang="ko-KR" altLang="en-US" b="1" dirty="0" smtClean="0"/>
+              <a:t> </a:t>
+            </a:r>
+            <a:endParaRPr lang="en-US" altLang="ko-KR" b="1" dirty="0" smtClean="0"/>
+          </a:p>
+          <a:p>
+            <a:r>
+              <a:rPr lang="ko-KR" altLang="en-US" b="1" dirty="0" err="1" smtClean="0"/>
+              <a:t>픽스</a:t>
+            </a:r>
+            <a:endParaRPr lang="ko-KR" altLang="en-US" b="1" dirty="0"/>
+          </a:p>
+        </p:txBody>
+      </p:sp>
+      <p:sp>
+        <p:nvSpPr>
+          <p:cNvPr id="14" name="화살표: 오른쪽 21"/>
+          <p:cNvSpPr/>
+          <p:nvPr/>
+        </p:nvSpPr>
+        <p:spPr>
+          <a:xfrm>
+            <a:off x="8265297" y="3177348"/>
+            <a:ext cx="696139" cy="432048"/>
+          </a:xfrm>
+          <a:prstGeom prst="rightArrow">
+            <a:avLst/>
+          </a:prstGeom>
+          <a:solidFill>
+            <a:schemeClr val="tx2"/>
+          </a:solidFill>
+          <a:ln>
+            <a:noFill/>
+          </a:ln>
+        </p:spPr>
+        <p:style>
+          <a:lnRef idx="2">
+            <a:schemeClr val="accent1">
+              <a:shade val="50000"/>
+            </a:schemeClr>
+          </a:lnRef>
+          <a:fillRef idx="1">
+            <a:schemeClr val="accent1"/>
+          </a:fillRef>
+          <a:effectRef idx="0">
+            <a:schemeClr val="accent1"/>
+          </a:effectRef>
+          <a:fontRef idx="minor">
+            <a:schemeClr val="lt1"/>
+          </a:fontRef>
+        </p:style>
+        <p:txBody>
+          <a:bodyPr rtlCol="0" anchor="ctr"/>
+          <a:lstStyle/>
+          <a:p>
+            <a:pPr algn="ctr"/>
+            <a:endParaRPr lang="ko-KR" altLang="en-US"/>
+          </a:p>
+        </p:txBody>
+      </p:sp>
+      <p:pic>
+        <p:nvPicPr>
+          <p:cNvPr id="15" name="그림 14"/>
+          <p:cNvPicPr>
+            <a:picLocks noChangeAspect="1"/>
+          </p:cNvPicPr>
+          <p:nvPr/>
+        </p:nvPicPr>
+        <p:blipFill>
+          <a:blip r:embed="rId5">
+            <a:extLst>
+              <a:ext uri="{28A0092B-C50C-407E-A947-70E740481C1C}">
+                <a14:useLocalDpi xmlns:a14="http://schemas.microsoft.com/office/drawing/2010/main" val="0"/>
+              </a:ext>
+            </a:extLst>
+          </a:blip>
+          <a:stretch>
+            <a:fillRect/>
+          </a:stretch>
+        </p:blipFill>
+        <p:spPr>
+          <a:xfrm>
+            <a:off x="9306992" y="2601287"/>
+            <a:ext cx="1584167" cy="1584167"/>
+          </a:xfrm>
+          <a:prstGeom prst="rect">
+            <a:avLst/>
+          </a:prstGeom>
+        </p:spPr>
+      </p:pic>
+      <p:sp>
+        <p:nvSpPr>
+          <p:cNvPr id="16" name="TextBox 15"/>
+          <p:cNvSpPr txBox="1"/>
+          <p:nvPr/>
+        </p:nvSpPr>
+        <p:spPr>
+          <a:xfrm>
+            <a:off x="6498427" y="4202746"/>
+            <a:ext cx="1399070" cy="369332"/>
+          </a:xfrm>
+          <a:prstGeom prst="rect">
+            <a:avLst/>
+          </a:prstGeom>
+          <a:noFill/>
+        </p:spPr>
+        <p:txBody>
+          <a:bodyPr wrap="square" rtlCol="0">
+            <a:spAutoFit/>
+          </a:bodyPr>
+          <a:lstStyle/>
+          <a:p>
+            <a:r>
+              <a:rPr lang="en-US" altLang="ko-KR" b="1" dirty="0" smtClean="0"/>
+              <a:t> </a:t>
+            </a:r>
+            <a:r>
+              <a:rPr lang="ko-KR" altLang="en-US" b="1" dirty="0" err="1" smtClean="0"/>
+              <a:t>마커</a:t>
+            </a:r>
+            <a:r>
+              <a:rPr lang="ko-KR" altLang="en-US" b="1" dirty="0" smtClean="0"/>
+              <a:t> 생성</a:t>
+            </a:r>
+            <a:endParaRPr lang="ko-KR" altLang="en-US" b="1" dirty="0"/>
+          </a:p>
+        </p:txBody>
+      </p:sp>
+      <p:sp>
+        <p:nvSpPr>
+          <p:cNvPr id="17" name="TextBox 16"/>
+          <p:cNvSpPr txBox="1"/>
+          <p:nvPr/>
+        </p:nvSpPr>
+        <p:spPr>
+          <a:xfrm>
+            <a:off x="8178791" y="2373904"/>
+            <a:ext cx="936104" cy="646331"/>
+          </a:xfrm>
+          <a:prstGeom prst="rect">
+            <a:avLst/>
+          </a:prstGeom>
+          <a:noFill/>
+        </p:spPr>
+        <p:txBody>
+          <a:bodyPr wrap="square" rtlCol="0">
+            <a:spAutoFit/>
+          </a:bodyPr>
+          <a:lstStyle/>
+          <a:p>
+            <a:r>
+              <a:rPr lang="en-US" altLang="ko-KR" b="1" dirty="0" smtClean="0"/>
+              <a:t> </a:t>
+            </a:r>
+            <a:r>
+              <a:rPr lang="ko-KR" altLang="en-US" b="1" dirty="0" smtClean="0"/>
+              <a:t>가구</a:t>
+            </a:r>
+            <a:endParaRPr lang="en-US" altLang="ko-KR" b="1" dirty="0" smtClean="0"/>
+          </a:p>
+          <a:p>
+            <a:r>
+              <a:rPr lang="en-US" altLang="ko-KR" b="1" dirty="0" smtClean="0"/>
+              <a:t> </a:t>
+            </a:r>
+            <a:r>
+              <a:rPr lang="ko-KR" altLang="en-US" b="1" dirty="0" smtClean="0"/>
+              <a:t>배치</a:t>
+            </a:r>
+            <a:endParaRPr lang="ko-KR" altLang="en-US" b="1" dirty="0"/>
+          </a:p>
+        </p:txBody>
+      </p:sp>
+      <p:sp>
+        <p:nvSpPr>
+          <p:cNvPr id="18" name="TextBox 17"/>
+          <p:cNvSpPr txBox="1"/>
+          <p:nvPr/>
+        </p:nvSpPr>
+        <p:spPr>
+          <a:xfrm>
+            <a:off x="9142742" y="4190794"/>
+            <a:ext cx="2198410" cy="369332"/>
+          </a:xfrm>
+          <a:prstGeom prst="rect">
+            <a:avLst/>
+          </a:prstGeom>
+          <a:noFill/>
+        </p:spPr>
+        <p:txBody>
+          <a:bodyPr wrap="square" rtlCol="0">
+            <a:spAutoFit/>
+          </a:bodyPr>
+          <a:lstStyle/>
+          <a:p>
+            <a:r>
+              <a:rPr lang="en-US" altLang="ko-KR" b="1" dirty="0" smtClean="0"/>
+              <a:t>3D </a:t>
+            </a:r>
+            <a:r>
+              <a:rPr lang="ko-KR" altLang="en-US" b="1" dirty="0" smtClean="0"/>
+              <a:t>가구 확인 가능</a:t>
+            </a:r>
+            <a:endParaRPr lang="ko-KR" altLang="en-US" b="1" dirty="0"/>
+          </a:p>
+        </p:txBody>
+      </p:sp>
+    </p:spTree>
+    <p:extLst>
+      <p:ext uri="{BB962C8B-B14F-4D97-AF65-F5344CB8AC3E}">
+        <p14:creationId xmlns:p14="http://schemas.microsoft.com/office/powerpoint/2010/main" val="2262816896"/>
       </p:ext>
     </p:extLst>
   </p:cSld>
@@ -7171,13 +7684,13 @@
           <p:nvPr/>
         </p:nvPicPr>
         <p:blipFill>
-          <a:blip r:embed="rId2">
+          <a:blip r:embed="rId2" cstate="print">
             <a:extLst>
               <a:ext uri="{28A0092B-C50C-407E-A947-70E740481C1C}">
                 <a14:useLocalDpi xmlns:a14="http://schemas.microsoft.com/office/drawing/2010/main" val="0"/>
               </a:ext>
               <a:ext uri="{96DAC541-7B7A-43D3-8B79-37D633B846F1}">
-                <asvg:svgBlip xmlns:asvg="http://schemas.microsoft.com/office/drawing/2016/SVG/main" r:embed="rId3"/>
+                <asvg:svgBlip xmlns:asvg="http://schemas.microsoft.com/office/drawing/2016/SVG/main" xmlns="" r:embed="rId3"/>
               </a:ext>
             </a:extLst>
           </a:blip>
@@ -7330,13 +7843,13 @@
           <p:nvPr/>
         </p:nvPicPr>
         <p:blipFill>
-          <a:blip r:embed="rId4">
+          <a:blip r:embed="rId4" cstate="print">
             <a:extLst>
               <a:ext uri="{28A0092B-C50C-407E-A947-70E740481C1C}">
                 <a14:useLocalDpi xmlns:a14="http://schemas.microsoft.com/office/drawing/2010/main" val="0"/>
               </a:ext>
               <a:ext uri="{96DAC541-7B7A-43D3-8B79-37D633B846F1}">
-                <asvg:svgBlip xmlns:asvg="http://schemas.microsoft.com/office/drawing/2016/SVG/main" r:embed="rId5"/>
+                <asvg:svgBlip xmlns:asvg="http://schemas.microsoft.com/office/drawing/2016/SVG/main" xmlns="" r:embed="rId5"/>
               </a:ext>
             </a:extLst>
           </a:blip>
@@ -7363,13 +7876,13 @@
           <p:nvPr/>
         </p:nvPicPr>
         <p:blipFill>
-          <a:blip r:embed="rId6">
+          <a:blip r:embed="rId6" cstate="print">
             <a:extLst>
               <a:ext uri="{28A0092B-C50C-407E-A947-70E740481C1C}">
                 <a14:useLocalDpi xmlns:a14="http://schemas.microsoft.com/office/drawing/2010/main" val="0"/>
               </a:ext>
               <a:ext uri="{96DAC541-7B7A-43D3-8B79-37D633B846F1}">
-                <asvg:svgBlip xmlns:asvg="http://schemas.microsoft.com/office/drawing/2016/SVG/main" r:embed="rId7"/>
+                <asvg:svgBlip xmlns:asvg="http://schemas.microsoft.com/office/drawing/2016/SVG/main" xmlns="" r:embed="rId7"/>
               </a:ext>
             </a:extLst>
           </a:blip>
@@ -7830,13 +8343,13 @@
           <p:nvPr/>
         </p:nvPicPr>
         <p:blipFill>
-          <a:blip r:embed="rId9">
+          <a:blip r:embed="rId9" cstate="print">
             <a:extLst>
               <a:ext uri="{28A0092B-C50C-407E-A947-70E740481C1C}">
                 <a14:useLocalDpi xmlns:a14="http://schemas.microsoft.com/office/drawing/2010/main" val="0"/>
               </a:ext>
               <a:ext uri="{96DAC541-7B7A-43D3-8B79-37D633B846F1}">
-                <asvg:svgBlip xmlns:asvg="http://schemas.microsoft.com/office/drawing/2016/SVG/main" r:embed="rId10"/>
+                <asvg:svgBlip xmlns:asvg="http://schemas.microsoft.com/office/drawing/2016/SVG/main" xmlns="" r:embed="rId10"/>
               </a:ext>
             </a:extLst>
           </a:blip>
@@ -7893,13 +8406,13 @@
           <p:nvPr/>
         </p:nvPicPr>
         <p:blipFill>
-          <a:blip r:embed="rId4">
+          <a:blip r:embed="rId4" cstate="print">
             <a:extLst>
               <a:ext uri="{28A0092B-C50C-407E-A947-70E740481C1C}">
                 <a14:useLocalDpi xmlns:a14="http://schemas.microsoft.com/office/drawing/2010/main" val="0"/>
               </a:ext>
               <a:ext uri="{96DAC541-7B7A-43D3-8B79-37D633B846F1}">
-                <asvg:svgBlip xmlns:asvg="http://schemas.microsoft.com/office/drawing/2016/SVG/main" r:embed="rId5"/>
+                <asvg:svgBlip xmlns:asvg="http://schemas.microsoft.com/office/drawing/2016/SVG/main" xmlns="" r:embed="rId5"/>
               </a:ext>
             </a:extLst>
           </a:blip>
@@ -7926,13 +8439,13 @@
           <p:nvPr/>
         </p:nvPicPr>
         <p:blipFill>
-          <a:blip r:embed="rId11">
+          <a:blip r:embed="rId11" cstate="print">
             <a:extLst>
               <a:ext uri="{28A0092B-C50C-407E-A947-70E740481C1C}">
                 <a14:useLocalDpi xmlns:a14="http://schemas.microsoft.com/office/drawing/2010/main" val="0"/>
               </a:ext>
               <a:ext uri="{96DAC541-7B7A-43D3-8B79-37D633B846F1}">
-                <asvg:svgBlip xmlns:asvg="http://schemas.microsoft.com/office/drawing/2016/SVG/main" r:embed="rId12"/>
+                <asvg:svgBlip xmlns:asvg="http://schemas.microsoft.com/office/drawing/2016/SVG/main" xmlns="" r:embed="rId12"/>
               </a:ext>
             </a:extLst>
           </a:blip>
@@ -8220,13 +8733,13 @@
           <p:nvPr/>
         </p:nvPicPr>
         <p:blipFill>
-          <a:blip r:embed="rId3">
+          <a:blip r:embed="rId3" cstate="print">
             <a:extLst>
               <a:ext uri="{28A0092B-C50C-407E-A947-70E740481C1C}">
                 <a14:useLocalDpi xmlns:a14="http://schemas.microsoft.com/office/drawing/2010/main" val="0"/>
               </a:ext>
               <a:ext uri="{96DAC541-7B7A-43D3-8B79-37D633B846F1}">
-                <asvg:svgBlip xmlns:asvg="http://schemas.microsoft.com/office/drawing/2016/SVG/main" r:embed="rId4"/>
+                <asvg:svgBlip xmlns:asvg="http://schemas.microsoft.com/office/drawing/2016/SVG/main" xmlns="" r:embed="rId4"/>
               </a:ext>
             </a:extLst>
           </a:blip>
@@ -8379,13 +8892,13 @@
           <p:nvPr/>
         </p:nvPicPr>
         <p:blipFill>
-          <a:blip r:embed="rId5">
+          <a:blip r:embed="rId5" cstate="print">
             <a:extLst>
               <a:ext uri="{28A0092B-C50C-407E-A947-70E740481C1C}">
                 <a14:useLocalDpi xmlns:a14="http://schemas.microsoft.com/office/drawing/2010/main" val="0"/>
               </a:ext>
               <a:ext uri="{96DAC541-7B7A-43D3-8B79-37D633B846F1}">
-                <asvg:svgBlip xmlns:asvg="http://schemas.microsoft.com/office/drawing/2016/SVG/main" r:embed="rId6"/>
+                <asvg:svgBlip xmlns:asvg="http://schemas.microsoft.com/office/drawing/2016/SVG/main" xmlns="" r:embed="rId6"/>
               </a:ext>
             </a:extLst>
           </a:blip>
@@ -8412,13 +8925,13 @@
           <p:nvPr/>
         </p:nvPicPr>
         <p:blipFill>
-          <a:blip r:embed="rId7">
+          <a:blip r:embed="rId7" cstate="print">
             <a:extLst>
               <a:ext uri="{28A0092B-C50C-407E-A947-70E740481C1C}">
                 <a14:useLocalDpi xmlns:a14="http://schemas.microsoft.com/office/drawing/2010/main" val="0"/>
               </a:ext>
               <a:ext uri="{96DAC541-7B7A-43D3-8B79-37D633B846F1}">
-                <asvg:svgBlip xmlns:asvg="http://schemas.microsoft.com/office/drawing/2016/SVG/main" r:embed="rId8"/>
+                <asvg:svgBlip xmlns:asvg="http://schemas.microsoft.com/office/drawing/2016/SVG/main" xmlns="" r:embed="rId8"/>
               </a:ext>
             </a:extLst>
           </a:blip>
@@ -8917,13 +9430,13 @@
           <p:nvPr/>
         </p:nvPicPr>
         <p:blipFill>
-          <a:blip r:embed="rId3">
+          <a:blip r:embed="rId3" cstate="print">
             <a:extLst>
               <a:ext uri="{28A0092B-C50C-407E-A947-70E740481C1C}">
                 <a14:useLocalDpi xmlns:a14="http://schemas.microsoft.com/office/drawing/2010/main" val="0"/>
               </a:ext>
               <a:ext uri="{96DAC541-7B7A-43D3-8B79-37D633B846F1}">
-                <asvg:svgBlip xmlns:asvg="http://schemas.microsoft.com/office/drawing/2016/SVG/main" r:embed="rId4"/>
+                <asvg:svgBlip xmlns:asvg="http://schemas.microsoft.com/office/drawing/2016/SVG/main" xmlns="" r:embed="rId4"/>
               </a:ext>
             </a:extLst>
           </a:blip>
@@ -9053,13 +9566,13 @@
           <p:nvPr/>
         </p:nvPicPr>
         <p:blipFill>
-          <a:blip r:embed="rId5">
+          <a:blip r:embed="rId5" cstate="print">
             <a:extLst>
               <a:ext uri="{28A0092B-C50C-407E-A947-70E740481C1C}">
                 <a14:useLocalDpi xmlns:a14="http://schemas.microsoft.com/office/drawing/2010/main" val="0"/>
               </a:ext>
               <a:ext uri="{96DAC541-7B7A-43D3-8B79-37D633B846F1}">
-                <asvg:svgBlip xmlns:asvg="http://schemas.microsoft.com/office/drawing/2016/SVG/main" r:embed="rId6"/>
+                <asvg:svgBlip xmlns:asvg="http://schemas.microsoft.com/office/drawing/2016/SVG/main" xmlns="" r:embed="rId6"/>
               </a:ext>
             </a:extLst>
           </a:blip>
@@ -9127,13 +9640,13 @@
           <p:nvPr/>
         </p:nvPicPr>
         <p:blipFill>
-          <a:blip r:embed="rId7">
+          <a:blip r:embed="rId7" cstate="print">
             <a:extLst>
               <a:ext uri="{28A0092B-C50C-407E-A947-70E740481C1C}">
                 <a14:useLocalDpi xmlns:a14="http://schemas.microsoft.com/office/drawing/2010/main" val="0"/>
               </a:ext>
               <a:ext uri="{96DAC541-7B7A-43D3-8B79-37D633B846F1}">
-                <asvg:svgBlip xmlns:asvg="http://schemas.microsoft.com/office/drawing/2016/SVG/main" r:embed="rId8"/>
+                <asvg:svgBlip xmlns:asvg="http://schemas.microsoft.com/office/drawing/2016/SVG/main" xmlns="" r:embed="rId8"/>
               </a:ext>
             </a:extLst>
           </a:blip>
@@ -9522,13 +10035,13 @@
           <p:nvPr/>
         </p:nvPicPr>
         <p:blipFill>
-          <a:blip r:embed="rId3">
+          <a:blip r:embed="rId3" cstate="print">
             <a:extLst>
               <a:ext uri="{28A0092B-C50C-407E-A947-70E740481C1C}">
                 <a14:useLocalDpi xmlns:a14="http://schemas.microsoft.com/office/drawing/2010/main" val="0"/>
               </a:ext>
               <a:ext uri="{96DAC541-7B7A-43D3-8B79-37D633B846F1}">
-                <asvg:svgBlip xmlns:asvg="http://schemas.microsoft.com/office/drawing/2016/SVG/main" r:embed="rId4"/>
+                <asvg:svgBlip xmlns:asvg="http://schemas.microsoft.com/office/drawing/2016/SVG/main" xmlns="" r:embed="rId4"/>
               </a:ext>
             </a:extLst>
           </a:blip>
@@ -9603,13 +10116,13 @@
           <p:nvPr/>
         </p:nvPicPr>
         <p:blipFill>
-          <a:blip r:embed="rId5">
+          <a:blip r:embed="rId5" cstate="print">
             <a:extLst>
               <a:ext uri="{28A0092B-C50C-407E-A947-70E740481C1C}">
                 <a14:useLocalDpi xmlns:a14="http://schemas.microsoft.com/office/drawing/2010/main" val="0"/>
               </a:ext>
               <a:ext uri="{96DAC541-7B7A-43D3-8B79-37D633B846F1}">
-                <asvg:svgBlip xmlns:asvg="http://schemas.microsoft.com/office/drawing/2016/SVG/main" r:embed="rId6"/>
+                <asvg:svgBlip xmlns:asvg="http://schemas.microsoft.com/office/drawing/2016/SVG/main" xmlns="" r:embed="rId6"/>
               </a:ext>
             </a:extLst>
           </a:blip>
@@ -9652,6 +10165,10 @@
             <a:r>
               <a:rPr lang="ko-KR" altLang="en-US" b="1" dirty="0"/>
               <a:t>유사 가구</a:t>
+            </a:r>
+            <a:r>
+              <a:rPr lang="en-US" altLang="ko-KR" b="1" dirty="0"/>
+              <a:t/>
             </a:r>
             <a:br>
               <a:rPr lang="en-US" altLang="ko-KR" b="1" dirty="0"/>
@@ -9720,13 +10237,13 @@
           <p:nvPr/>
         </p:nvPicPr>
         <p:blipFill>
-          <a:blip r:embed="rId3">
+          <a:blip r:embed="rId3" cstate="print">
             <a:extLst>
               <a:ext uri="{28A0092B-C50C-407E-A947-70E740481C1C}">
                 <a14:useLocalDpi xmlns:a14="http://schemas.microsoft.com/office/drawing/2010/main" val="0"/>
               </a:ext>
               <a:ext uri="{96DAC541-7B7A-43D3-8B79-37D633B846F1}">
-                <asvg:svgBlip xmlns:asvg="http://schemas.microsoft.com/office/drawing/2016/SVG/main" r:embed="rId4"/>
+                <asvg:svgBlip xmlns:asvg="http://schemas.microsoft.com/office/drawing/2016/SVG/main" xmlns="" r:embed="rId4"/>
               </a:ext>
             </a:extLst>
           </a:blip>
@@ -9908,13 +10425,13 @@
           <p:nvPr/>
         </p:nvPicPr>
         <p:blipFill>
-          <a:blip r:embed="rId3">
+          <a:blip r:embed="rId3" cstate="print">
             <a:extLst>
               <a:ext uri="{28A0092B-C50C-407E-A947-70E740481C1C}">
                 <a14:useLocalDpi xmlns:a14="http://schemas.microsoft.com/office/drawing/2010/main" val="0"/>
               </a:ext>
               <a:ext uri="{96DAC541-7B7A-43D3-8B79-37D633B846F1}">
-                <asvg:svgBlip xmlns:asvg="http://schemas.microsoft.com/office/drawing/2016/SVG/main" r:embed="rId4"/>
+                <asvg:svgBlip xmlns:asvg="http://schemas.microsoft.com/office/drawing/2016/SVG/main" xmlns="" r:embed="rId4"/>
               </a:ext>
             </a:extLst>
           </a:blip>
@@ -10019,13 +10536,13 @@
           <p:nvPr/>
         </p:nvPicPr>
         <p:blipFill>
-          <a:blip r:embed="rId5">
+          <a:blip r:embed="rId5" cstate="print">
             <a:extLst>
               <a:ext uri="{28A0092B-C50C-407E-A947-70E740481C1C}">
                 <a14:useLocalDpi xmlns:a14="http://schemas.microsoft.com/office/drawing/2010/main" val="0"/>
               </a:ext>
               <a:ext uri="{96DAC541-7B7A-43D3-8B79-37D633B846F1}">
-                <asvg:svgBlip xmlns:asvg="http://schemas.microsoft.com/office/drawing/2016/SVG/main" r:embed="rId6"/>
+                <asvg:svgBlip xmlns:asvg="http://schemas.microsoft.com/office/drawing/2016/SVG/main" xmlns="" r:embed="rId6"/>
               </a:ext>
             </a:extLst>
           </a:blip>
@@ -10129,13 +10646,13 @@
           <p:nvPr/>
         </p:nvPicPr>
         <p:blipFill>
-          <a:blip r:embed="rId7">
+          <a:blip r:embed="rId7" cstate="print">
             <a:extLst>
               <a:ext uri="{28A0092B-C50C-407E-A947-70E740481C1C}">
                 <a14:useLocalDpi xmlns:a14="http://schemas.microsoft.com/office/drawing/2010/main" val="0"/>
               </a:ext>
               <a:ext uri="{96DAC541-7B7A-43D3-8B79-37D633B846F1}">
-                <asvg:svgBlip xmlns:asvg="http://schemas.microsoft.com/office/drawing/2016/SVG/main" r:embed="rId8"/>
+                <asvg:svgBlip xmlns:asvg="http://schemas.microsoft.com/office/drawing/2016/SVG/main" xmlns="" r:embed="rId8"/>
               </a:ext>
             </a:extLst>
           </a:blip>
@@ -10239,13 +10756,13 @@
           <p:nvPr/>
         </p:nvPicPr>
         <p:blipFill>
-          <a:blip r:embed="rId9">
+          <a:blip r:embed="rId9" cstate="print">
             <a:extLst>
               <a:ext uri="{28A0092B-C50C-407E-A947-70E740481C1C}">
                 <a14:useLocalDpi xmlns:a14="http://schemas.microsoft.com/office/drawing/2010/main" val="0"/>
               </a:ext>
               <a:ext uri="{96DAC541-7B7A-43D3-8B79-37D633B846F1}">
-                <asvg:svgBlip xmlns:asvg="http://schemas.microsoft.com/office/drawing/2016/SVG/main" r:embed="rId10"/>
+                <asvg:svgBlip xmlns:asvg="http://schemas.microsoft.com/office/drawing/2016/SVG/main" xmlns="" r:embed="rId10"/>
               </a:ext>
             </a:extLst>
           </a:blip>
@@ -11628,13 +12145,13 @@
           <p:nvPr/>
         </p:nvPicPr>
         <p:blipFill>
-          <a:blip r:embed="rId3">
+          <a:blip r:embed="rId3" cstate="print">
             <a:extLst>
               <a:ext uri="{28A0092B-C50C-407E-A947-70E740481C1C}">
                 <a14:useLocalDpi xmlns:a14="http://schemas.microsoft.com/office/drawing/2010/main" val="0"/>
               </a:ext>
               <a:ext uri="{96DAC541-7B7A-43D3-8B79-37D633B846F1}">
-                <asvg:svgBlip xmlns:asvg="http://schemas.microsoft.com/office/drawing/2016/SVG/main" r:embed="rId4"/>
+                <asvg:svgBlip xmlns:asvg="http://schemas.microsoft.com/office/drawing/2016/SVG/main" xmlns="" r:embed="rId4"/>
               </a:ext>
             </a:extLst>
           </a:blip>
@@ -11816,13 +12333,13 @@
           <p:nvPr/>
         </p:nvPicPr>
         <p:blipFill>
-          <a:blip r:embed="rId5">
+          <a:blip r:embed="rId5" cstate="print">
             <a:extLst>
               <a:ext uri="{28A0092B-C50C-407E-A947-70E740481C1C}">
                 <a14:useLocalDpi xmlns:a14="http://schemas.microsoft.com/office/drawing/2010/main" val="0"/>
               </a:ext>
               <a:ext uri="{96DAC541-7B7A-43D3-8B79-37D633B846F1}">
-                <asvg:svgBlip xmlns:asvg="http://schemas.microsoft.com/office/drawing/2016/SVG/main" r:embed="rId6"/>
+                <asvg:svgBlip xmlns:asvg="http://schemas.microsoft.com/office/drawing/2016/SVG/main" xmlns="" r:embed="rId6"/>
               </a:ext>
             </a:extLst>
           </a:blip>
@@ -11849,13 +12366,13 @@
           <p:nvPr/>
         </p:nvPicPr>
         <p:blipFill>
-          <a:blip r:embed="rId7">
+          <a:blip r:embed="rId7" cstate="print">
             <a:extLst>
               <a:ext uri="{28A0092B-C50C-407E-A947-70E740481C1C}">
                 <a14:useLocalDpi xmlns:a14="http://schemas.microsoft.com/office/drawing/2010/main" val="0"/>
               </a:ext>
               <a:ext uri="{96DAC541-7B7A-43D3-8B79-37D633B846F1}">
-                <asvg:svgBlip xmlns:asvg="http://schemas.microsoft.com/office/drawing/2016/SVG/main" r:embed="rId8"/>
+                <asvg:svgBlip xmlns:asvg="http://schemas.microsoft.com/office/drawing/2016/SVG/main" xmlns="" r:embed="rId8"/>
               </a:ext>
             </a:extLst>
           </a:blip>
@@ -12316,13 +12833,13 @@
           <p:nvPr/>
         </p:nvPicPr>
         <p:blipFill>
-          <a:blip r:embed="rId10">
+          <a:blip r:embed="rId10" cstate="print">
             <a:extLst>
               <a:ext uri="{28A0092B-C50C-407E-A947-70E740481C1C}">
                 <a14:useLocalDpi xmlns:a14="http://schemas.microsoft.com/office/drawing/2010/main" val="0"/>
               </a:ext>
               <a:ext uri="{96DAC541-7B7A-43D3-8B79-37D633B846F1}">
-                <asvg:svgBlip xmlns:asvg="http://schemas.microsoft.com/office/drawing/2016/SVG/main" r:embed="rId11"/>
+                <asvg:svgBlip xmlns:asvg="http://schemas.microsoft.com/office/drawing/2016/SVG/main" xmlns="" r:embed="rId11"/>
               </a:ext>
             </a:extLst>
           </a:blip>
@@ -12470,13 +12987,13 @@
           <p:nvPr/>
         </p:nvPicPr>
         <p:blipFill>
-          <a:blip r:embed="rId12">
+          <a:blip r:embed="rId12" cstate="print">
             <a:extLst>
               <a:ext uri="{28A0092B-C50C-407E-A947-70E740481C1C}">
                 <a14:useLocalDpi xmlns:a14="http://schemas.microsoft.com/office/drawing/2010/main" val="0"/>
               </a:ext>
               <a:ext uri="{96DAC541-7B7A-43D3-8B79-37D633B846F1}">
-                <asvg:svgBlip xmlns:asvg="http://schemas.microsoft.com/office/drawing/2016/SVG/main" r:embed="rId13"/>
+                <asvg:svgBlip xmlns:asvg="http://schemas.microsoft.com/office/drawing/2016/SVG/main" xmlns="" r:embed="rId13"/>
               </a:ext>
             </a:extLst>
           </a:blip>
@@ -12675,13 +13192,13 @@
           <p:nvPr/>
         </p:nvPicPr>
         <p:blipFill>
-          <a:blip r:embed="rId10">
+          <a:blip r:embed="rId10" cstate="print">
             <a:extLst>
               <a:ext uri="{28A0092B-C50C-407E-A947-70E740481C1C}">
                 <a14:useLocalDpi xmlns:a14="http://schemas.microsoft.com/office/drawing/2010/main" val="0"/>
               </a:ext>
               <a:ext uri="{96DAC541-7B7A-43D3-8B79-37D633B846F1}">
-                <asvg:svgBlip xmlns:asvg="http://schemas.microsoft.com/office/drawing/2016/SVG/main" r:embed="rId11"/>
+                <asvg:svgBlip xmlns:asvg="http://schemas.microsoft.com/office/drawing/2016/SVG/main" xmlns="" r:embed="rId11"/>
               </a:ext>
             </a:extLst>
           </a:blip>
@@ -12756,13 +13273,13 @@
           <p:nvPr/>
         </p:nvPicPr>
         <p:blipFill>
-          <a:blip r:embed="rId14">
+          <a:blip r:embed="rId14" cstate="print">
             <a:extLst>
               <a:ext uri="{28A0092B-C50C-407E-A947-70E740481C1C}">
                 <a14:useLocalDpi xmlns:a14="http://schemas.microsoft.com/office/drawing/2010/main" val="0"/>
               </a:ext>
               <a:ext uri="{96DAC541-7B7A-43D3-8B79-37D633B846F1}">
-                <asvg:svgBlip xmlns:asvg="http://schemas.microsoft.com/office/drawing/2016/SVG/main" r:embed="rId15"/>
+                <asvg:svgBlip xmlns:asvg="http://schemas.microsoft.com/office/drawing/2016/SVG/main" xmlns="" r:embed="rId15"/>
               </a:ext>
             </a:extLst>
           </a:blip>
@@ -12805,6 +13322,10 @@
             <a:r>
               <a:rPr lang="ko-KR" altLang="en-US" b="1" dirty="0"/>
               <a:t>유사 가구</a:t>
+            </a:r>
+            <a:r>
+              <a:rPr lang="en-US" altLang="ko-KR" b="1" dirty="0"/>
+              <a:t/>
             </a:r>
             <a:br>
               <a:rPr lang="en-US" altLang="ko-KR" b="1" dirty="0"/>
@@ -12873,13 +13394,13 @@
           <p:nvPr/>
         </p:nvPicPr>
         <p:blipFill>
-          <a:blip r:embed="rId10">
+          <a:blip r:embed="rId10" cstate="print">
             <a:extLst>
               <a:ext uri="{28A0092B-C50C-407E-A947-70E740481C1C}">
                 <a14:useLocalDpi xmlns:a14="http://schemas.microsoft.com/office/drawing/2010/main" val="0"/>
               </a:ext>
               <a:ext uri="{96DAC541-7B7A-43D3-8B79-37D633B846F1}">
-                <asvg:svgBlip xmlns:asvg="http://schemas.microsoft.com/office/drawing/2016/SVG/main" r:embed="rId11"/>
+                <asvg:svgBlip xmlns:asvg="http://schemas.microsoft.com/office/drawing/2016/SVG/main" xmlns="" r:embed="rId11"/>
               </a:ext>
             </a:extLst>
           </a:blip>
@@ -12984,13 +13505,13 @@
           <p:nvPr/>
         </p:nvPicPr>
         <p:blipFill>
-          <a:blip r:embed="rId16">
+          <a:blip r:embed="rId16" cstate="print">
             <a:extLst>
               <a:ext uri="{28A0092B-C50C-407E-A947-70E740481C1C}">
                 <a14:useLocalDpi xmlns:a14="http://schemas.microsoft.com/office/drawing/2010/main" val="0"/>
               </a:ext>
               <a:ext uri="{96DAC541-7B7A-43D3-8B79-37D633B846F1}">
-                <asvg:svgBlip xmlns:asvg="http://schemas.microsoft.com/office/drawing/2016/SVG/main" r:embed="rId17"/>
+                <asvg:svgBlip xmlns:asvg="http://schemas.microsoft.com/office/drawing/2016/SVG/main" xmlns="" r:embed="rId17"/>
               </a:ext>
             </a:extLst>
           </a:blip>
@@ -13094,13 +13615,13 @@
           <p:nvPr/>
         </p:nvPicPr>
         <p:blipFill>
-          <a:blip r:embed="rId18">
+          <a:blip r:embed="rId18" cstate="print">
             <a:extLst>
               <a:ext uri="{28A0092B-C50C-407E-A947-70E740481C1C}">
                 <a14:useLocalDpi xmlns:a14="http://schemas.microsoft.com/office/drawing/2010/main" val="0"/>
               </a:ext>
               <a:ext uri="{96DAC541-7B7A-43D3-8B79-37D633B846F1}">
-                <asvg:svgBlip xmlns:asvg="http://schemas.microsoft.com/office/drawing/2016/SVG/main" r:embed="rId19"/>
+                <asvg:svgBlip xmlns:asvg="http://schemas.microsoft.com/office/drawing/2016/SVG/main" xmlns="" r:embed="rId19"/>
               </a:ext>
             </a:extLst>
           </a:blip>
@@ -13204,13 +13725,13 @@
           <p:nvPr/>
         </p:nvPicPr>
         <p:blipFill>
-          <a:blip r:embed="rId20">
+          <a:blip r:embed="rId20" cstate="print">
             <a:extLst>
               <a:ext uri="{28A0092B-C50C-407E-A947-70E740481C1C}">
                 <a14:useLocalDpi xmlns:a14="http://schemas.microsoft.com/office/drawing/2010/main" val="0"/>
               </a:ext>
               <a:ext uri="{96DAC541-7B7A-43D3-8B79-37D633B846F1}">
-                <asvg:svgBlip xmlns:asvg="http://schemas.microsoft.com/office/drawing/2016/SVG/main" r:embed="rId21"/>
+                <asvg:svgBlip xmlns:asvg="http://schemas.microsoft.com/office/drawing/2016/SVG/main" xmlns="" r:embed="rId21"/>
               </a:ext>
             </a:extLst>
           </a:blip>
@@ -13418,11 +13939,6 @@
               </a:rPr>
               <a:t>완료</a:t>
             </a:r>
-            <a:endParaRPr lang="ko-KR" altLang="en-US" b="1">
-              <a:solidFill>
-                <a:schemeClr val="tx1"/>
-              </a:solidFill>
-            </a:endParaRPr>
           </a:p>
         </p:txBody>
       </p:sp>
@@ -14595,10 +15111,9 @@
           <a:lstStyle/>
           <a:p>
             <a:r>
-              <a:rPr lang="ko-KR" altLang="en-US" b="1"/>
+              <a:rPr lang="ko-KR" altLang="en-US" b="1" dirty="0"/>
               <a:t>가구 판매업체</a:t>
             </a:r>
-            <a:endParaRPr lang="ko-KR" altLang="en-US" b="1" dirty="0"/>
           </a:p>
         </p:txBody>
       </p:sp>
@@ -14689,13 +15204,13 @@
           <p:nvPr/>
         </p:nvPicPr>
         <p:blipFill>
-          <a:blip r:embed="rId2">
+          <a:blip r:embed="rId2" cstate="print">
             <a:extLst>
               <a:ext uri="{28A0092B-C50C-407E-A947-70E740481C1C}">
                 <a14:useLocalDpi xmlns:a14="http://schemas.microsoft.com/office/drawing/2010/main" val="0"/>
               </a:ext>
               <a:ext uri="{96DAC541-7B7A-43D3-8B79-37D633B846F1}">
-                <asvg:svgBlip xmlns:asvg="http://schemas.microsoft.com/office/drawing/2016/SVG/main" r:embed="rId3"/>
+                <asvg:svgBlip xmlns:asvg="http://schemas.microsoft.com/office/drawing/2016/SVG/main" xmlns="" r:embed="rId3"/>
               </a:ext>
             </a:extLst>
           </a:blip>
@@ -14878,13 +15393,13 @@
           <p:nvPr/>
         </p:nvPicPr>
         <p:blipFill>
-          <a:blip r:embed="rId4">
+          <a:blip r:embed="rId4" cstate="print">
             <a:extLst>
               <a:ext uri="{28A0092B-C50C-407E-A947-70E740481C1C}">
                 <a14:useLocalDpi xmlns:a14="http://schemas.microsoft.com/office/drawing/2010/main" val="0"/>
               </a:ext>
               <a:ext uri="{96DAC541-7B7A-43D3-8B79-37D633B846F1}">
-                <asvg:svgBlip xmlns:asvg="http://schemas.microsoft.com/office/drawing/2016/SVG/main" r:embed="rId5"/>
+                <asvg:svgBlip xmlns:asvg="http://schemas.microsoft.com/office/drawing/2016/SVG/main" xmlns="" r:embed="rId5"/>
               </a:ext>
             </a:extLst>
           </a:blip>
@@ -14971,13 +15486,13 @@
           <p:nvPr/>
         </p:nvPicPr>
         <p:blipFill>
-          <a:blip r:embed="rId2">
+          <a:blip r:embed="rId2" cstate="print">
             <a:extLst>
               <a:ext uri="{28A0092B-C50C-407E-A947-70E740481C1C}">
                 <a14:useLocalDpi xmlns:a14="http://schemas.microsoft.com/office/drawing/2010/main" val="0"/>
               </a:ext>
               <a:ext uri="{96DAC541-7B7A-43D3-8B79-37D633B846F1}">
-                <asvg:svgBlip xmlns:asvg="http://schemas.microsoft.com/office/drawing/2016/SVG/main" r:embed="rId3"/>
+                <asvg:svgBlip xmlns:asvg="http://schemas.microsoft.com/office/drawing/2016/SVG/main" xmlns="" r:embed="rId3"/>
               </a:ext>
             </a:extLst>
           </a:blip>
